--- a/document/Week_2/Report_Week_2.pptx
+++ b/document/Week_2/Report_Week_2.pptx
@@ -5,15 +5,24 @@
     <p:sldMasterId id="2147483648" r:id="rId1"/>
   </p:sldMasterIdLst>
   <p:notesMasterIdLst>
-    <p:notesMasterId r:id="rId8"/>
+    <p:notesMasterId r:id="rId17"/>
   </p:notesMasterIdLst>
   <p:sldIdLst>
     <p:sldId id="256" r:id="rId2"/>
     <p:sldId id="257" r:id="rId3"/>
-    <p:sldId id="258" r:id="rId4"/>
-    <p:sldId id="259" r:id="rId5"/>
-    <p:sldId id="260" r:id="rId6"/>
-    <p:sldId id="261" r:id="rId7"/>
+    <p:sldId id="262" r:id="rId4"/>
+    <p:sldId id="263" r:id="rId5"/>
+    <p:sldId id="264" r:id="rId6"/>
+    <p:sldId id="265" r:id="rId7"/>
+    <p:sldId id="266" r:id="rId8"/>
+    <p:sldId id="267" r:id="rId9"/>
+    <p:sldId id="268" r:id="rId10"/>
+    <p:sldId id="269" r:id="rId11"/>
+    <p:sldId id="270" r:id="rId12"/>
+    <p:sldId id="258" r:id="rId13"/>
+    <p:sldId id="259" r:id="rId14"/>
+    <p:sldId id="260" r:id="rId15"/>
+    <p:sldId id="271" r:id="rId16"/>
   </p:sldIdLst>
   <p:sldSz cx="12192000" cy="6858000"/>
   <p:notesSz cx="6858000" cy="9144000"/>
@@ -202,7 +211,7 @@
           <a:p>
             <a:fld id="{9915614A-DFF0-4564-9F89-671F1D39B91E}" type="datetimeFigureOut">
               <a:rPr lang="en-US" smtClean="0"/>
-              <a:t>10/1/2018</a:t>
+              <a:t>10/3/2018</a:t>
             </a:fld>
             <a:endParaRPr lang="en-US"/>
           </a:p>
@@ -1192,7 +1201,7 @@
             <a:fld id="{B61BEF0D-F0BB-DE4B-95CE-6DB70DBA9567}" type="datetimeFigureOut">
               <a:rPr lang="en-US" dirty="0"/>
               <a:pPr/>
-              <a:t>10/1/2018</a:t>
+              <a:t>10/3/2018</a:t>
             </a:fld>
             <a:endParaRPr lang="en-US" dirty="0"/>
           </a:p>
@@ -1440,7 +1449,7 @@
             <a:fld id="{B61BEF0D-F0BB-DE4B-95CE-6DB70DBA9567}" type="datetimeFigureOut">
               <a:rPr lang="en-US" dirty="0"/>
               <a:pPr/>
-              <a:t>10/1/2018</a:t>
+              <a:t>10/3/2018</a:t>
             </a:fld>
             <a:endParaRPr lang="en-US" dirty="0"/>
           </a:p>
@@ -1751,7 +1760,7 @@
             <a:fld id="{B61BEF0D-F0BB-DE4B-95CE-6DB70DBA9567}" type="datetimeFigureOut">
               <a:rPr lang="en-US" dirty="0"/>
               <a:pPr/>
-              <a:t>10/1/2018</a:t>
+              <a:t>10/3/2018</a:t>
             </a:fld>
             <a:endParaRPr lang="en-US" dirty="0"/>
           </a:p>
@@ -2089,7 +2098,7 @@
             <a:fld id="{B61BEF0D-F0BB-DE4B-95CE-6DB70DBA9567}" type="datetimeFigureOut">
               <a:rPr lang="en-US" dirty="0"/>
               <a:pPr/>
-              <a:t>10/1/2018</a:t>
+              <a:t>10/3/2018</a:t>
             </a:fld>
             <a:endParaRPr lang="en-US" dirty="0"/>
           </a:p>
@@ -2400,7 +2409,7 @@
             <a:fld id="{B61BEF0D-F0BB-DE4B-95CE-6DB70DBA9567}" type="datetimeFigureOut">
               <a:rPr lang="en-US" dirty="0"/>
               <a:pPr/>
-              <a:t>10/1/2018</a:t>
+              <a:t>10/3/2018</a:t>
             </a:fld>
             <a:endParaRPr lang="en-US" dirty="0"/>
           </a:p>
@@ -2790,7 +2799,7 @@
             <a:fld id="{B61BEF0D-F0BB-DE4B-95CE-6DB70DBA9567}" type="datetimeFigureOut">
               <a:rPr lang="en-US" dirty="0"/>
               <a:pPr/>
-              <a:t>10/1/2018</a:t>
+              <a:t>10/3/2018</a:t>
             </a:fld>
             <a:endParaRPr lang="en-US" dirty="0"/>
           </a:p>
@@ -2956,7 +2965,7 @@
           <a:p>
             <a:fld id="{55C6B4A9-1611-4792-9094-5F34BCA07E0B}" type="datetimeFigureOut">
               <a:rPr lang="en-US" dirty="0"/>
-              <a:t>10/1/2018</a:t>
+              <a:t>10/3/2018</a:t>
             </a:fld>
             <a:endParaRPr lang="en-US" dirty="0"/>
           </a:p>
@@ -3132,7 +3141,7 @@
             <a:fld id="{B61BEF0D-F0BB-DE4B-95CE-6DB70DBA9567}" type="datetimeFigureOut">
               <a:rPr lang="en-US" dirty="0"/>
               <a:pPr/>
-              <a:t>10/1/2018</a:t>
+              <a:t>10/3/2018</a:t>
             </a:fld>
             <a:endParaRPr lang="en-US" dirty="0"/>
           </a:p>
@@ -3305,7 +3314,7 @@
             <a:fld id="{B61BEF0D-F0BB-DE4B-95CE-6DB70DBA9567}" type="datetimeFigureOut">
               <a:rPr lang="en-US" dirty="0"/>
               <a:pPr/>
-              <a:t>10/1/2018</a:t>
+              <a:t>10/3/2018</a:t>
             </a:fld>
             <a:endParaRPr lang="en-US" dirty="0"/>
           </a:p>
@@ -3549,7 +3558,7 @@
             <a:fld id="{B61BEF0D-F0BB-DE4B-95CE-6DB70DBA9567}" type="datetimeFigureOut">
               <a:rPr lang="en-US" dirty="0"/>
               <a:pPr/>
-              <a:t>10/1/2018</a:t>
+              <a:t>10/3/2018</a:t>
             </a:fld>
             <a:endParaRPr lang="en-US" dirty="0"/>
           </a:p>
@@ -3777,7 +3786,7 @@
           <a:p>
             <a:fld id="{EB712588-04B1-427B-82EE-E8DB90309F08}" type="datetimeFigureOut">
               <a:rPr lang="en-US" dirty="0"/>
-              <a:t>10/1/2018</a:t>
+              <a:t>10/3/2018</a:t>
             </a:fld>
             <a:endParaRPr lang="en-US" dirty="0"/>
           </a:p>
@@ -4147,7 +4156,7 @@
             <a:fld id="{B61BEF0D-F0BB-DE4B-95CE-6DB70DBA9567}" type="datetimeFigureOut">
               <a:rPr lang="en-US" dirty="0"/>
               <a:pPr/>
-              <a:t>10/1/2018</a:t>
+              <a:t>10/3/2018</a:t>
             </a:fld>
             <a:endParaRPr lang="en-US" dirty="0"/>
           </a:p>
@@ -4267,7 +4276,7 @@
             <a:fld id="{B61BEF0D-F0BB-DE4B-95CE-6DB70DBA9567}" type="datetimeFigureOut">
               <a:rPr lang="en-US" dirty="0"/>
               <a:pPr/>
-              <a:t>10/1/2018</a:t>
+              <a:t>10/3/2018</a:t>
             </a:fld>
             <a:endParaRPr lang="en-US" dirty="0"/>
           </a:p>
@@ -4359,7 +4368,7 @@
             <a:fld id="{B61BEF0D-F0BB-DE4B-95CE-6DB70DBA9567}" type="datetimeFigureOut">
               <a:rPr lang="en-US" dirty="0"/>
               <a:pPr/>
-              <a:t>10/1/2018</a:t>
+              <a:t>10/3/2018</a:t>
             </a:fld>
             <a:endParaRPr lang="en-US" dirty="0"/>
           </a:p>
@@ -4610,7 +4619,7 @@
           <a:p>
             <a:fld id="{42A54C80-263E-416B-A8E0-580EDEADCBDC}" type="datetimeFigureOut">
               <a:rPr lang="en-US" dirty="0"/>
-              <a:t>10/1/2018</a:t>
+              <a:t>10/3/2018</a:t>
             </a:fld>
             <a:endParaRPr lang="en-US" dirty="0"/>
           </a:p>
@@ -4869,7 +4878,7 @@
             <a:fld id="{B61BEF0D-F0BB-DE4B-95CE-6DB70DBA9567}" type="datetimeFigureOut">
               <a:rPr lang="en-US" dirty="0"/>
               <a:pPr/>
-              <a:t>10/1/2018</a:t>
+              <a:t>10/3/2018</a:t>
             </a:fld>
             <a:endParaRPr lang="en-US" dirty="0"/>
           </a:p>
@@ -5609,7 +5618,7 @@
             <a:fld id="{B61BEF0D-F0BB-DE4B-95CE-6DB70DBA9567}" type="datetimeFigureOut">
               <a:rPr lang="en-US" dirty="0"/>
               <a:pPr/>
-              <a:t>10/1/2018</a:t>
+              <a:t>10/3/2018</a:t>
             </a:fld>
             <a:endParaRPr lang="en-US" dirty="0"/>
           </a:p>
@@ -6410,7 +6419,7 @@
 </p:sld>
 </file>
 
-<file path=ppt/slides/slide2.xml><?xml version="1.0" encoding="utf-8"?>
+<file path=ppt/slides/slide10.xml><?xml version="1.0" encoding="utf-8"?>
 <p:sld xmlns:a="http://schemas.openxmlformats.org/drawingml/2006/main" xmlns:r="http://schemas.openxmlformats.org/officeDocument/2006/relationships" xmlns:p="http://schemas.openxmlformats.org/presentationml/2006/main">
   <p:cSld>
     <p:spTree>
@@ -6432,7 +6441,7 @@
           <p:cNvPr id="2" name="Title 1">
             <a:extLst>
               <a:ext uri="{FF2B5EF4-FFF2-40B4-BE49-F238E27FC236}">
-                <a16:creationId xmlns:a16="http://schemas.microsoft.com/office/drawing/2014/main" id="{77708592-AC93-4A1B-903E-444870D891FD}"/>
+                <a16:creationId xmlns:a16="http://schemas.microsoft.com/office/drawing/2014/main" id="{710B0FB4-8417-45AE-9239-6B50E03BFAB7}"/>
               </a:ext>
             </a:extLst>
           </p:cNvPr>
@@ -6450,8 +6459,12 @@
           <a:p>
             <a:r>
               <a:rPr lang="en-US" dirty="0"/>
-              <a:t>REPORT WEEK 2 – Software Project Management Plan</a:t>
+              <a:t>Problem Definition</a:t>
             </a:r>
+            <a:br>
+              <a:rPr lang="en-US" dirty="0"/>
+            </a:br>
+            <a:endParaRPr lang="en-US" dirty="0"/>
           </a:p>
         </p:txBody>
       </p:sp>
@@ -6460,7 +6473,7 @@
           <p:cNvPr id="3" name="Content Placeholder 2">
             <a:extLst>
               <a:ext uri="{FF2B5EF4-FFF2-40B4-BE49-F238E27FC236}">
-                <a16:creationId xmlns:a16="http://schemas.microsoft.com/office/drawing/2014/main" id="{BD454B34-2081-470F-B730-23368ABBDD5B}"/>
+                <a16:creationId xmlns:a16="http://schemas.microsoft.com/office/drawing/2014/main" id="{D580ED7E-0614-403D-A3C5-6790F9781260}"/>
               </a:ext>
             </a:extLst>
           </p:cNvPr>
@@ -6476,27 +6489,10 @@
           <a:bodyPr/>
           <a:lstStyle/>
           <a:p>
+            <a:pPr lvl="1"/>
             <a:r>
               <a:rPr lang="en-US" dirty="0"/>
-              <a:t>1.	Problem Definition</a:t>
-            </a:r>
-          </a:p>
-          <a:p>
-            <a:r>
-              <a:rPr lang="en-US" dirty="0"/>
-              <a:t>2.	Project Organization</a:t>
-            </a:r>
-          </a:p>
-          <a:p>
-            <a:r>
-              <a:rPr lang="en-US" dirty="0"/>
-              <a:t>3.	Project Management Plan</a:t>
-            </a:r>
-          </a:p>
-          <a:p>
-            <a:r>
-              <a:rPr lang="en-US" dirty="0"/>
-              <a:t>4.	Coding Convention</a:t>
+              <a:t>For alarm device:</a:t>
             </a:r>
           </a:p>
           <a:p>
@@ -6504,10 +6500,870 @@
           </a:p>
         </p:txBody>
       </p:sp>
+      <p:graphicFrame>
+        <p:nvGraphicFramePr>
+          <p:cNvPr id="4" name="Table 3">
+            <a:extLst>
+              <a:ext uri="{FF2B5EF4-FFF2-40B4-BE49-F238E27FC236}">
+                <a16:creationId xmlns:a16="http://schemas.microsoft.com/office/drawing/2014/main" id="{E391282E-F14C-47A9-8E08-6B84386A9878}"/>
+              </a:ext>
+            </a:extLst>
+          </p:cNvPr>
+          <p:cNvGraphicFramePr>
+            <a:graphicFrameLocks noGrp="1"/>
+          </p:cNvGraphicFramePr>
+          <p:nvPr>
+            <p:extLst>
+              <p:ext uri="{D42A27DB-BD31-4B8C-83A1-F6EECF244321}">
+                <p14:modId xmlns:p14="http://schemas.microsoft.com/office/powerpoint/2010/main" val="639362098"/>
+              </p:ext>
+            </p:extLst>
+          </p:nvPr>
+        </p:nvGraphicFramePr>
+        <p:xfrm>
+          <a:off x="677334" y="2511131"/>
+          <a:ext cx="8596668" cy="3880771"/>
+        </p:xfrm>
+        <a:graphic>
+          <a:graphicData uri="http://schemas.openxmlformats.org/drawingml/2006/table">
+            <a:tbl>
+              <a:tblPr firstRow="1" firstCol="1" bandRow="1"/>
+              <a:tblGrid>
+                <a:gridCol w="4314011">
+                  <a:extLst>
+                    <a:ext uri="{9D8B030D-6E8A-4147-A177-3AD203B41FA5}">
+                      <a16:colId xmlns:a16="http://schemas.microsoft.com/office/drawing/2014/main" val="3775215833"/>
+                    </a:ext>
+                  </a:extLst>
+                </a:gridCol>
+                <a:gridCol w="4282657">
+                  <a:extLst>
+                    <a:ext uri="{9D8B030D-6E8A-4147-A177-3AD203B41FA5}">
+                      <a16:colId xmlns:a16="http://schemas.microsoft.com/office/drawing/2014/main" val="1945893210"/>
+                    </a:ext>
+                  </a:extLst>
+                </a:gridCol>
+              </a:tblGrid>
+              <a:tr h="545347">
+                <a:tc>
+                  <a:txBody>
+                    <a:bodyPr/>
+                    <a:lstStyle/>
+                    <a:p>
+                      <a:pPr algn="ctr">
+                        <a:lnSpc>
+                          <a:spcPct val="115000"/>
+                        </a:lnSpc>
+                        <a:spcAft>
+                          <a:spcPts val="1000"/>
+                        </a:spcAft>
+                      </a:pPr>
+                      <a:r>
+                        <a:rPr lang="en-US" sz="1800" b="1" dirty="0">
+                          <a:solidFill>
+                            <a:srgbClr val="FFFFFF"/>
+                          </a:solidFill>
+                          <a:effectLst/>
+                          <a:latin typeface="Cambria" panose="02040503050406030204" pitchFamily="18" charset="0"/>
+                          <a:ea typeface="MS Mincho" panose="02020609040205080304" pitchFamily="49" charset="-128"/>
+                          <a:cs typeface="Times New Roman" panose="02020603050405020304" pitchFamily="18" charset="0"/>
+                        </a:rPr>
+                        <a:t>Component</a:t>
+                      </a:r>
+                      <a:endParaRPr lang="en-US" sz="1800" dirty="0">
+                        <a:effectLst/>
+                        <a:latin typeface="Calibri" panose="020F0502020204030204" pitchFamily="34" charset="0"/>
+                        <a:ea typeface="Times New Roman" panose="02020603050405020304" pitchFamily="18" charset="0"/>
+                        <a:cs typeface="Times New Roman" panose="02020603050405020304" pitchFamily="18" charset="0"/>
+                      </a:endParaRPr>
+                    </a:p>
+                  </a:txBody>
+                  <a:tcPr marL="68580" marR="68580" marT="0" marB="0" anchor="ctr">
+                    <a:lnL w="12700" cap="flat" cmpd="sng" algn="ctr">
+                      <a:solidFill>
+                        <a:srgbClr val="4F81BD"/>
+                      </a:solidFill>
+                      <a:prstDash val="solid"/>
+                      <a:round/>
+                      <a:headEnd type="none" w="med" len="med"/>
+                      <a:tailEnd type="none" w="med" len="med"/>
+                    </a:lnL>
+                    <a:lnR>
+                      <a:noFill/>
+                    </a:lnR>
+                    <a:lnT w="12700" cap="flat" cmpd="sng" algn="ctr">
+                      <a:solidFill>
+                        <a:srgbClr val="4F81BD"/>
+                      </a:solidFill>
+                      <a:prstDash val="solid"/>
+                      <a:round/>
+                      <a:headEnd type="none" w="med" len="med"/>
+                      <a:tailEnd type="none" w="med" len="med"/>
+                    </a:lnT>
+                    <a:lnB w="12700" cap="flat" cmpd="sng" algn="ctr">
+                      <a:solidFill>
+                        <a:srgbClr val="A6A6A6"/>
+                      </a:solidFill>
+                      <a:prstDash val="solid"/>
+                      <a:round/>
+                      <a:headEnd type="none" w="med" len="med"/>
+                      <a:tailEnd type="none" w="med" len="med"/>
+                    </a:lnB>
+                    <a:solidFill>
+                      <a:srgbClr val="A6A6A6"/>
+                    </a:solidFill>
+                  </a:tcPr>
+                </a:tc>
+                <a:tc>
+                  <a:txBody>
+                    <a:bodyPr/>
+                    <a:lstStyle/>
+                    <a:p>
+                      <a:pPr algn="ctr">
+                        <a:lnSpc>
+                          <a:spcPct val="115000"/>
+                        </a:lnSpc>
+                        <a:spcAft>
+                          <a:spcPts val="1000"/>
+                        </a:spcAft>
+                      </a:pPr>
+                      <a:r>
+                        <a:rPr lang="en-US" sz="1800" b="1">
+                          <a:solidFill>
+                            <a:srgbClr val="FFFFFF"/>
+                          </a:solidFill>
+                          <a:effectLst/>
+                          <a:latin typeface="Cambria" panose="02040503050406030204" pitchFamily="18" charset="0"/>
+                          <a:ea typeface="MS Mincho" panose="02020609040205080304" pitchFamily="49" charset="-128"/>
+                          <a:cs typeface="Times New Roman" panose="02020603050405020304" pitchFamily="18" charset="0"/>
+                        </a:rPr>
+                        <a:t>Hardware</a:t>
+                      </a:r>
+                      <a:endParaRPr lang="en-US" sz="1800">
+                        <a:effectLst/>
+                        <a:latin typeface="Calibri" panose="020F0502020204030204" pitchFamily="34" charset="0"/>
+                        <a:ea typeface="Times New Roman" panose="02020603050405020304" pitchFamily="18" charset="0"/>
+                        <a:cs typeface="Times New Roman" panose="02020603050405020304" pitchFamily="18" charset="0"/>
+                      </a:endParaRPr>
+                    </a:p>
+                  </a:txBody>
+                  <a:tcPr marL="68580" marR="68580" marT="0" marB="0" anchor="ctr">
+                    <a:lnL>
+                      <a:noFill/>
+                    </a:lnL>
+                    <a:lnR w="12700" cap="flat" cmpd="sng" algn="ctr">
+                      <a:solidFill>
+                        <a:srgbClr val="4F81BD"/>
+                      </a:solidFill>
+                      <a:prstDash val="solid"/>
+                      <a:round/>
+                      <a:headEnd type="none" w="med" len="med"/>
+                      <a:tailEnd type="none" w="med" len="med"/>
+                    </a:lnR>
+                    <a:lnT w="12700" cap="flat" cmpd="sng" algn="ctr">
+                      <a:solidFill>
+                        <a:srgbClr val="4F81BD"/>
+                      </a:solidFill>
+                      <a:prstDash val="solid"/>
+                      <a:round/>
+                      <a:headEnd type="none" w="med" len="med"/>
+                      <a:tailEnd type="none" w="med" len="med"/>
+                    </a:lnT>
+                    <a:lnB w="12700" cap="flat" cmpd="sng" algn="ctr">
+                      <a:solidFill>
+                        <a:srgbClr val="A6A6A6"/>
+                      </a:solidFill>
+                      <a:prstDash val="solid"/>
+                      <a:round/>
+                      <a:headEnd type="none" w="med" len="med"/>
+                      <a:tailEnd type="none" w="med" len="med"/>
+                    </a:lnB>
+                    <a:solidFill>
+                      <a:srgbClr val="A6A6A6"/>
+                    </a:solidFill>
+                  </a:tcPr>
+                </a:tc>
+                <a:extLst>
+                  <a:ext uri="{0D108BD9-81ED-4DB2-BD59-A6C34878D82A}">
+                    <a16:rowId xmlns:a16="http://schemas.microsoft.com/office/drawing/2014/main" val="3504129087"/>
+                  </a:ext>
+                </a:extLst>
+              </a:tr>
+              <a:tr h="545347">
+                <a:tc>
+                  <a:txBody>
+                    <a:bodyPr/>
+                    <a:lstStyle/>
+                    <a:p>
+                      <a:pPr algn="l">
+                        <a:lnSpc>
+                          <a:spcPct val="115000"/>
+                        </a:lnSpc>
+                        <a:spcAft>
+                          <a:spcPts val="1000"/>
+                        </a:spcAft>
+                      </a:pPr>
+                      <a:r>
+                        <a:rPr lang="en-US" sz="1800" b="1" dirty="0">
+                          <a:effectLst/>
+                          <a:latin typeface="Cambria" panose="02040503050406030204" pitchFamily="18" charset="0"/>
+                          <a:ea typeface="MS Mincho" panose="02020609040205080304" pitchFamily="49" charset="-128"/>
+                          <a:cs typeface="Times New Roman" panose="02020603050405020304" pitchFamily="18" charset="0"/>
+                        </a:rPr>
+                        <a:t>Mainboard</a:t>
+                      </a:r>
+                      <a:endParaRPr lang="en-US" sz="1800" dirty="0">
+                        <a:effectLst/>
+                        <a:latin typeface="Calibri" panose="020F0502020204030204" pitchFamily="34" charset="0"/>
+                        <a:ea typeface="Times New Roman" panose="02020603050405020304" pitchFamily="18" charset="0"/>
+                        <a:cs typeface="Times New Roman" panose="02020603050405020304" pitchFamily="18" charset="0"/>
+                      </a:endParaRPr>
+                    </a:p>
+                  </a:txBody>
+                  <a:tcPr marL="68580" marR="68580" marT="0" marB="0" anchor="ctr">
+                    <a:lnL w="12700" cap="flat" cmpd="sng" algn="ctr">
+                      <a:solidFill>
+                        <a:srgbClr val="A6A6A6"/>
+                      </a:solidFill>
+                      <a:prstDash val="solid"/>
+                      <a:round/>
+                      <a:headEnd type="none" w="med" len="med"/>
+                      <a:tailEnd type="none" w="med" len="med"/>
+                    </a:lnL>
+                    <a:lnR w="12700" cap="flat" cmpd="sng" algn="ctr">
+                      <a:solidFill>
+                        <a:srgbClr val="A6A6A6"/>
+                      </a:solidFill>
+                      <a:prstDash val="solid"/>
+                      <a:round/>
+                      <a:headEnd type="none" w="med" len="med"/>
+                      <a:tailEnd type="none" w="med" len="med"/>
+                    </a:lnR>
+                    <a:lnT w="12700" cap="flat" cmpd="sng" algn="ctr">
+                      <a:solidFill>
+                        <a:srgbClr val="A6A6A6"/>
+                      </a:solidFill>
+                      <a:prstDash val="solid"/>
+                      <a:round/>
+                      <a:headEnd type="none" w="med" len="med"/>
+                      <a:tailEnd type="none" w="med" len="med"/>
+                    </a:lnT>
+                    <a:lnB w="12700" cap="flat" cmpd="sng" algn="ctr">
+                      <a:solidFill>
+                        <a:srgbClr val="A6A6A6"/>
+                      </a:solidFill>
+                      <a:prstDash val="solid"/>
+                      <a:round/>
+                      <a:headEnd type="none" w="med" len="med"/>
+                      <a:tailEnd type="none" w="med" len="med"/>
+                    </a:lnB>
+                    <a:solidFill>
+                      <a:srgbClr val="FFFFFF"/>
+                    </a:solidFill>
+                  </a:tcPr>
+                </a:tc>
+                <a:tc>
+                  <a:txBody>
+                    <a:bodyPr/>
+                    <a:lstStyle/>
+                    <a:p>
+                      <a:pPr algn="l">
+                        <a:lnSpc>
+                          <a:spcPct val="115000"/>
+                        </a:lnSpc>
+                        <a:spcAft>
+                          <a:spcPts val="1000"/>
+                        </a:spcAft>
+                      </a:pPr>
+                      <a:r>
+                        <a:rPr lang="en-US" sz="1800">
+                          <a:effectLst/>
+                          <a:latin typeface="Cambria" panose="02040503050406030204" pitchFamily="18" charset="0"/>
+                          <a:ea typeface="MS Mincho" panose="02020609040205080304" pitchFamily="49" charset="-128"/>
+                          <a:cs typeface="Times New Roman" panose="02020603050405020304" pitchFamily="18" charset="0"/>
+                        </a:rPr>
+                        <a:t>BTracking Alarm V1</a:t>
+                      </a:r>
+                      <a:endParaRPr lang="en-US" sz="1800">
+                        <a:effectLst/>
+                        <a:latin typeface="Calibri" panose="020F0502020204030204" pitchFamily="34" charset="0"/>
+                        <a:ea typeface="Times New Roman" panose="02020603050405020304" pitchFamily="18" charset="0"/>
+                        <a:cs typeface="Times New Roman" panose="02020603050405020304" pitchFamily="18" charset="0"/>
+                      </a:endParaRPr>
+                    </a:p>
+                  </a:txBody>
+                  <a:tcPr marL="68580" marR="68580" marT="0" marB="0" anchor="ctr">
+                    <a:lnL w="12700" cap="flat" cmpd="sng" algn="ctr">
+                      <a:solidFill>
+                        <a:srgbClr val="A6A6A6"/>
+                      </a:solidFill>
+                      <a:prstDash val="solid"/>
+                      <a:round/>
+                      <a:headEnd type="none" w="med" len="med"/>
+                      <a:tailEnd type="none" w="med" len="med"/>
+                    </a:lnL>
+                    <a:lnR w="12700" cap="flat" cmpd="sng" algn="ctr">
+                      <a:solidFill>
+                        <a:srgbClr val="A6A6A6"/>
+                      </a:solidFill>
+                      <a:prstDash val="solid"/>
+                      <a:round/>
+                      <a:headEnd type="none" w="med" len="med"/>
+                      <a:tailEnd type="none" w="med" len="med"/>
+                    </a:lnR>
+                    <a:lnT w="12700" cap="flat" cmpd="sng" algn="ctr">
+                      <a:solidFill>
+                        <a:srgbClr val="A6A6A6"/>
+                      </a:solidFill>
+                      <a:prstDash val="solid"/>
+                      <a:round/>
+                      <a:headEnd type="none" w="med" len="med"/>
+                      <a:tailEnd type="none" w="med" len="med"/>
+                    </a:lnT>
+                    <a:lnB w="12700" cap="flat" cmpd="sng" algn="ctr">
+                      <a:solidFill>
+                        <a:srgbClr val="A6A6A6"/>
+                      </a:solidFill>
+                      <a:prstDash val="solid"/>
+                      <a:round/>
+                      <a:headEnd type="none" w="med" len="med"/>
+                      <a:tailEnd type="none" w="med" len="med"/>
+                    </a:lnB>
+                  </a:tcPr>
+                </a:tc>
+                <a:extLst>
+                  <a:ext uri="{0D108BD9-81ED-4DB2-BD59-A6C34878D82A}">
+                    <a16:rowId xmlns:a16="http://schemas.microsoft.com/office/drawing/2014/main" val="1354557488"/>
+                  </a:ext>
+                </a:extLst>
+              </a:tr>
+              <a:tr h="545347">
+                <a:tc>
+                  <a:txBody>
+                    <a:bodyPr/>
+                    <a:lstStyle/>
+                    <a:p>
+                      <a:pPr algn="l">
+                        <a:lnSpc>
+                          <a:spcPct val="115000"/>
+                        </a:lnSpc>
+                        <a:spcAft>
+                          <a:spcPts val="1000"/>
+                        </a:spcAft>
+                      </a:pPr>
+                      <a:r>
+                        <a:rPr lang="en-US" sz="1800" b="1" dirty="0">
+                          <a:effectLst/>
+                          <a:latin typeface="Cambria" panose="02040503050406030204" pitchFamily="18" charset="0"/>
+                          <a:ea typeface="MS Mincho" panose="02020609040205080304" pitchFamily="49" charset="-128"/>
+                          <a:cs typeface="Times New Roman" panose="02020603050405020304" pitchFamily="18" charset="0"/>
+                        </a:rPr>
+                        <a:t>Communication</a:t>
+                      </a:r>
+                      <a:endParaRPr lang="en-US" sz="1800" dirty="0">
+                        <a:effectLst/>
+                        <a:latin typeface="Calibri" panose="020F0502020204030204" pitchFamily="34" charset="0"/>
+                        <a:ea typeface="Times New Roman" panose="02020603050405020304" pitchFamily="18" charset="0"/>
+                        <a:cs typeface="Times New Roman" panose="02020603050405020304" pitchFamily="18" charset="0"/>
+                      </a:endParaRPr>
+                    </a:p>
+                  </a:txBody>
+                  <a:tcPr marL="68580" marR="68580" marT="0" marB="0" anchor="ctr">
+                    <a:lnL w="12700" cap="flat" cmpd="sng" algn="ctr">
+                      <a:solidFill>
+                        <a:srgbClr val="A6A6A6"/>
+                      </a:solidFill>
+                      <a:prstDash val="solid"/>
+                      <a:round/>
+                      <a:headEnd type="none" w="med" len="med"/>
+                      <a:tailEnd type="none" w="med" len="med"/>
+                    </a:lnL>
+                    <a:lnR w="12700" cap="flat" cmpd="sng" algn="ctr">
+                      <a:solidFill>
+                        <a:srgbClr val="A6A6A6"/>
+                      </a:solidFill>
+                      <a:prstDash val="solid"/>
+                      <a:round/>
+                      <a:headEnd type="none" w="med" len="med"/>
+                      <a:tailEnd type="none" w="med" len="med"/>
+                    </a:lnR>
+                    <a:lnT w="12700" cap="flat" cmpd="sng" algn="ctr">
+                      <a:solidFill>
+                        <a:srgbClr val="A6A6A6"/>
+                      </a:solidFill>
+                      <a:prstDash val="solid"/>
+                      <a:round/>
+                      <a:headEnd type="none" w="med" len="med"/>
+                      <a:tailEnd type="none" w="med" len="med"/>
+                    </a:lnT>
+                    <a:lnB w="12700" cap="flat" cmpd="sng" algn="ctr">
+                      <a:solidFill>
+                        <a:srgbClr val="A6A6A6"/>
+                      </a:solidFill>
+                      <a:prstDash val="solid"/>
+                      <a:round/>
+                      <a:headEnd type="none" w="med" len="med"/>
+                      <a:tailEnd type="none" w="med" len="med"/>
+                    </a:lnB>
+                    <a:solidFill>
+                      <a:srgbClr val="FFFFFF"/>
+                    </a:solidFill>
+                  </a:tcPr>
+                </a:tc>
+                <a:tc>
+                  <a:txBody>
+                    <a:bodyPr/>
+                    <a:lstStyle/>
+                    <a:p>
+                      <a:pPr algn="l">
+                        <a:lnSpc>
+                          <a:spcPct val="115000"/>
+                        </a:lnSpc>
+                        <a:spcAft>
+                          <a:spcPts val="1000"/>
+                        </a:spcAft>
+                      </a:pPr>
+                      <a:r>
+                        <a:rPr lang="en-US" sz="1800" dirty="0" err="1">
+                          <a:effectLst/>
+                          <a:latin typeface="Cambria" panose="02040503050406030204" pitchFamily="18" charset="0"/>
+                          <a:ea typeface="MS Mincho" panose="02020609040205080304" pitchFamily="49" charset="-128"/>
+                          <a:cs typeface="Times New Roman" panose="02020603050405020304" pitchFamily="18" charset="0"/>
+                        </a:rPr>
+                        <a:t>Wifi</a:t>
+                      </a:r>
+                      <a:endParaRPr lang="en-US" sz="1800" dirty="0">
+                        <a:effectLst/>
+                        <a:latin typeface="Calibri" panose="020F0502020204030204" pitchFamily="34" charset="0"/>
+                        <a:ea typeface="Times New Roman" panose="02020603050405020304" pitchFamily="18" charset="0"/>
+                        <a:cs typeface="Times New Roman" panose="02020603050405020304" pitchFamily="18" charset="0"/>
+                      </a:endParaRPr>
+                    </a:p>
+                  </a:txBody>
+                  <a:tcPr marL="68580" marR="68580" marT="0" marB="0" anchor="ctr">
+                    <a:lnL w="12700" cap="flat" cmpd="sng" algn="ctr">
+                      <a:solidFill>
+                        <a:srgbClr val="A6A6A6"/>
+                      </a:solidFill>
+                      <a:prstDash val="solid"/>
+                      <a:round/>
+                      <a:headEnd type="none" w="med" len="med"/>
+                      <a:tailEnd type="none" w="med" len="med"/>
+                    </a:lnL>
+                    <a:lnR w="12700" cap="flat" cmpd="sng" algn="ctr">
+                      <a:solidFill>
+                        <a:srgbClr val="A6A6A6"/>
+                      </a:solidFill>
+                      <a:prstDash val="solid"/>
+                      <a:round/>
+                      <a:headEnd type="none" w="med" len="med"/>
+                      <a:tailEnd type="none" w="med" len="med"/>
+                    </a:lnR>
+                    <a:lnT w="12700" cap="flat" cmpd="sng" algn="ctr">
+                      <a:solidFill>
+                        <a:srgbClr val="A6A6A6"/>
+                      </a:solidFill>
+                      <a:prstDash val="solid"/>
+                      <a:round/>
+                      <a:headEnd type="none" w="med" len="med"/>
+                      <a:tailEnd type="none" w="med" len="med"/>
+                    </a:lnT>
+                    <a:lnB w="12700" cap="flat" cmpd="sng" algn="ctr">
+                      <a:solidFill>
+                        <a:srgbClr val="A6A6A6"/>
+                      </a:solidFill>
+                      <a:prstDash val="solid"/>
+                      <a:round/>
+                      <a:headEnd type="none" w="med" len="med"/>
+                      <a:tailEnd type="none" w="med" len="med"/>
+                    </a:lnB>
+                  </a:tcPr>
+                </a:tc>
+                <a:extLst>
+                  <a:ext uri="{0D108BD9-81ED-4DB2-BD59-A6C34878D82A}">
+                    <a16:rowId xmlns:a16="http://schemas.microsoft.com/office/drawing/2014/main" val="119371879"/>
+                  </a:ext>
+                </a:extLst>
+              </a:tr>
+              <a:tr h="1699383">
+                <a:tc>
+                  <a:txBody>
+                    <a:bodyPr/>
+                    <a:lstStyle/>
+                    <a:p>
+                      <a:pPr algn="l">
+                        <a:lnSpc>
+                          <a:spcPct val="115000"/>
+                        </a:lnSpc>
+                        <a:spcAft>
+                          <a:spcPts val="1000"/>
+                        </a:spcAft>
+                      </a:pPr>
+                      <a:r>
+                        <a:rPr lang="en-US" sz="1800" b="1">
+                          <a:effectLst/>
+                          <a:latin typeface="Cambria" panose="02040503050406030204" pitchFamily="18" charset="0"/>
+                          <a:ea typeface="MS Mincho" panose="02020609040205080304" pitchFamily="49" charset="-128"/>
+                          <a:cs typeface="Times New Roman" panose="02020603050405020304" pitchFamily="18" charset="0"/>
+                        </a:rPr>
+                        <a:t>Devices</a:t>
+                      </a:r>
+                      <a:endParaRPr lang="en-US" sz="1800">
+                        <a:effectLst/>
+                        <a:latin typeface="Calibri" panose="020F0502020204030204" pitchFamily="34" charset="0"/>
+                        <a:ea typeface="Times New Roman" panose="02020603050405020304" pitchFamily="18" charset="0"/>
+                        <a:cs typeface="Times New Roman" panose="02020603050405020304" pitchFamily="18" charset="0"/>
+                      </a:endParaRPr>
+                    </a:p>
+                  </a:txBody>
+                  <a:tcPr marL="68580" marR="68580" marT="0" marB="0" anchor="ctr">
+                    <a:lnL w="12700" cap="flat" cmpd="sng" algn="ctr">
+                      <a:solidFill>
+                        <a:srgbClr val="A6A6A6"/>
+                      </a:solidFill>
+                      <a:prstDash val="solid"/>
+                      <a:round/>
+                      <a:headEnd type="none" w="med" len="med"/>
+                      <a:tailEnd type="none" w="med" len="med"/>
+                    </a:lnL>
+                    <a:lnR w="12700" cap="flat" cmpd="sng" algn="ctr">
+                      <a:solidFill>
+                        <a:srgbClr val="A6A6A6"/>
+                      </a:solidFill>
+                      <a:prstDash val="solid"/>
+                      <a:round/>
+                      <a:headEnd type="none" w="med" len="med"/>
+                      <a:tailEnd type="none" w="med" len="med"/>
+                    </a:lnR>
+                    <a:lnT w="12700" cap="flat" cmpd="sng" algn="ctr">
+                      <a:solidFill>
+                        <a:srgbClr val="A6A6A6"/>
+                      </a:solidFill>
+                      <a:prstDash val="solid"/>
+                      <a:round/>
+                      <a:headEnd type="none" w="med" len="med"/>
+                      <a:tailEnd type="none" w="med" len="med"/>
+                    </a:lnT>
+                    <a:lnB w="12700" cap="flat" cmpd="sng" algn="ctr">
+                      <a:solidFill>
+                        <a:srgbClr val="A6A6A6"/>
+                      </a:solidFill>
+                      <a:prstDash val="solid"/>
+                      <a:round/>
+                      <a:headEnd type="none" w="med" len="med"/>
+                      <a:tailEnd type="none" w="med" len="med"/>
+                    </a:lnB>
+                    <a:solidFill>
+                      <a:srgbClr val="FFFFFF"/>
+                    </a:solidFill>
+                  </a:tcPr>
+                </a:tc>
+                <a:tc>
+                  <a:txBody>
+                    <a:bodyPr/>
+                    <a:lstStyle/>
+                    <a:p>
+                      <a:pPr algn="l">
+                        <a:lnSpc>
+                          <a:spcPct val="115000"/>
+                        </a:lnSpc>
+                        <a:spcAft>
+                          <a:spcPts val="1000"/>
+                        </a:spcAft>
+                      </a:pPr>
+                      <a:r>
+                        <a:rPr lang="en-US" sz="1800" dirty="0">
+                          <a:effectLst/>
+                          <a:latin typeface="Cambria" panose="02040503050406030204" pitchFamily="18" charset="0"/>
+                          <a:ea typeface="MS Mincho" panose="02020609040205080304" pitchFamily="49" charset="-128"/>
+                          <a:cs typeface="Times New Roman" panose="02020603050405020304" pitchFamily="18" charset="0"/>
+                        </a:rPr>
+                        <a:t>CP210x USB to UART Bridge</a:t>
+                      </a:r>
+                      <a:endParaRPr lang="en-US" sz="1800" dirty="0">
+                        <a:effectLst/>
+                        <a:latin typeface="Calibri" panose="020F0502020204030204" pitchFamily="34" charset="0"/>
+                        <a:ea typeface="Times New Roman" panose="02020603050405020304" pitchFamily="18" charset="0"/>
+                        <a:cs typeface="Times New Roman" panose="02020603050405020304" pitchFamily="18" charset="0"/>
+                      </a:endParaRPr>
+                    </a:p>
+                    <a:p>
+                      <a:pPr algn="l">
+                        <a:lnSpc>
+                          <a:spcPct val="115000"/>
+                        </a:lnSpc>
+                        <a:spcAft>
+                          <a:spcPts val="1000"/>
+                        </a:spcAft>
+                      </a:pPr>
+                      <a:r>
+                        <a:rPr lang="en-US" sz="1800" dirty="0">
+                          <a:effectLst/>
+                          <a:latin typeface="Cambria" panose="02040503050406030204" pitchFamily="18" charset="0"/>
+                          <a:ea typeface="MS Mincho" panose="02020609040205080304" pitchFamily="49" charset="-128"/>
+                          <a:cs typeface="Times New Roman" panose="02020603050405020304" pitchFamily="18" charset="0"/>
+                        </a:rPr>
+                        <a:t>Power and filtering module</a:t>
+                      </a:r>
+                      <a:endParaRPr lang="en-US" sz="1800" dirty="0">
+                        <a:effectLst/>
+                        <a:latin typeface="Calibri" panose="020F0502020204030204" pitchFamily="34" charset="0"/>
+                        <a:ea typeface="Times New Roman" panose="02020603050405020304" pitchFamily="18" charset="0"/>
+                        <a:cs typeface="Times New Roman" panose="02020603050405020304" pitchFamily="18" charset="0"/>
+                      </a:endParaRPr>
+                    </a:p>
+                    <a:p>
+                      <a:pPr algn="l">
+                        <a:lnSpc>
+                          <a:spcPct val="115000"/>
+                        </a:lnSpc>
+                        <a:spcAft>
+                          <a:spcPts val="1000"/>
+                        </a:spcAft>
+                      </a:pPr>
+                      <a:r>
+                        <a:rPr lang="en-US" sz="1800" dirty="0">
+                          <a:effectLst/>
+                          <a:latin typeface="Cambria" panose="02040503050406030204" pitchFamily="18" charset="0"/>
+                          <a:ea typeface="MS Mincho" panose="02020609040205080304" pitchFamily="49" charset="-128"/>
+                          <a:cs typeface="Times New Roman" panose="02020603050405020304" pitchFamily="18" charset="0"/>
+                        </a:rPr>
+                        <a:t>ESP32 Module with BLE</a:t>
+                      </a:r>
+                      <a:endParaRPr lang="en-US" sz="1800" dirty="0">
+                        <a:effectLst/>
+                        <a:latin typeface="Calibri" panose="020F0502020204030204" pitchFamily="34" charset="0"/>
+                        <a:ea typeface="Times New Roman" panose="02020603050405020304" pitchFamily="18" charset="0"/>
+                        <a:cs typeface="Times New Roman" panose="02020603050405020304" pitchFamily="18" charset="0"/>
+                      </a:endParaRPr>
+                    </a:p>
+                    <a:p>
+                      <a:pPr algn="l">
+                        <a:lnSpc>
+                          <a:spcPct val="115000"/>
+                        </a:lnSpc>
+                        <a:spcAft>
+                          <a:spcPts val="1000"/>
+                        </a:spcAft>
+                      </a:pPr>
+                      <a:r>
+                        <a:rPr lang="en-US" sz="1800" dirty="0">
+                          <a:effectLst/>
+                          <a:latin typeface="Cambria" panose="02040503050406030204" pitchFamily="18" charset="0"/>
+                          <a:ea typeface="MS Mincho" panose="02020609040205080304" pitchFamily="49" charset="-128"/>
+                          <a:cs typeface="Times New Roman" panose="02020603050405020304" pitchFamily="18" charset="0"/>
+                        </a:rPr>
+                        <a:t>Mono Speaker 5W</a:t>
+                      </a:r>
+                      <a:endParaRPr lang="en-US" sz="1800" dirty="0">
+                        <a:effectLst/>
+                        <a:latin typeface="Calibri" panose="020F0502020204030204" pitchFamily="34" charset="0"/>
+                        <a:ea typeface="Times New Roman" panose="02020603050405020304" pitchFamily="18" charset="0"/>
+                        <a:cs typeface="Times New Roman" panose="02020603050405020304" pitchFamily="18" charset="0"/>
+                      </a:endParaRPr>
+                    </a:p>
+                  </a:txBody>
+                  <a:tcPr marL="68580" marR="68580" marT="0" marB="0" anchor="ctr">
+                    <a:lnL w="12700" cap="flat" cmpd="sng" algn="ctr">
+                      <a:solidFill>
+                        <a:srgbClr val="A6A6A6"/>
+                      </a:solidFill>
+                      <a:prstDash val="solid"/>
+                      <a:round/>
+                      <a:headEnd type="none" w="med" len="med"/>
+                      <a:tailEnd type="none" w="med" len="med"/>
+                    </a:lnL>
+                    <a:lnR w="12700" cap="flat" cmpd="sng" algn="ctr">
+                      <a:solidFill>
+                        <a:srgbClr val="A6A6A6"/>
+                      </a:solidFill>
+                      <a:prstDash val="solid"/>
+                      <a:round/>
+                      <a:headEnd type="none" w="med" len="med"/>
+                      <a:tailEnd type="none" w="med" len="med"/>
+                    </a:lnR>
+                    <a:lnT w="12700" cap="flat" cmpd="sng" algn="ctr">
+                      <a:solidFill>
+                        <a:srgbClr val="A6A6A6"/>
+                      </a:solidFill>
+                      <a:prstDash val="solid"/>
+                      <a:round/>
+                      <a:headEnd type="none" w="med" len="med"/>
+                      <a:tailEnd type="none" w="med" len="med"/>
+                    </a:lnT>
+                    <a:lnB w="12700" cap="flat" cmpd="sng" algn="ctr">
+                      <a:solidFill>
+                        <a:srgbClr val="A6A6A6"/>
+                      </a:solidFill>
+                      <a:prstDash val="solid"/>
+                      <a:round/>
+                      <a:headEnd type="none" w="med" len="med"/>
+                      <a:tailEnd type="none" w="med" len="med"/>
+                    </a:lnB>
+                  </a:tcPr>
+                </a:tc>
+                <a:extLst>
+                  <a:ext uri="{0D108BD9-81ED-4DB2-BD59-A6C34878D82A}">
+                    <a16:rowId xmlns:a16="http://schemas.microsoft.com/office/drawing/2014/main" val="2008233369"/>
+                  </a:ext>
+                </a:extLst>
+              </a:tr>
+              <a:tr h="545347">
+                <a:tc>
+                  <a:txBody>
+                    <a:bodyPr/>
+                    <a:lstStyle/>
+                    <a:p>
+                      <a:pPr algn="l">
+                        <a:lnSpc>
+                          <a:spcPct val="115000"/>
+                        </a:lnSpc>
+                        <a:spcAft>
+                          <a:spcPts val="1000"/>
+                        </a:spcAft>
+                      </a:pPr>
+                      <a:r>
+                        <a:rPr lang="en-US" sz="1800" b="1">
+                          <a:effectLst/>
+                          <a:latin typeface="Cambria" panose="02040503050406030204" pitchFamily="18" charset="0"/>
+                          <a:ea typeface="MS Mincho" panose="02020609040205080304" pitchFamily="49" charset="-128"/>
+                          <a:cs typeface="Times New Roman" panose="02020603050405020304" pitchFamily="18" charset="0"/>
+                        </a:rPr>
+                        <a:t>Power source </a:t>
+                      </a:r>
+                      <a:endParaRPr lang="en-US" sz="1800">
+                        <a:effectLst/>
+                        <a:latin typeface="Calibri" panose="020F0502020204030204" pitchFamily="34" charset="0"/>
+                        <a:ea typeface="Times New Roman" panose="02020603050405020304" pitchFamily="18" charset="0"/>
+                        <a:cs typeface="Times New Roman" panose="02020603050405020304" pitchFamily="18" charset="0"/>
+                      </a:endParaRPr>
+                    </a:p>
+                  </a:txBody>
+                  <a:tcPr marL="68580" marR="68580" marT="0" marB="0" anchor="ctr">
+                    <a:lnL w="12700" cap="flat" cmpd="sng" algn="ctr">
+                      <a:solidFill>
+                        <a:srgbClr val="A6A6A6"/>
+                      </a:solidFill>
+                      <a:prstDash val="solid"/>
+                      <a:round/>
+                      <a:headEnd type="none" w="med" len="med"/>
+                      <a:tailEnd type="none" w="med" len="med"/>
+                    </a:lnL>
+                    <a:lnR w="12700" cap="flat" cmpd="sng" algn="ctr">
+                      <a:solidFill>
+                        <a:srgbClr val="A6A6A6"/>
+                      </a:solidFill>
+                      <a:prstDash val="solid"/>
+                      <a:round/>
+                      <a:headEnd type="none" w="med" len="med"/>
+                      <a:tailEnd type="none" w="med" len="med"/>
+                    </a:lnR>
+                    <a:lnT w="12700" cap="flat" cmpd="sng" algn="ctr">
+                      <a:solidFill>
+                        <a:srgbClr val="A6A6A6"/>
+                      </a:solidFill>
+                      <a:prstDash val="solid"/>
+                      <a:round/>
+                      <a:headEnd type="none" w="med" len="med"/>
+                      <a:tailEnd type="none" w="med" len="med"/>
+                    </a:lnT>
+                    <a:lnB w="12700" cap="flat" cmpd="sng" algn="ctr">
+                      <a:solidFill>
+                        <a:srgbClr val="A6A6A6"/>
+                      </a:solidFill>
+                      <a:prstDash val="solid"/>
+                      <a:round/>
+                      <a:headEnd type="none" w="med" len="med"/>
+                      <a:tailEnd type="none" w="med" len="med"/>
+                    </a:lnB>
+                    <a:solidFill>
+                      <a:srgbClr val="FFFFFF"/>
+                    </a:solidFill>
+                  </a:tcPr>
+                </a:tc>
+                <a:tc>
+                  <a:txBody>
+                    <a:bodyPr/>
+                    <a:lstStyle/>
+                    <a:p>
+                      <a:pPr algn="l">
+                        <a:lnSpc>
+                          <a:spcPct val="115000"/>
+                        </a:lnSpc>
+                        <a:spcAft>
+                          <a:spcPts val="1000"/>
+                        </a:spcAft>
+                      </a:pPr>
+                      <a:r>
+                        <a:rPr lang="en-US" sz="1800" dirty="0">
+                          <a:effectLst/>
+                          <a:latin typeface="Cambria" panose="02040503050406030204" pitchFamily="18" charset="0"/>
+                          <a:ea typeface="MS Mincho" panose="02020609040205080304" pitchFamily="49" charset="-128"/>
+                          <a:cs typeface="Times New Roman" panose="02020603050405020304" pitchFamily="18" charset="0"/>
+                        </a:rPr>
+                        <a:t>5V</a:t>
+                      </a:r>
+                      <a:endParaRPr lang="en-US" sz="1800" dirty="0">
+                        <a:effectLst/>
+                        <a:latin typeface="Calibri" panose="020F0502020204030204" pitchFamily="34" charset="0"/>
+                        <a:ea typeface="Times New Roman" panose="02020603050405020304" pitchFamily="18" charset="0"/>
+                        <a:cs typeface="Times New Roman" panose="02020603050405020304" pitchFamily="18" charset="0"/>
+                      </a:endParaRPr>
+                    </a:p>
+                  </a:txBody>
+                  <a:tcPr marL="68580" marR="68580" marT="0" marB="0" anchor="ctr">
+                    <a:lnL w="12700" cap="flat" cmpd="sng" algn="ctr">
+                      <a:solidFill>
+                        <a:srgbClr val="A6A6A6"/>
+                      </a:solidFill>
+                      <a:prstDash val="solid"/>
+                      <a:round/>
+                      <a:headEnd type="none" w="med" len="med"/>
+                      <a:tailEnd type="none" w="med" len="med"/>
+                    </a:lnL>
+                    <a:lnR w="12700" cap="flat" cmpd="sng" algn="ctr">
+                      <a:solidFill>
+                        <a:srgbClr val="A6A6A6"/>
+                      </a:solidFill>
+                      <a:prstDash val="solid"/>
+                      <a:round/>
+                      <a:headEnd type="none" w="med" len="med"/>
+                      <a:tailEnd type="none" w="med" len="med"/>
+                    </a:lnR>
+                    <a:lnT w="12700" cap="flat" cmpd="sng" algn="ctr">
+                      <a:solidFill>
+                        <a:srgbClr val="A6A6A6"/>
+                      </a:solidFill>
+                      <a:prstDash val="solid"/>
+                      <a:round/>
+                      <a:headEnd type="none" w="med" len="med"/>
+                      <a:tailEnd type="none" w="med" len="med"/>
+                    </a:lnT>
+                    <a:lnB w="12700" cap="flat" cmpd="sng" algn="ctr">
+                      <a:solidFill>
+                        <a:srgbClr val="A6A6A6"/>
+                      </a:solidFill>
+                      <a:prstDash val="solid"/>
+                      <a:round/>
+                      <a:headEnd type="none" w="med" len="med"/>
+                      <a:tailEnd type="none" w="med" len="med"/>
+                    </a:lnB>
+                  </a:tcPr>
+                </a:tc>
+                <a:extLst>
+                  <a:ext uri="{0D108BD9-81ED-4DB2-BD59-A6C34878D82A}">
+                    <a16:rowId xmlns:a16="http://schemas.microsoft.com/office/drawing/2014/main" val="2566997922"/>
+                  </a:ext>
+                </a:extLst>
+              </a:tr>
+            </a:tbl>
+          </a:graphicData>
+        </a:graphic>
+      </p:graphicFrame>
     </p:spTree>
     <p:extLst>
       <p:ext uri="{BB962C8B-B14F-4D97-AF65-F5344CB8AC3E}">
-        <p14:creationId xmlns:p14="http://schemas.microsoft.com/office/powerpoint/2010/main" val="2352651030"/>
+        <p14:creationId xmlns:p14="http://schemas.microsoft.com/office/powerpoint/2010/main" val="2885603912"/>
       </p:ext>
     </p:extLst>
   </p:cSld>
@@ -6517,7 +7373,1531 @@
 </p:sld>
 </file>
 
-<file path=ppt/slides/slide3.xml><?xml version="1.0" encoding="utf-8"?>
+<file path=ppt/slides/slide11.xml><?xml version="1.0" encoding="utf-8"?>
+<p:sld xmlns:a="http://schemas.openxmlformats.org/drawingml/2006/main" xmlns:r="http://schemas.openxmlformats.org/officeDocument/2006/relationships" xmlns:p="http://schemas.openxmlformats.org/presentationml/2006/main">
+  <p:cSld>
+    <p:spTree>
+      <p:nvGrpSpPr>
+        <p:cNvPr id="1" name=""/>
+        <p:cNvGrpSpPr/>
+        <p:nvPr/>
+      </p:nvGrpSpPr>
+      <p:grpSpPr>
+        <a:xfrm>
+          <a:off x="0" y="0"/>
+          <a:ext cx="0" cy="0"/>
+          <a:chOff x="0" y="0"/>
+          <a:chExt cx="0" cy="0"/>
+        </a:xfrm>
+      </p:grpSpPr>
+      <p:sp>
+        <p:nvSpPr>
+          <p:cNvPr id="2" name="Title 1">
+            <a:extLst>
+              <a:ext uri="{FF2B5EF4-FFF2-40B4-BE49-F238E27FC236}">
+                <a16:creationId xmlns:a16="http://schemas.microsoft.com/office/drawing/2014/main" id="{710B0FB4-8417-45AE-9239-6B50E03BFAB7}"/>
+              </a:ext>
+            </a:extLst>
+          </p:cNvPr>
+          <p:cNvSpPr>
+            <a:spLocks noGrp="1"/>
+          </p:cNvSpPr>
+          <p:nvPr>
+            <p:ph type="title"/>
+          </p:nvPr>
+        </p:nvSpPr>
+        <p:spPr/>
+        <p:txBody>
+          <a:bodyPr/>
+          <a:lstStyle/>
+          <a:p>
+            <a:r>
+              <a:rPr lang="en-US" dirty="0"/>
+              <a:t>Problem Definition</a:t>
+            </a:r>
+            <a:br>
+              <a:rPr lang="en-US" dirty="0"/>
+            </a:br>
+            <a:endParaRPr lang="en-US" dirty="0"/>
+          </a:p>
+        </p:txBody>
+      </p:sp>
+      <p:sp>
+        <p:nvSpPr>
+          <p:cNvPr id="3" name="Content Placeholder 2">
+            <a:extLst>
+              <a:ext uri="{FF2B5EF4-FFF2-40B4-BE49-F238E27FC236}">
+                <a16:creationId xmlns:a16="http://schemas.microsoft.com/office/drawing/2014/main" id="{D580ED7E-0614-403D-A3C5-6790F9781260}"/>
+              </a:ext>
+            </a:extLst>
+          </p:cNvPr>
+          <p:cNvSpPr>
+            <a:spLocks noGrp="1"/>
+          </p:cNvSpPr>
+          <p:nvPr>
+            <p:ph idx="1"/>
+          </p:nvPr>
+        </p:nvSpPr>
+        <p:spPr/>
+        <p:txBody>
+          <a:bodyPr/>
+          <a:lstStyle/>
+          <a:p>
+            <a:r>
+              <a:rPr lang="en-US" b="1" dirty="0"/>
+              <a:t>Software requirements:</a:t>
+            </a:r>
+          </a:p>
+          <a:p>
+            <a:endParaRPr lang="en-US" b="1" dirty="0"/>
+          </a:p>
+        </p:txBody>
+      </p:sp>
+      <p:graphicFrame>
+        <p:nvGraphicFramePr>
+          <p:cNvPr id="6" name="Table 5">
+            <a:extLst>
+              <a:ext uri="{FF2B5EF4-FFF2-40B4-BE49-F238E27FC236}">
+                <a16:creationId xmlns:a16="http://schemas.microsoft.com/office/drawing/2014/main" id="{A36EEA5D-0319-4B3E-BE4E-104FCB488263}"/>
+              </a:ext>
+            </a:extLst>
+          </p:cNvPr>
+          <p:cNvGraphicFramePr>
+            <a:graphicFrameLocks noGrp="1"/>
+          </p:cNvGraphicFramePr>
+          <p:nvPr>
+            <p:extLst>
+              <p:ext uri="{D42A27DB-BD31-4B8C-83A1-F6EECF244321}">
+                <p14:modId xmlns:p14="http://schemas.microsoft.com/office/powerpoint/2010/main" val="574755456"/>
+              </p:ext>
+            </p:extLst>
+          </p:nvPr>
+        </p:nvGraphicFramePr>
+        <p:xfrm>
+          <a:off x="677334" y="2580496"/>
+          <a:ext cx="8596668" cy="3880776"/>
+        </p:xfrm>
+        <a:graphic>
+          <a:graphicData uri="http://schemas.openxmlformats.org/drawingml/2006/table">
+            <a:tbl>
+              <a:tblPr firstRow="1" firstCol="1" bandRow="1"/>
+              <a:tblGrid>
+                <a:gridCol w="3604960">
+                  <a:extLst>
+                    <a:ext uri="{9D8B030D-6E8A-4147-A177-3AD203B41FA5}">
+                      <a16:colId xmlns:a16="http://schemas.microsoft.com/office/drawing/2014/main" val="3895260887"/>
+                    </a:ext>
+                  </a:extLst>
+                </a:gridCol>
+                <a:gridCol w="4991708">
+                  <a:extLst>
+                    <a:ext uri="{9D8B030D-6E8A-4147-A177-3AD203B41FA5}">
+                      <a16:colId xmlns:a16="http://schemas.microsoft.com/office/drawing/2014/main" val="2638699316"/>
+                    </a:ext>
+                  </a:extLst>
+                </a:gridCol>
+              </a:tblGrid>
+              <a:tr h="409697">
+                <a:tc>
+                  <a:txBody>
+                    <a:bodyPr/>
+                    <a:lstStyle/>
+                    <a:p>
+                      <a:pPr marL="0" marR="0" algn="ctr">
+                        <a:lnSpc>
+                          <a:spcPct val="150000"/>
+                        </a:lnSpc>
+                        <a:spcBef>
+                          <a:spcPts val="0"/>
+                        </a:spcBef>
+                        <a:spcAft>
+                          <a:spcPts val="0"/>
+                        </a:spcAft>
+                      </a:pPr>
+                      <a:r>
+                        <a:rPr lang="en-US" sz="1800" b="1" dirty="0">
+                          <a:solidFill>
+                            <a:srgbClr val="FFFFFF"/>
+                          </a:solidFill>
+                          <a:effectLst/>
+                          <a:latin typeface="Cambria" panose="02040503050406030204" pitchFamily="18" charset="0"/>
+                          <a:ea typeface="Calibri" panose="020F0502020204030204" pitchFamily="34" charset="0"/>
+                          <a:cs typeface="Times New Roman" panose="02020603050405020304" pitchFamily="18" charset="0"/>
+                        </a:rPr>
+                        <a:t>Software </a:t>
+                      </a:r>
+                      <a:endParaRPr lang="en-US" sz="1800" dirty="0">
+                        <a:effectLst/>
+                        <a:latin typeface="Calibri" panose="020F0502020204030204" pitchFamily="34" charset="0"/>
+                        <a:ea typeface="Times New Roman" panose="02020603050405020304" pitchFamily="18" charset="0"/>
+                        <a:cs typeface="Times New Roman" panose="02020603050405020304" pitchFamily="18" charset="0"/>
+                      </a:endParaRPr>
+                    </a:p>
+                  </a:txBody>
+                  <a:tcPr marL="68580" marR="68580" marT="0" marB="0" anchor="ctr">
+                    <a:lnL w="12700" cap="flat" cmpd="sng" algn="ctr">
+                      <a:solidFill>
+                        <a:srgbClr val="A5A5A5"/>
+                      </a:solidFill>
+                      <a:prstDash val="solid"/>
+                      <a:round/>
+                      <a:headEnd type="none" w="med" len="med"/>
+                      <a:tailEnd type="none" w="med" len="med"/>
+                    </a:lnL>
+                    <a:lnR>
+                      <a:noFill/>
+                    </a:lnR>
+                    <a:lnT w="12700" cap="flat" cmpd="sng" algn="ctr">
+                      <a:solidFill>
+                        <a:srgbClr val="A5A5A5"/>
+                      </a:solidFill>
+                      <a:prstDash val="solid"/>
+                      <a:round/>
+                      <a:headEnd type="none" w="med" len="med"/>
+                      <a:tailEnd type="none" w="med" len="med"/>
+                    </a:lnT>
+                    <a:lnB w="12700" cap="flat" cmpd="sng" algn="ctr">
+                      <a:solidFill>
+                        <a:srgbClr val="A5A5A5"/>
+                      </a:solidFill>
+                      <a:prstDash val="solid"/>
+                      <a:round/>
+                      <a:headEnd type="none" w="med" len="med"/>
+                      <a:tailEnd type="none" w="med" len="med"/>
+                    </a:lnB>
+                    <a:solidFill>
+                      <a:srgbClr val="A5A5A5"/>
+                    </a:solidFill>
+                  </a:tcPr>
+                </a:tc>
+                <a:tc>
+                  <a:txBody>
+                    <a:bodyPr/>
+                    <a:lstStyle/>
+                    <a:p>
+                      <a:pPr marL="0" marR="0" algn="ctr">
+                        <a:lnSpc>
+                          <a:spcPct val="150000"/>
+                        </a:lnSpc>
+                        <a:spcBef>
+                          <a:spcPts val="0"/>
+                        </a:spcBef>
+                        <a:spcAft>
+                          <a:spcPts val="0"/>
+                        </a:spcAft>
+                      </a:pPr>
+                      <a:r>
+                        <a:rPr lang="en-US" sz="1800" b="1">
+                          <a:solidFill>
+                            <a:srgbClr val="FFFFFF"/>
+                          </a:solidFill>
+                          <a:effectLst/>
+                          <a:latin typeface="Cambria" panose="02040503050406030204" pitchFamily="18" charset="0"/>
+                          <a:ea typeface="Calibri" panose="020F0502020204030204" pitchFamily="34" charset="0"/>
+                          <a:cs typeface="Times New Roman" panose="02020603050405020304" pitchFamily="18" charset="0"/>
+                        </a:rPr>
+                        <a:t>Name / Version</a:t>
+                      </a:r>
+                      <a:endParaRPr lang="en-US" sz="1800">
+                        <a:effectLst/>
+                        <a:latin typeface="Calibri" panose="020F0502020204030204" pitchFamily="34" charset="0"/>
+                        <a:ea typeface="Times New Roman" panose="02020603050405020304" pitchFamily="18" charset="0"/>
+                        <a:cs typeface="Times New Roman" panose="02020603050405020304" pitchFamily="18" charset="0"/>
+                      </a:endParaRPr>
+                    </a:p>
+                  </a:txBody>
+                  <a:tcPr marL="68580" marR="68580" marT="0" marB="0" anchor="ctr">
+                    <a:lnL>
+                      <a:noFill/>
+                    </a:lnL>
+                    <a:lnR w="12700" cap="flat" cmpd="sng" algn="ctr">
+                      <a:solidFill>
+                        <a:srgbClr val="A5A5A5"/>
+                      </a:solidFill>
+                      <a:prstDash val="solid"/>
+                      <a:round/>
+                      <a:headEnd type="none" w="med" len="med"/>
+                      <a:tailEnd type="none" w="med" len="med"/>
+                    </a:lnR>
+                    <a:lnT w="12700" cap="flat" cmpd="sng" algn="ctr">
+                      <a:solidFill>
+                        <a:srgbClr val="A5A5A5"/>
+                      </a:solidFill>
+                      <a:prstDash val="solid"/>
+                      <a:round/>
+                      <a:headEnd type="none" w="med" len="med"/>
+                      <a:tailEnd type="none" w="med" len="med"/>
+                    </a:lnT>
+                    <a:lnB w="12700" cap="flat" cmpd="sng" algn="ctr">
+                      <a:solidFill>
+                        <a:srgbClr val="A5A5A5"/>
+                      </a:solidFill>
+                      <a:prstDash val="solid"/>
+                      <a:round/>
+                      <a:headEnd type="none" w="med" len="med"/>
+                      <a:tailEnd type="none" w="med" len="med"/>
+                    </a:lnB>
+                    <a:solidFill>
+                      <a:srgbClr val="A5A5A5"/>
+                    </a:solidFill>
+                  </a:tcPr>
+                </a:tc>
+                <a:extLst>
+                  <a:ext uri="{0D108BD9-81ED-4DB2-BD59-A6C34878D82A}">
+                    <a16:rowId xmlns:a16="http://schemas.microsoft.com/office/drawing/2014/main" val="3460715818"/>
+                  </a:ext>
+                </a:extLst>
+              </a:tr>
+              <a:tr h="380575">
+                <a:tc>
+                  <a:txBody>
+                    <a:bodyPr/>
+                    <a:lstStyle/>
+                    <a:p>
+                      <a:pPr marL="0" marR="0">
+                        <a:lnSpc>
+                          <a:spcPct val="150000"/>
+                        </a:lnSpc>
+                        <a:spcBef>
+                          <a:spcPts val="0"/>
+                        </a:spcBef>
+                        <a:spcAft>
+                          <a:spcPts val="0"/>
+                        </a:spcAft>
+                      </a:pPr>
+                      <a:r>
+                        <a:rPr lang="en-US" sz="1800" b="1" dirty="0">
+                          <a:effectLst/>
+                          <a:latin typeface="Cambria" panose="02040503050406030204" pitchFamily="18" charset="0"/>
+                          <a:ea typeface="Calibri" panose="020F0502020204030204" pitchFamily="34" charset="0"/>
+                          <a:cs typeface="Times New Roman" panose="02020603050405020304" pitchFamily="18" charset="0"/>
+                        </a:rPr>
+                        <a:t>Operating system</a:t>
+                      </a:r>
+                      <a:endParaRPr lang="en-US" sz="1800" dirty="0">
+                        <a:effectLst/>
+                        <a:latin typeface="Calibri" panose="020F0502020204030204" pitchFamily="34" charset="0"/>
+                        <a:ea typeface="Times New Roman" panose="02020603050405020304" pitchFamily="18" charset="0"/>
+                        <a:cs typeface="Times New Roman" panose="02020603050405020304" pitchFamily="18" charset="0"/>
+                      </a:endParaRPr>
+                    </a:p>
+                  </a:txBody>
+                  <a:tcPr marL="68580" marR="68580" marT="0" marB="0" anchor="ctr">
+                    <a:lnL w="12700" cap="flat" cmpd="sng" algn="ctr">
+                      <a:solidFill>
+                        <a:srgbClr val="C9C9C9"/>
+                      </a:solidFill>
+                      <a:prstDash val="solid"/>
+                      <a:round/>
+                      <a:headEnd type="none" w="med" len="med"/>
+                      <a:tailEnd type="none" w="med" len="med"/>
+                    </a:lnL>
+                    <a:lnR w="12700" cap="flat" cmpd="sng" algn="ctr">
+                      <a:solidFill>
+                        <a:srgbClr val="C9C9C9"/>
+                      </a:solidFill>
+                      <a:prstDash val="solid"/>
+                      <a:round/>
+                      <a:headEnd type="none" w="med" len="med"/>
+                      <a:tailEnd type="none" w="med" len="med"/>
+                    </a:lnR>
+                    <a:lnT w="12700" cap="flat" cmpd="sng" algn="ctr">
+                      <a:solidFill>
+                        <a:srgbClr val="A5A5A5"/>
+                      </a:solidFill>
+                      <a:prstDash val="solid"/>
+                      <a:round/>
+                      <a:headEnd type="none" w="med" len="med"/>
+                      <a:tailEnd type="none" w="med" len="med"/>
+                    </a:lnT>
+                    <a:lnB w="12700" cap="flat" cmpd="sng" algn="ctr">
+                      <a:solidFill>
+                        <a:srgbClr val="C9C9C9"/>
+                      </a:solidFill>
+                      <a:prstDash val="solid"/>
+                      <a:round/>
+                      <a:headEnd type="none" w="med" len="med"/>
+                      <a:tailEnd type="none" w="med" len="med"/>
+                    </a:lnB>
+                    <a:solidFill>
+                      <a:srgbClr val="EDEDED"/>
+                    </a:solidFill>
+                  </a:tcPr>
+                </a:tc>
+                <a:tc>
+                  <a:txBody>
+                    <a:bodyPr/>
+                    <a:lstStyle/>
+                    <a:p>
+                      <a:pPr marL="0" marR="0">
+                        <a:lnSpc>
+                          <a:spcPct val="150000"/>
+                        </a:lnSpc>
+                        <a:spcBef>
+                          <a:spcPts val="0"/>
+                        </a:spcBef>
+                        <a:spcAft>
+                          <a:spcPts val="0"/>
+                        </a:spcAft>
+                      </a:pPr>
+                      <a:r>
+                        <a:rPr lang="en-US" sz="1800">
+                          <a:effectLst/>
+                          <a:latin typeface="Cambria" panose="02040503050406030204" pitchFamily="18" charset="0"/>
+                          <a:ea typeface="Calibri" panose="020F0502020204030204" pitchFamily="34" charset="0"/>
+                          <a:cs typeface="Times New Roman" panose="02020603050405020304" pitchFamily="18" charset="0"/>
+                        </a:rPr>
+                        <a:t>Windows 10, Ubuntu</a:t>
+                      </a:r>
+                      <a:endParaRPr lang="en-US" sz="1800">
+                        <a:effectLst/>
+                        <a:latin typeface="Calibri" panose="020F0502020204030204" pitchFamily="34" charset="0"/>
+                        <a:ea typeface="Times New Roman" panose="02020603050405020304" pitchFamily="18" charset="0"/>
+                        <a:cs typeface="Times New Roman" panose="02020603050405020304" pitchFamily="18" charset="0"/>
+                      </a:endParaRPr>
+                    </a:p>
+                  </a:txBody>
+                  <a:tcPr marL="68580" marR="68580" marT="0" marB="0" anchor="ctr">
+                    <a:lnL w="12700" cap="flat" cmpd="sng" algn="ctr">
+                      <a:solidFill>
+                        <a:srgbClr val="C9C9C9"/>
+                      </a:solidFill>
+                      <a:prstDash val="solid"/>
+                      <a:round/>
+                      <a:headEnd type="none" w="med" len="med"/>
+                      <a:tailEnd type="none" w="med" len="med"/>
+                    </a:lnL>
+                    <a:lnR w="12700" cap="flat" cmpd="sng" algn="ctr">
+                      <a:solidFill>
+                        <a:srgbClr val="C9C9C9"/>
+                      </a:solidFill>
+                      <a:prstDash val="solid"/>
+                      <a:round/>
+                      <a:headEnd type="none" w="med" len="med"/>
+                      <a:tailEnd type="none" w="med" len="med"/>
+                    </a:lnR>
+                    <a:lnT w="12700" cap="flat" cmpd="sng" algn="ctr">
+                      <a:solidFill>
+                        <a:srgbClr val="A5A5A5"/>
+                      </a:solidFill>
+                      <a:prstDash val="solid"/>
+                      <a:round/>
+                      <a:headEnd type="none" w="med" len="med"/>
+                      <a:tailEnd type="none" w="med" len="med"/>
+                    </a:lnT>
+                    <a:lnB w="12700" cap="flat" cmpd="sng" algn="ctr">
+                      <a:solidFill>
+                        <a:srgbClr val="C9C9C9"/>
+                      </a:solidFill>
+                      <a:prstDash val="solid"/>
+                      <a:round/>
+                      <a:headEnd type="none" w="med" len="med"/>
+                      <a:tailEnd type="none" w="med" len="med"/>
+                    </a:lnB>
+                    <a:solidFill>
+                      <a:srgbClr val="EDEDED"/>
+                    </a:solidFill>
+                  </a:tcPr>
+                </a:tc>
+                <a:extLst>
+                  <a:ext uri="{0D108BD9-81ED-4DB2-BD59-A6C34878D82A}">
+                    <a16:rowId xmlns:a16="http://schemas.microsoft.com/office/drawing/2014/main" val="2172816760"/>
+                  </a:ext>
+                </a:extLst>
+              </a:tr>
+              <a:tr h="380575">
+                <a:tc>
+                  <a:txBody>
+                    <a:bodyPr/>
+                    <a:lstStyle/>
+                    <a:p>
+                      <a:pPr marL="0" marR="0">
+                        <a:lnSpc>
+                          <a:spcPct val="150000"/>
+                        </a:lnSpc>
+                        <a:spcBef>
+                          <a:spcPts val="0"/>
+                        </a:spcBef>
+                        <a:spcAft>
+                          <a:spcPts val="0"/>
+                        </a:spcAft>
+                      </a:pPr>
+                      <a:r>
+                        <a:rPr lang="en-US" sz="1800" b="1" dirty="0">
+                          <a:effectLst/>
+                          <a:latin typeface="Cambria" panose="02040503050406030204" pitchFamily="18" charset="0"/>
+                          <a:ea typeface="Calibri" panose="020F0502020204030204" pitchFamily="34" charset="0"/>
+                          <a:cs typeface="Times New Roman" panose="02020603050405020304" pitchFamily="18" charset="0"/>
+                        </a:rPr>
+                        <a:t>Web programming</a:t>
+                      </a:r>
+                      <a:endParaRPr lang="en-US" sz="1800" dirty="0">
+                        <a:effectLst/>
+                        <a:latin typeface="Calibri" panose="020F0502020204030204" pitchFamily="34" charset="0"/>
+                        <a:ea typeface="Times New Roman" panose="02020603050405020304" pitchFamily="18" charset="0"/>
+                        <a:cs typeface="Times New Roman" panose="02020603050405020304" pitchFamily="18" charset="0"/>
+                      </a:endParaRPr>
+                    </a:p>
+                  </a:txBody>
+                  <a:tcPr marL="68580" marR="68580" marT="0" marB="0" anchor="ctr">
+                    <a:lnL w="12700" cap="flat" cmpd="sng" algn="ctr">
+                      <a:solidFill>
+                        <a:srgbClr val="C9C9C9"/>
+                      </a:solidFill>
+                      <a:prstDash val="solid"/>
+                      <a:round/>
+                      <a:headEnd type="none" w="med" len="med"/>
+                      <a:tailEnd type="none" w="med" len="med"/>
+                    </a:lnL>
+                    <a:lnR w="12700" cap="flat" cmpd="sng" algn="ctr">
+                      <a:solidFill>
+                        <a:srgbClr val="C9C9C9"/>
+                      </a:solidFill>
+                      <a:prstDash val="solid"/>
+                      <a:round/>
+                      <a:headEnd type="none" w="med" len="med"/>
+                      <a:tailEnd type="none" w="med" len="med"/>
+                    </a:lnR>
+                    <a:lnT w="12700" cap="flat" cmpd="sng" algn="ctr">
+                      <a:solidFill>
+                        <a:srgbClr val="C9C9C9"/>
+                      </a:solidFill>
+                      <a:prstDash val="solid"/>
+                      <a:round/>
+                      <a:headEnd type="none" w="med" len="med"/>
+                      <a:tailEnd type="none" w="med" len="med"/>
+                    </a:lnT>
+                    <a:lnB w="12700" cap="flat" cmpd="sng" algn="ctr">
+                      <a:solidFill>
+                        <a:srgbClr val="C9C9C9"/>
+                      </a:solidFill>
+                      <a:prstDash val="solid"/>
+                      <a:round/>
+                      <a:headEnd type="none" w="med" len="med"/>
+                      <a:tailEnd type="none" w="med" len="med"/>
+                    </a:lnB>
+                  </a:tcPr>
+                </a:tc>
+                <a:tc>
+                  <a:txBody>
+                    <a:bodyPr/>
+                    <a:lstStyle/>
+                    <a:p>
+                      <a:pPr marL="0" marR="0">
+                        <a:lnSpc>
+                          <a:spcPct val="150000"/>
+                        </a:lnSpc>
+                        <a:spcBef>
+                          <a:spcPts val="0"/>
+                        </a:spcBef>
+                        <a:spcAft>
+                          <a:spcPts val="0"/>
+                        </a:spcAft>
+                      </a:pPr>
+                      <a:r>
+                        <a:rPr lang="en-US" sz="1800">
+                          <a:effectLst/>
+                          <a:latin typeface="Cambria" panose="02040503050406030204" pitchFamily="18" charset="0"/>
+                          <a:ea typeface="Calibri" panose="020F0502020204030204" pitchFamily="34" charset="0"/>
+                          <a:cs typeface="Times New Roman" panose="02020603050405020304" pitchFamily="18" charset="0"/>
+                        </a:rPr>
+                        <a:t>Yii Framework</a:t>
+                      </a:r>
+                      <a:endParaRPr lang="en-US" sz="1800">
+                        <a:effectLst/>
+                        <a:latin typeface="Calibri" panose="020F0502020204030204" pitchFamily="34" charset="0"/>
+                        <a:ea typeface="Times New Roman" panose="02020603050405020304" pitchFamily="18" charset="0"/>
+                        <a:cs typeface="Times New Roman" panose="02020603050405020304" pitchFamily="18" charset="0"/>
+                      </a:endParaRPr>
+                    </a:p>
+                  </a:txBody>
+                  <a:tcPr marL="68580" marR="68580" marT="0" marB="0" anchor="ctr">
+                    <a:lnL w="12700" cap="flat" cmpd="sng" algn="ctr">
+                      <a:solidFill>
+                        <a:srgbClr val="C9C9C9"/>
+                      </a:solidFill>
+                      <a:prstDash val="solid"/>
+                      <a:round/>
+                      <a:headEnd type="none" w="med" len="med"/>
+                      <a:tailEnd type="none" w="med" len="med"/>
+                    </a:lnL>
+                    <a:lnR w="12700" cap="flat" cmpd="sng" algn="ctr">
+                      <a:solidFill>
+                        <a:srgbClr val="C9C9C9"/>
+                      </a:solidFill>
+                      <a:prstDash val="solid"/>
+                      <a:round/>
+                      <a:headEnd type="none" w="med" len="med"/>
+                      <a:tailEnd type="none" w="med" len="med"/>
+                    </a:lnR>
+                    <a:lnT w="12700" cap="flat" cmpd="sng" algn="ctr">
+                      <a:solidFill>
+                        <a:srgbClr val="C9C9C9"/>
+                      </a:solidFill>
+                      <a:prstDash val="solid"/>
+                      <a:round/>
+                      <a:headEnd type="none" w="med" len="med"/>
+                      <a:tailEnd type="none" w="med" len="med"/>
+                    </a:lnT>
+                    <a:lnB w="12700" cap="flat" cmpd="sng" algn="ctr">
+                      <a:solidFill>
+                        <a:srgbClr val="C9C9C9"/>
+                      </a:solidFill>
+                      <a:prstDash val="solid"/>
+                      <a:round/>
+                      <a:headEnd type="none" w="med" len="med"/>
+                      <a:tailEnd type="none" w="med" len="med"/>
+                    </a:lnB>
+                  </a:tcPr>
+                </a:tc>
+                <a:extLst>
+                  <a:ext uri="{0D108BD9-81ED-4DB2-BD59-A6C34878D82A}">
+                    <a16:rowId xmlns:a16="http://schemas.microsoft.com/office/drawing/2014/main" val="2146074324"/>
+                  </a:ext>
+                </a:extLst>
+              </a:tr>
+              <a:tr h="380575">
+                <a:tc>
+                  <a:txBody>
+                    <a:bodyPr/>
+                    <a:lstStyle/>
+                    <a:p>
+                      <a:pPr marL="0" marR="0">
+                        <a:lnSpc>
+                          <a:spcPct val="150000"/>
+                        </a:lnSpc>
+                        <a:spcBef>
+                          <a:spcPts val="0"/>
+                        </a:spcBef>
+                        <a:spcAft>
+                          <a:spcPts val="0"/>
+                        </a:spcAft>
+                      </a:pPr>
+                      <a:r>
+                        <a:rPr lang="en-US" sz="1800" b="1" dirty="0">
+                          <a:effectLst/>
+                          <a:latin typeface="Cambria" panose="02040503050406030204" pitchFamily="18" charset="0"/>
+                          <a:ea typeface="Calibri" panose="020F0502020204030204" pitchFamily="34" charset="0"/>
+                          <a:cs typeface="Times New Roman" panose="02020603050405020304" pitchFamily="18" charset="0"/>
+                        </a:rPr>
+                        <a:t>Modeling tool</a:t>
+                      </a:r>
+                      <a:endParaRPr lang="en-US" sz="1800" dirty="0">
+                        <a:effectLst/>
+                        <a:latin typeface="Calibri" panose="020F0502020204030204" pitchFamily="34" charset="0"/>
+                        <a:ea typeface="Times New Roman" panose="02020603050405020304" pitchFamily="18" charset="0"/>
+                        <a:cs typeface="Times New Roman" panose="02020603050405020304" pitchFamily="18" charset="0"/>
+                      </a:endParaRPr>
+                    </a:p>
+                  </a:txBody>
+                  <a:tcPr marL="68580" marR="68580" marT="0" marB="0" anchor="ctr">
+                    <a:lnL w="12700" cap="flat" cmpd="sng" algn="ctr">
+                      <a:solidFill>
+                        <a:srgbClr val="C9C9C9"/>
+                      </a:solidFill>
+                      <a:prstDash val="solid"/>
+                      <a:round/>
+                      <a:headEnd type="none" w="med" len="med"/>
+                      <a:tailEnd type="none" w="med" len="med"/>
+                    </a:lnL>
+                    <a:lnR w="12700" cap="flat" cmpd="sng" algn="ctr">
+                      <a:solidFill>
+                        <a:srgbClr val="C9C9C9"/>
+                      </a:solidFill>
+                      <a:prstDash val="solid"/>
+                      <a:round/>
+                      <a:headEnd type="none" w="med" len="med"/>
+                      <a:tailEnd type="none" w="med" len="med"/>
+                    </a:lnR>
+                    <a:lnT w="12700" cap="flat" cmpd="sng" algn="ctr">
+                      <a:solidFill>
+                        <a:srgbClr val="C9C9C9"/>
+                      </a:solidFill>
+                      <a:prstDash val="solid"/>
+                      <a:round/>
+                      <a:headEnd type="none" w="med" len="med"/>
+                      <a:tailEnd type="none" w="med" len="med"/>
+                    </a:lnT>
+                    <a:lnB w="12700" cap="flat" cmpd="sng" algn="ctr">
+                      <a:solidFill>
+                        <a:srgbClr val="C9C9C9"/>
+                      </a:solidFill>
+                      <a:prstDash val="solid"/>
+                      <a:round/>
+                      <a:headEnd type="none" w="med" len="med"/>
+                      <a:tailEnd type="none" w="med" len="med"/>
+                    </a:lnB>
+                    <a:solidFill>
+                      <a:srgbClr val="EDEDED"/>
+                    </a:solidFill>
+                  </a:tcPr>
+                </a:tc>
+                <a:tc>
+                  <a:txBody>
+                    <a:bodyPr/>
+                    <a:lstStyle/>
+                    <a:p>
+                      <a:pPr marL="0" marR="0">
+                        <a:lnSpc>
+                          <a:spcPct val="150000"/>
+                        </a:lnSpc>
+                        <a:spcBef>
+                          <a:spcPts val="0"/>
+                        </a:spcBef>
+                        <a:spcAft>
+                          <a:spcPts val="0"/>
+                        </a:spcAft>
+                      </a:pPr>
+                      <a:r>
+                        <a:rPr lang="en-US" sz="1800" dirty="0">
+                          <a:effectLst/>
+                          <a:latin typeface="Cambria" panose="02040503050406030204" pitchFamily="18" charset="0"/>
+                          <a:ea typeface="Calibri" panose="020F0502020204030204" pitchFamily="34" charset="0"/>
+                          <a:cs typeface="Times New Roman" panose="02020603050405020304" pitchFamily="18" charset="0"/>
+                        </a:rPr>
+                        <a:t>Draw.io, Star UML</a:t>
+                      </a:r>
+                      <a:endParaRPr lang="en-US" sz="1800" dirty="0">
+                        <a:effectLst/>
+                        <a:latin typeface="Calibri" panose="020F0502020204030204" pitchFamily="34" charset="0"/>
+                        <a:ea typeface="Times New Roman" panose="02020603050405020304" pitchFamily="18" charset="0"/>
+                        <a:cs typeface="Times New Roman" panose="02020603050405020304" pitchFamily="18" charset="0"/>
+                      </a:endParaRPr>
+                    </a:p>
+                  </a:txBody>
+                  <a:tcPr marL="68580" marR="68580" marT="0" marB="0" anchor="ctr">
+                    <a:lnL w="12700" cap="flat" cmpd="sng" algn="ctr">
+                      <a:solidFill>
+                        <a:srgbClr val="C9C9C9"/>
+                      </a:solidFill>
+                      <a:prstDash val="solid"/>
+                      <a:round/>
+                      <a:headEnd type="none" w="med" len="med"/>
+                      <a:tailEnd type="none" w="med" len="med"/>
+                    </a:lnL>
+                    <a:lnR w="12700" cap="flat" cmpd="sng" algn="ctr">
+                      <a:solidFill>
+                        <a:srgbClr val="C9C9C9"/>
+                      </a:solidFill>
+                      <a:prstDash val="solid"/>
+                      <a:round/>
+                      <a:headEnd type="none" w="med" len="med"/>
+                      <a:tailEnd type="none" w="med" len="med"/>
+                    </a:lnR>
+                    <a:lnT w="12700" cap="flat" cmpd="sng" algn="ctr">
+                      <a:solidFill>
+                        <a:srgbClr val="C9C9C9"/>
+                      </a:solidFill>
+                      <a:prstDash val="solid"/>
+                      <a:round/>
+                      <a:headEnd type="none" w="med" len="med"/>
+                      <a:tailEnd type="none" w="med" len="med"/>
+                    </a:lnT>
+                    <a:lnB w="12700" cap="flat" cmpd="sng" algn="ctr">
+                      <a:solidFill>
+                        <a:srgbClr val="C9C9C9"/>
+                      </a:solidFill>
+                      <a:prstDash val="solid"/>
+                      <a:round/>
+                      <a:headEnd type="none" w="med" len="med"/>
+                      <a:tailEnd type="none" w="med" len="med"/>
+                    </a:lnB>
+                    <a:solidFill>
+                      <a:srgbClr val="EDEDED"/>
+                    </a:solidFill>
+                  </a:tcPr>
+                </a:tc>
+                <a:extLst>
+                  <a:ext uri="{0D108BD9-81ED-4DB2-BD59-A6C34878D82A}">
+                    <a16:rowId xmlns:a16="http://schemas.microsoft.com/office/drawing/2014/main" val="2739461611"/>
+                  </a:ext>
+                </a:extLst>
+              </a:tr>
+              <a:tr h="807054">
+                <a:tc>
+                  <a:txBody>
+                    <a:bodyPr/>
+                    <a:lstStyle/>
+                    <a:p>
+                      <a:pPr marL="0" marR="0">
+                        <a:lnSpc>
+                          <a:spcPct val="150000"/>
+                        </a:lnSpc>
+                        <a:spcBef>
+                          <a:spcPts val="0"/>
+                        </a:spcBef>
+                        <a:spcAft>
+                          <a:spcPts val="0"/>
+                        </a:spcAft>
+                      </a:pPr>
+                      <a:r>
+                        <a:rPr lang="en-US" sz="1800" b="1">
+                          <a:effectLst/>
+                          <a:latin typeface="Cambria" panose="02040503050406030204" pitchFamily="18" charset="0"/>
+                          <a:ea typeface="Calibri" panose="020F0502020204030204" pitchFamily="34" charset="0"/>
+                          <a:cs typeface="Times New Roman" panose="02020603050405020304" pitchFamily="18" charset="0"/>
+                        </a:rPr>
+                        <a:t>IDE</a:t>
+                      </a:r>
+                      <a:endParaRPr lang="en-US" sz="1800">
+                        <a:effectLst/>
+                        <a:latin typeface="Calibri" panose="020F0502020204030204" pitchFamily="34" charset="0"/>
+                        <a:ea typeface="Times New Roman" panose="02020603050405020304" pitchFamily="18" charset="0"/>
+                        <a:cs typeface="Times New Roman" panose="02020603050405020304" pitchFamily="18" charset="0"/>
+                      </a:endParaRPr>
+                    </a:p>
+                  </a:txBody>
+                  <a:tcPr marL="68580" marR="68580" marT="0" marB="0" anchor="ctr">
+                    <a:lnL w="12700" cap="flat" cmpd="sng" algn="ctr">
+                      <a:solidFill>
+                        <a:srgbClr val="C9C9C9"/>
+                      </a:solidFill>
+                      <a:prstDash val="solid"/>
+                      <a:round/>
+                      <a:headEnd type="none" w="med" len="med"/>
+                      <a:tailEnd type="none" w="med" len="med"/>
+                    </a:lnL>
+                    <a:lnR w="12700" cap="flat" cmpd="sng" algn="ctr">
+                      <a:solidFill>
+                        <a:srgbClr val="C9C9C9"/>
+                      </a:solidFill>
+                      <a:prstDash val="solid"/>
+                      <a:round/>
+                      <a:headEnd type="none" w="med" len="med"/>
+                      <a:tailEnd type="none" w="med" len="med"/>
+                    </a:lnR>
+                    <a:lnT w="12700" cap="flat" cmpd="sng" algn="ctr">
+                      <a:solidFill>
+                        <a:srgbClr val="C9C9C9"/>
+                      </a:solidFill>
+                      <a:prstDash val="solid"/>
+                      <a:round/>
+                      <a:headEnd type="none" w="med" len="med"/>
+                      <a:tailEnd type="none" w="med" len="med"/>
+                    </a:lnT>
+                    <a:lnB w="12700" cap="flat" cmpd="sng" algn="ctr">
+                      <a:solidFill>
+                        <a:srgbClr val="C9C9C9"/>
+                      </a:solidFill>
+                      <a:prstDash val="solid"/>
+                      <a:round/>
+                      <a:headEnd type="none" w="med" len="med"/>
+                      <a:tailEnd type="none" w="med" len="med"/>
+                    </a:lnB>
+                  </a:tcPr>
+                </a:tc>
+                <a:tc>
+                  <a:txBody>
+                    <a:bodyPr/>
+                    <a:lstStyle/>
+                    <a:p>
+                      <a:pPr marL="0" marR="0">
+                        <a:lnSpc>
+                          <a:spcPct val="150000"/>
+                        </a:lnSpc>
+                        <a:spcBef>
+                          <a:spcPts val="0"/>
+                        </a:spcBef>
+                        <a:spcAft>
+                          <a:spcPts val="0"/>
+                        </a:spcAft>
+                      </a:pPr>
+                      <a:r>
+                        <a:rPr lang="en-US" sz="1800" dirty="0">
+                          <a:effectLst/>
+                          <a:latin typeface="Cambria" panose="02040503050406030204" pitchFamily="18" charset="0"/>
+                          <a:ea typeface="Calibri" panose="020F0502020204030204" pitchFamily="34" charset="0"/>
+                          <a:cs typeface="Times New Roman" panose="02020603050405020304" pitchFamily="18" charset="0"/>
+                        </a:rPr>
+                        <a:t>Visual Studio Code,  Visual Studio 2017, Php Storm</a:t>
+                      </a:r>
+                      <a:endParaRPr lang="en-US" sz="1800" dirty="0">
+                        <a:effectLst/>
+                        <a:latin typeface="Calibri" panose="020F0502020204030204" pitchFamily="34" charset="0"/>
+                        <a:ea typeface="Times New Roman" panose="02020603050405020304" pitchFamily="18" charset="0"/>
+                        <a:cs typeface="Times New Roman" panose="02020603050405020304" pitchFamily="18" charset="0"/>
+                      </a:endParaRPr>
+                    </a:p>
+                  </a:txBody>
+                  <a:tcPr marL="68580" marR="68580" marT="0" marB="0" anchor="ctr">
+                    <a:lnL w="12700" cap="flat" cmpd="sng" algn="ctr">
+                      <a:solidFill>
+                        <a:srgbClr val="C9C9C9"/>
+                      </a:solidFill>
+                      <a:prstDash val="solid"/>
+                      <a:round/>
+                      <a:headEnd type="none" w="med" len="med"/>
+                      <a:tailEnd type="none" w="med" len="med"/>
+                    </a:lnL>
+                    <a:lnR w="12700" cap="flat" cmpd="sng" algn="ctr">
+                      <a:solidFill>
+                        <a:srgbClr val="C9C9C9"/>
+                      </a:solidFill>
+                      <a:prstDash val="solid"/>
+                      <a:round/>
+                      <a:headEnd type="none" w="med" len="med"/>
+                      <a:tailEnd type="none" w="med" len="med"/>
+                    </a:lnR>
+                    <a:lnT w="12700" cap="flat" cmpd="sng" algn="ctr">
+                      <a:solidFill>
+                        <a:srgbClr val="C9C9C9"/>
+                      </a:solidFill>
+                      <a:prstDash val="solid"/>
+                      <a:round/>
+                      <a:headEnd type="none" w="med" len="med"/>
+                      <a:tailEnd type="none" w="med" len="med"/>
+                    </a:lnT>
+                    <a:lnB w="12700" cap="flat" cmpd="sng" algn="ctr">
+                      <a:solidFill>
+                        <a:srgbClr val="C9C9C9"/>
+                      </a:solidFill>
+                      <a:prstDash val="solid"/>
+                      <a:round/>
+                      <a:headEnd type="none" w="med" len="med"/>
+                      <a:tailEnd type="none" w="med" len="med"/>
+                    </a:lnB>
+                  </a:tcPr>
+                </a:tc>
+                <a:extLst>
+                  <a:ext uri="{0D108BD9-81ED-4DB2-BD59-A6C34878D82A}">
+                    <a16:rowId xmlns:a16="http://schemas.microsoft.com/office/drawing/2014/main" val="2079976915"/>
+                  </a:ext>
+                </a:extLst>
+              </a:tr>
+              <a:tr h="380575">
+                <a:tc>
+                  <a:txBody>
+                    <a:bodyPr/>
+                    <a:lstStyle/>
+                    <a:p>
+                      <a:pPr marL="0" marR="0">
+                        <a:lnSpc>
+                          <a:spcPct val="150000"/>
+                        </a:lnSpc>
+                        <a:spcBef>
+                          <a:spcPts val="0"/>
+                        </a:spcBef>
+                        <a:spcAft>
+                          <a:spcPts val="0"/>
+                        </a:spcAft>
+                      </a:pPr>
+                      <a:r>
+                        <a:rPr lang="en-US" sz="1800" b="1">
+                          <a:effectLst/>
+                          <a:latin typeface="Cambria" panose="02040503050406030204" pitchFamily="18" charset="0"/>
+                          <a:ea typeface="Calibri" panose="020F0502020204030204" pitchFamily="34" charset="0"/>
+                          <a:cs typeface="Times New Roman" panose="02020603050405020304" pitchFamily="18" charset="0"/>
+                        </a:rPr>
+                        <a:t>DBMS</a:t>
+                      </a:r>
+                      <a:endParaRPr lang="en-US" sz="1800">
+                        <a:effectLst/>
+                        <a:latin typeface="Calibri" panose="020F0502020204030204" pitchFamily="34" charset="0"/>
+                        <a:ea typeface="Times New Roman" panose="02020603050405020304" pitchFamily="18" charset="0"/>
+                        <a:cs typeface="Times New Roman" panose="02020603050405020304" pitchFamily="18" charset="0"/>
+                      </a:endParaRPr>
+                    </a:p>
+                  </a:txBody>
+                  <a:tcPr marL="68580" marR="68580" marT="0" marB="0" anchor="ctr">
+                    <a:lnL w="12700" cap="flat" cmpd="sng" algn="ctr">
+                      <a:solidFill>
+                        <a:srgbClr val="C9C9C9"/>
+                      </a:solidFill>
+                      <a:prstDash val="solid"/>
+                      <a:round/>
+                      <a:headEnd type="none" w="med" len="med"/>
+                      <a:tailEnd type="none" w="med" len="med"/>
+                    </a:lnL>
+                    <a:lnR w="12700" cap="flat" cmpd="sng" algn="ctr">
+                      <a:solidFill>
+                        <a:srgbClr val="C9C9C9"/>
+                      </a:solidFill>
+                      <a:prstDash val="solid"/>
+                      <a:round/>
+                      <a:headEnd type="none" w="med" len="med"/>
+                      <a:tailEnd type="none" w="med" len="med"/>
+                    </a:lnR>
+                    <a:lnT w="12700" cap="flat" cmpd="sng" algn="ctr">
+                      <a:solidFill>
+                        <a:srgbClr val="C9C9C9"/>
+                      </a:solidFill>
+                      <a:prstDash val="solid"/>
+                      <a:round/>
+                      <a:headEnd type="none" w="med" len="med"/>
+                      <a:tailEnd type="none" w="med" len="med"/>
+                    </a:lnT>
+                    <a:lnB w="12700" cap="flat" cmpd="sng" algn="ctr">
+                      <a:solidFill>
+                        <a:srgbClr val="C9C9C9"/>
+                      </a:solidFill>
+                      <a:prstDash val="solid"/>
+                      <a:round/>
+                      <a:headEnd type="none" w="med" len="med"/>
+                      <a:tailEnd type="none" w="med" len="med"/>
+                    </a:lnB>
+                    <a:solidFill>
+                      <a:srgbClr val="EDEDED"/>
+                    </a:solidFill>
+                  </a:tcPr>
+                </a:tc>
+                <a:tc>
+                  <a:txBody>
+                    <a:bodyPr/>
+                    <a:lstStyle/>
+                    <a:p>
+                      <a:pPr marL="0" marR="0">
+                        <a:lnSpc>
+                          <a:spcPct val="150000"/>
+                        </a:lnSpc>
+                        <a:spcBef>
+                          <a:spcPts val="0"/>
+                        </a:spcBef>
+                        <a:spcAft>
+                          <a:spcPts val="0"/>
+                        </a:spcAft>
+                      </a:pPr>
+                      <a:r>
+                        <a:rPr lang="en-US" sz="1800" dirty="0">
+                          <a:effectLst/>
+                          <a:latin typeface="Cambria" panose="02040503050406030204" pitchFamily="18" charset="0"/>
+                          <a:ea typeface="Calibri" panose="020F0502020204030204" pitchFamily="34" charset="0"/>
+                          <a:cs typeface="Times New Roman" panose="02020603050405020304" pitchFamily="18" charset="0"/>
+                        </a:rPr>
+                        <a:t>MySQL</a:t>
+                      </a:r>
+                      <a:endParaRPr lang="en-US" sz="1800" dirty="0">
+                        <a:effectLst/>
+                        <a:latin typeface="Calibri" panose="020F0502020204030204" pitchFamily="34" charset="0"/>
+                        <a:ea typeface="Times New Roman" panose="02020603050405020304" pitchFamily="18" charset="0"/>
+                        <a:cs typeface="Times New Roman" panose="02020603050405020304" pitchFamily="18" charset="0"/>
+                      </a:endParaRPr>
+                    </a:p>
+                  </a:txBody>
+                  <a:tcPr marL="68580" marR="68580" marT="0" marB="0" anchor="ctr">
+                    <a:lnL w="12700" cap="flat" cmpd="sng" algn="ctr">
+                      <a:solidFill>
+                        <a:srgbClr val="C9C9C9"/>
+                      </a:solidFill>
+                      <a:prstDash val="solid"/>
+                      <a:round/>
+                      <a:headEnd type="none" w="med" len="med"/>
+                      <a:tailEnd type="none" w="med" len="med"/>
+                    </a:lnL>
+                    <a:lnR w="12700" cap="flat" cmpd="sng" algn="ctr">
+                      <a:solidFill>
+                        <a:srgbClr val="C9C9C9"/>
+                      </a:solidFill>
+                      <a:prstDash val="solid"/>
+                      <a:round/>
+                      <a:headEnd type="none" w="med" len="med"/>
+                      <a:tailEnd type="none" w="med" len="med"/>
+                    </a:lnR>
+                    <a:lnT w="12700" cap="flat" cmpd="sng" algn="ctr">
+                      <a:solidFill>
+                        <a:srgbClr val="C9C9C9"/>
+                      </a:solidFill>
+                      <a:prstDash val="solid"/>
+                      <a:round/>
+                      <a:headEnd type="none" w="med" len="med"/>
+                      <a:tailEnd type="none" w="med" len="med"/>
+                    </a:lnT>
+                    <a:lnB w="12700" cap="flat" cmpd="sng" algn="ctr">
+                      <a:solidFill>
+                        <a:srgbClr val="C9C9C9"/>
+                      </a:solidFill>
+                      <a:prstDash val="solid"/>
+                      <a:round/>
+                      <a:headEnd type="none" w="med" len="med"/>
+                      <a:tailEnd type="none" w="med" len="med"/>
+                    </a:lnB>
+                    <a:solidFill>
+                      <a:srgbClr val="EDEDED"/>
+                    </a:solidFill>
+                  </a:tcPr>
+                </a:tc>
+                <a:extLst>
+                  <a:ext uri="{0D108BD9-81ED-4DB2-BD59-A6C34878D82A}">
+                    <a16:rowId xmlns:a16="http://schemas.microsoft.com/office/drawing/2014/main" val="2218571411"/>
+                  </a:ext>
+                </a:extLst>
+              </a:tr>
+              <a:tr h="380575">
+                <a:tc>
+                  <a:txBody>
+                    <a:bodyPr/>
+                    <a:lstStyle/>
+                    <a:p>
+                      <a:pPr marL="0" marR="0">
+                        <a:lnSpc>
+                          <a:spcPct val="150000"/>
+                        </a:lnSpc>
+                        <a:spcBef>
+                          <a:spcPts val="0"/>
+                        </a:spcBef>
+                        <a:spcAft>
+                          <a:spcPts val="0"/>
+                        </a:spcAft>
+                      </a:pPr>
+                      <a:r>
+                        <a:rPr lang="en-US" sz="1800" b="1">
+                          <a:effectLst/>
+                          <a:latin typeface="Cambria" panose="02040503050406030204" pitchFamily="18" charset="0"/>
+                          <a:ea typeface="Calibri" panose="020F0502020204030204" pitchFamily="34" charset="0"/>
+                          <a:cs typeface="Times New Roman" panose="02020603050405020304" pitchFamily="18" charset="0"/>
+                        </a:rPr>
+                        <a:t>Source control</a:t>
+                      </a:r>
+                      <a:endParaRPr lang="en-US" sz="1800">
+                        <a:effectLst/>
+                        <a:latin typeface="Calibri" panose="020F0502020204030204" pitchFamily="34" charset="0"/>
+                        <a:ea typeface="Times New Roman" panose="02020603050405020304" pitchFamily="18" charset="0"/>
+                        <a:cs typeface="Times New Roman" panose="02020603050405020304" pitchFamily="18" charset="0"/>
+                      </a:endParaRPr>
+                    </a:p>
+                  </a:txBody>
+                  <a:tcPr marL="68580" marR="68580" marT="0" marB="0" anchor="ctr">
+                    <a:lnL w="12700" cap="flat" cmpd="sng" algn="ctr">
+                      <a:solidFill>
+                        <a:srgbClr val="C9C9C9"/>
+                      </a:solidFill>
+                      <a:prstDash val="solid"/>
+                      <a:round/>
+                      <a:headEnd type="none" w="med" len="med"/>
+                      <a:tailEnd type="none" w="med" len="med"/>
+                    </a:lnL>
+                    <a:lnR w="12700" cap="flat" cmpd="sng" algn="ctr">
+                      <a:solidFill>
+                        <a:srgbClr val="C9C9C9"/>
+                      </a:solidFill>
+                      <a:prstDash val="solid"/>
+                      <a:round/>
+                      <a:headEnd type="none" w="med" len="med"/>
+                      <a:tailEnd type="none" w="med" len="med"/>
+                    </a:lnR>
+                    <a:lnT w="12700" cap="flat" cmpd="sng" algn="ctr">
+                      <a:solidFill>
+                        <a:srgbClr val="C9C9C9"/>
+                      </a:solidFill>
+                      <a:prstDash val="solid"/>
+                      <a:round/>
+                      <a:headEnd type="none" w="med" len="med"/>
+                      <a:tailEnd type="none" w="med" len="med"/>
+                    </a:lnT>
+                    <a:lnB w="12700" cap="flat" cmpd="sng" algn="ctr">
+                      <a:solidFill>
+                        <a:srgbClr val="C9C9C9"/>
+                      </a:solidFill>
+                      <a:prstDash val="solid"/>
+                      <a:round/>
+                      <a:headEnd type="none" w="med" len="med"/>
+                      <a:tailEnd type="none" w="med" len="med"/>
+                    </a:lnB>
+                  </a:tcPr>
+                </a:tc>
+                <a:tc>
+                  <a:txBody>
+                    <a:bodyPr/>
+                    <a:lstStyle/>
+                    <a:p>
+                      <a:pPr marL="0" marR="0">
+                        <a:lnSpc>
+                          <a:spcPct val="150000"/>
+                        </a:lnSpc>
+                        <a:spcBef>
+                          <a:spcPts val="0"/>
+                        </a:spcBef>
+                        <a:spcAft>
+                          <a:spcPts val="0"/>
+                        </a:spcAft>
+                      </a:pPr>
+                      <a:r>
+                        <a:rPr lang="en-US" sz="1800" dirty="0" err="1">
+                          <a:effectLst/>
+                          <a:latin typeface="Cambria" panose="02040503050406030204" pitchFamily="18" charset="0"/>
+                          <a:ea typeface="Calibri" panose="020F0502020204030204" pitchFamily="34" charset="0"/>
+                          <a:cs typeface="Times New Roman" panose="02020603050405020304" pitchFamily="18" charset="0"/>
+                        </a:rPr>
+                        <a:t>Github</a:t>
+                      </a:r>
+                      <a:endParaRPr lang="en-US" sz="1800" dirty="0">
+                        <a:effectLst/>
+                        <a:latin typeface="Calibri" panose="020F0502020204030204" pitchFamily="34" charset="0"/>
+                        <a:ea typeface="Times New Roman" panose="02020603050405020304" pitchFamily="18" charset="0"/>
+                        <a:cs typeface="Times New Roman" panose="02020603050405020304" pitchFamily="18" charset="0"/>
+                      </a:endParaRPr>
+                    </a:p>
+                  </a:txBody>
+                  <a:tcPr marL="68580" marR="68580" marT="0" marB="0" anchor="ctr">
+                    <a:lnL w="12700" cap="flat" cmpd="sng" algn="ctr">
+                      <a:solidFill>
+                        <a:srgbClr val="C9C9C9"/>
+                      </a:solidFill>
+                      <a:prstDash val="solid"/>
+                      <a:round/>
+                      <a:headEnd type="none" w="med" len="med"/>
+                      <a:tailEnd type="none" w="med" len="med"/>
+                    </a:lnL>
+                    <a:lnR w="12700" cap="flat" cmpd="sng" algn="ctr">
+                      <a:solidFill>
+                        <a:srgbClr val="C9C9C9"/>
+                      </a:solidFill>
+                      <a:prstDash val="solid"/>
+                      <a:round/>
+                      <a:headEnd type="none" w="med" len="med"/>
+                      <a:tailEnd type="none" w="med" len="med"/>
+                    </a:lnR>
+                    <a:lnT w="12700" cap="flat" cmpd="sng" algn="ctr">
+                      <a:solidFill>
+                        <a:srgbClr val="C9C9C9"/>
+                      </a:solidFill>
+                      <a:prstDash val="solid"/>
+                      <a:round/>
+                      <a:headEnd type="none" w="med" len="med"/>
+                      <a:tailEnd type="none" w="med" len="med"/>
+                    </a:lnT>
+                    <a:lnB w="12700" cap="flat" cmpd="sng" algn="ctr">
+                      <a:solidFill>
+                        <a:srgbClr val="C9C9C9"/>
+                      </a:solidFill>
+                      <a:prstDash val="solid"/>
+                      <a:round/>
+                      <a:headEnd type="none" w="med" len="med"/>
+                      <a:tailEnd type="none" w="med" len="med"/>
+                    </a:lnB>
+                  </a:tcPr>
+                </a:tc>
+                <a:extLst>
+                  <a:ext uri="{0D108BD9-81ED-4DB2-BD59-A6C34878D82A}">
+                    <a16:rowId xmlns:a16="http://schemas.microsoft.com/office/drawing/2014/main" val="2375366613"/>
+                  </a:ext>
+                </a:extLst>
+              </a:tr>
+              <a:tr h="380575">
+                <a:tc>
+                  <a:txBody>
+                    <a:bodyPr/>
+                    <a:lstStyle/>
+                    <a:p>
+                      <a:pPr marL="0" marR="0">
+                        <a:lnSpc>
+                          <a:spcPct val="150000"/>
+                        </a:lnSpc>
+                        <a:spcBef>
+                          <a:spcPts val="0"/>
+                        </a:spcBef>
+                        <a:spcAft>
+                          <a:spcPts val="0"/>
+                        </a:spcAft>
+                      </a:pPr>
+                      <a:r>
+                        <a:rPr lang="en-US" sz="1800" b="1">
+                          <a:effectLst/>
+                          <a:latin typeface="Cambria" panose="02040503050406030204" pitchFamily="18" charset="0"/>
+                          <a:ea typeface="Calibri" panose="020F0502020204030204" pitchFamily="34" charset="0"/>
+                          <a:cs typeface="Times New Roman" panose="02020603050405020304" pitchFamily="18" charset="0"/>
+                        </a:rPr>
+                        <a:t>Project management tool</a:t>
+                      </a:r>
+                      <a:endParaRPr lang="en-US" sz="1800">
+                        <a:effectLst/>
+                        <a:latin typeface="Calibri" panose="020F0502020204030204" pitchFamily="34" charset="0"/>
+                        <a:ea typeface="Times New Roman" panose="02020603050405020304" pitchFamily="18" charset="0"/>
+                        <a:cs typeface="Times New Roman" panose="02020603050405020304" pitchFamily="18" charset="0"/>
+                      </a:endParaRPr>
+                    </a:p>
+                  </a:txBody>
+                  <a:tcPr marL="68580" marR="68580" marT="0" marB="0" anchor="ctr">
+                    <a:lnL w="12700" cap="flat" cmpd="sng" algn="ctr">
+                      <a:solidFill>
+                        <a:srgbClr val="C9C9C9"/>
+                      </a:solidFill>
+                      <a:prstDash val="solid"/>
+                      <a:round/>
+                      <a:headEnd type="none" w="med" len="med"/>
+                      <a:tailEnd type="none" w="med" len="med"/>
+                    </a:lnL>
+                    <a:lnR w="12700" cap="flat" cmpd="sng" algn="ctr">
+                      <a:solidFill>
+                        <a:srgbClr val="C9C9C9"/>
+                      </a:solidFill>
+                      <a:prstDash val="solid"/>
+                      <a:round/>
+                      <a:headEnd type="none" w="med" len="med"/>
+                      <a:tailEnd type="none" w="med" len="med"/>
+                    </a:lnR>
+                    <a:lnT w="12700" cap="flat" cmpd="sng" algn="ctr">
+                      <a:solidFill>
+                        <a:srgbClr val="C9C9C9"/>
+                      </a:solidFill>
+                      <a:prstDash val="solid"/>
+                      <a:round/>
+                      <a:headEnd type="none" w="med" len="med"/>
+                      <a:tailEnd type="none" w="med" len="med"/>
+                    </a:lnT>
+                    <a:lnB w="12700" cap="flat" cmpd="sng" algn="ctr">
+                      <a:solidFill>
+                        <a:srgbClr val="C9C9C9"/>
+                      </a:solidFill>
+                      <a:prstDash val="solid"/>
+                      <a:round/>
+                      <a:headEnd type="none" w="med" len="med"/>
+                      <a:tailEnd type="none" w="med" len="med"/>
+                    </a:lnB>
+                    <a:solidFill>
+                      <a:srgbClr val="EDEDED"/>
+                    </a:solidFill>
+                  </a:tcPr>
+                </a:tc>
+                <a:tc>
+                  <a:txBody>
+                    <a:bodyPr/>
+                    <a:lstStyle/>
+                    <a:p>
+                      <a:pPr marL="0" marR="0">
+                        <a:lnSpc>
+                          <a:spcPct val="150000"/>
+                        </a:lnSpc>
+                        <a:spcBef>
+                          <a:spcPts val="0"/>
+                        </a:spcBef>
+                        <a:spcAft>
+                          <a:spcPts val="0"/>
+                        </a:spcAft>
+                      </a:pPr>
+                      <a:r>
+                        <a:rPr lang="en-US" sz="1800" dirty="0">
+                          <a:effectLst/>
+                          <a:latin typeface="Cambria" panose="02040503050406030204" pitchFamily="18" charset="0"/>
+                          <a:ea typeface="Calibri" panose="020F0502020204030204" pitchFamily="34" charset="0"/>
+                          <a:cs typeface="Times New Roman" panose="02020603050405020304" pitchFamily="18" charset="0"/>
+                        </a:rPr>
+                        <a:t>Trello</a:t>
+                      </a:r>
+                      <a:endParaRPr lang="en-US" sz="1800" dirty="0">
+                        <a:effectLst/>
+                        <a:latin typeface="Calibri" panose="020F0502020204030204" pitchFamily="34" charset="0"/>
+                        <a:ea typeface="Times New Roman" panose="02020603050405020304" pitchFamily="18" charset="0"/>
+                        <a:cs typeface="Times New Roman" panose="02020603050405020304" pitchFamily="18" charset="0"/>
+                      </a:endParaRPr>
+                    </a:p>
+                  </a:txBody>
+                  <a:tcPr marL="68580" marR="68580" marT="0" marB="0" anchor="ctr">
+                    <a:lnL w="12700" cap="flat" cmpd="sng" algn="ctr">
+                      <a:solidFill>
+                        <a:srgbClr val="C9C9C9"/>
+                      </a:solidFill>
+                      <a:prstDash val="solid"/>
+                      <a:round/>
+                      <a:headEnd type="none" w="med" len="med"/>
+                      <a:tailEnd type="none" w="med" len="med"/>
+                    </a:lnL>
+                    <a:lnR w="12700" cap="flat" cmpd="sng" algn="ctr">
+                      <a:solidFill>
+                        <a:srgbClr val="C9C9C9"/>
+                      </a:solidFill>
+                      <a:prstDash val="solid"/>
+                      <a:round/>
+                      <a:headEnd type="none" w="med" len="med"/>
+                      <a:tailEnd type="none" w="med" len="med"/>
+                    </a:lnR>
+                    <a:lnT w="12700" cap="flat" cmpd="sng" algn="ctr">
+                      <a:solidFill>
+                        <a:srgbClr val="C9C9C9"/>
+                      </a:solidFill>
+                      <a:prstDash val="solid"/>
+                      <a:round/>
+                      <a:headEnd type="none" w="med" len="med"/>
+                      <a:tailEnd type="none" w="med" len="med"/>
+                    </a:lnT>
+                    <a:lnB w="12700" cap="flat" cmpd="sng" algn="ctr">
+                      <a:solidFill>
+                        <a:srgbClr val="C9C9C9"/>
+                      </a:solidFill>
+                      <a:prstDash val="solid"/>
+                      <a:round/>
+                      <a:headEnd type="none" w="med" len="med"/>
+                      <a:tailEnd type="none" w="med" len="med"/>
+                    </a:lnB>
+                    <a:solidFill>
+                      <a:srgbClr val="EDEDED"/>
+                    </a:solidFill>
+                  </a:tcPr>
+                </a:tc>
+                <a:extLst>
+                  <a:ext uri="{0D108BD9-81ED-4DB2-BD59-A6C34878D82A}">
+                    <a16:rowId xmlns:a16="http://schemas.microsoft.com/office/drawing/2014/main" val="2049299751"/>
+                  </a:ext>
+                </a:extLst>
+              </a:tr>
+              <a:tr h="380575">
+                <a:tc>
+                  <a:txBody>
+                    <a:bodyPr/>
+                    <a:lstStyle/>
+                    <a:p>
+                      <a:pPr marL="0" marR="0">
+                        <a:lnSpc>
+                          <a:spcPct val="150000"/>
+                        </a:lnSpc>
+                        <a:spcBef>
+                          <a:spcPts val="0"/>
+                        </a:spcBef>
+                        <a:spcAft>
+                          <a:spcPts val="0"/>
+                        </a:spcAft>
+                      </a:pPr>
+                      <a:r>
+                        <a:rPr lang="en-US" sz="1800" b="1">
+                          <a:effectLst/>
+                          <a:latin typeface="Cambria" panose="02040503050406030204" pitchFamily="18" charset="0"/>
+                          <a:ea typeface="Calibri" panose="020F0502020204030204" pitchFamily="34" charset="0"/>
+                          <a:cs typeface="Times New Roman" panose="02020603050405020304" pitchFamily="18" charset="0"/>
+                        </a:rPr>
+                        <a:t>Web browser</a:t>
+                      </a:r>
+                      <a:endParaRPr lang="en-US" sz="1800">
+                        <a:effectLst/>
+                        <a:latin typeface="Calibri" panose="020F0502020204030204" pitchFamily="34" charset="0"/>
+                        <a:ea typeface="Times New Roman" panose="02020603050405020304" pitchFamily="18" charset="0"/>
+                        <a:cs typeface="Times New Roman" panose="02020603050405020304" pitchFamily="18" charset="0"/>
+                      </a:endParaRPr>
+                    </a:p>
+                  </a:txBody>
+                  <a:tcPr marL="68580" marR="68580" marT="0" marB="0" anchor="ctr">
+                    <a:lnL w="12700" cap="flat" cmpd="sng" algn="ctr">
+                      <a:solidFill>
+                        <a:srgbClr val="C9C9C9"/>
+                      </a:solidFill>
+                      <a:prstDash val="solid"/>
+                      <a:round/>
+                      <a:headEnd type="none" w="med" len="med"/>
+                      <a:tailEnd type="none" w="med" len="med"/>
+                    </a:lnL>
+                    <a:lnR w="12700" cap="flat" cmpd="sng" algn="ctr">
+                      <a:solidFill>
+                        <a:srgbClr val="C9C9C9"/>
+                      </a:solidFill>
+                      <a:prstDash val="solid"/>
+                      <a:round/>
+                      <a:headEnd type="none" w="med" len="med"/>
+                      <a:tailEnd type="none" w="med" len="med"/>
+                    </a:lnR>
+                    <a:lnT w="12700" cap="flat" cmpd="sng" algn="ctr">
+                      <a:solidFill>
+                        <a:srgbClr val="C9C9C9"/>
+                      </a:solidFill>
+                      <a:prstDash val="solid"/>
+                      <a:round/>
+                      <a:headEnd type="none" w="med" len="med"/>
+                      <a:tailEnd type="none" w="med" len="med"/>
+                    </a:lnT>
+                    <a:lnB w="12700" cap="flat" cmpd="sng" algn="ctr">
+                      <a:solidFill>
+                        <a:srgbClr val="C9C9C9"/>
+                      </a:solidFill>
+                      <a:prstDash val="solid"/>
+                      <a:round/>
+                      <a:headEnd type="none" w="med" len="med"/>
+                      <a:tailEnd type="none" w="med" len="med"/>
+                    </a:lnB>
+                  </a:tcPr>
+                </a:tc>
+                <a:tc>
+                  <a:txBody>
+                    <a:bodyPr/>
+                    <a:lstStyle/>
+                    <a:p>
+                      <a:pPr marL="0" marR="0">
+                        <a:lnSpc>
+                          <a:spcPct val="150000"/>
+                        </a:lnSpc>
+                        <a:spcBef>
+                          <a:spcPts val="0"/>
+                        </a:spcBef>
+                        <a:spcAft>
+                          <a:spcPts val="0"/>
+                        </a:spcAft>
+                      </a:pPr>
+                      <a:r>
+                        <a:rPr lang="en-US" sz="1800" dirty="0">
+                          <a:effectLst/>
+                          <a:latin typeface="Cambria" panose="02040503050406030204" pitchFamily="18" charset="0"/>
+                          <a:ea typeface="Calibri" panose="020F0502020204030204" pitchFamily="34" charset="0"/>
+                          <a:cs typeface="Times New Roman" panose="02020603050405020304" pitchFamily="18" charset="0"/>
+                        </a:rPr>
+                        <a:t>Chrome 42 or above</a:t>
+                      </a:r>
+                      <a:endParaRPr lang="en-US" sz="1800" dirty="0">
+                        <a:effectLst/>
+                        <a:latin typeface="Calibri" panose="020F0502020204030204" pitchFamily="34" charset="0"/>
+                        <a:ea typeface="Times New Roman" panose="02020603050405020304" pitchFamily="18" charset="0"/>
+                        <a:cs typeface="Times New Roman" panose="02020603050405020304" pitchFamily="18" charset="0"/>
+                      </a:endParaRPr>
+                    </a:p>
+                  </a:txBody>
+                  <a:tcPr marL="68580" marR="68580" marT="0" marB="0" anchor="ctr">
+                    <a:lnL w="12700" cap="flat" cmpd="sng" algn="ctr">
+                      <a:solidFill>
+                        <a:srgbClr val="C9C9C9"/>
+                      </a:solidFill>
+                      <a:prstDash val="solid"/>
+                      <a:round/>
+                      <a:headEnd type="none" w="med" len="med"/>
+                      <a:tailEnd type="none" w="med" len="med"/>
+                    </a:lnL>
+                    <a:lnR w="12700" cap="flat" cmpd="sng" algn="ctr">
+                      <a:solidFill>
+                        <a:srgbClr val="C9C9C9"/>
+                      </a:solidFill>
+                      <a:prstDash val="solid"/>
+                      <a:round/>
+                      <a:headEnd type="none" w="med" len="med"/>
+                      <a:tailEnd type="none" w="med" len="med"/>
+                    </a:lnR>
+                    <a:lnT w="12700" cap="flat" cmpd="sng" algn="ctr">
+                      <a:solidFill>
+                        <a:srgbClr val="C9C9C9"/>
+                      </a:solidFill>
+                      <a:prstDash val="solid"/>
+                      <a:round/>
+                      <a:headEnd type="none" w="med" len="med"/>
+                      <a:tailEnd type="none" w="med" len="med"/>
+                    </a:lnT>
+                    <a:lnB w="12700" cap="flat" cmpd="sng" algn="ctr">
+                      <a:solidFill>
+                        <a:srgbClr val="C9C9C9"/>
+                      </a:solidFill>
+                      <a:prstDash val="solid"/>
+                      <a:round/>
+                      <a:headEnd type="none" w="med" len="med"/>
+                      <a:tailEnd type="none" w="med" len="med"/>
+                    </a:lnB>
+                  </a:tcPr>
+                </a:tc>
+                <a:extLst>
+                  <a:ext uri="{0D108BD9-81ED-4DB2-BD59-A6C34878D82A}">
+                    <a16:rowId xmlns:a16="http://schemas.microsoft.com/office/drawing/2014/main" val="2330701900"/>
+                  </a:ext>
+                </a:extLst>
+              </a:tr>
+            </a:tbl>
+          </a:graphicData>
+        </a:graphic>
+      </p:graphicFrame>
+    </p:spTree>
+    <p:extLst>
+      <p:ext uri="{BB962C8B-B14F-4D97-AF65-F5344CB8AC3E}">
+        <p14:creationId xmlns:p14="http://schemas.microsoft.com/office/powerpoint/2010/main" val="2180937208"/>
+      </p:ext>
+    </p:extLst>
+  </p:cSld>
+  <p:clrMapOvr>
+    <a:masterClrMapping/>
+  </p:clrMapOvr>
+</p:sld>
+</file>
+
+<file path=ppt/slides/slide12.xml><?xml version="1.0" encoding="utf-8"?>
 <p:sld xmlns:a="http://schemas.openxmlformats.org/drawingml/2006/main" xmlns:r="http://schemas.openxmlformats.org/officeDocument/2006/relationships" xmlns:p="http://schemas.openxmlformats.org/presentationml/2006/main">
   <p:cSld>
     <p:spTree>
@@ -6619,7 +8999,7 @@
 </p:sld>
 </file>
 
-<file path=ppt/slides/slide4.xml><?xml version="1.0" encoding="utf-8"?>
+<file path=ppt/slides/slide13.xml><?xml version="1.0" encoding="utf-8"?>
 <p:sld xmlns:a="http://schemas.openxmlformats.org/drawingml/2006/main" xmlns:r="http://schemas.openxmlformats.org/officeDocument/2006/relationships" xmlns:p="http://schemas.openxmlformats.org/presentationml/2006/main">
   <p:cSld>
     <p:spTree>
@@ -8862,7 +11242,7 @@
 </p:sld>
 </file>
 
-<file path=ppt/slides/slide5.xml><?xml version="1.0" encoding="utf-8"?>
+<file path=ppt/slides/slide14.xml><?xml version="1.0" encoding="utf-8"?>
 <p:sld xmlns:a="http://schemas.openxmlformats.org/drawingml/2006/main" xmlns:r="http://schemas.openxmlformats.org/officeDocument/2006/relationships" xmlns:p="http://schemas.openxmlformats.org/presentationml/2006/main">
   <p:cSld>
     <p:spTree>
@@ -8910,10 +11290,10 @@
       </p:sp>
       <p:graphicFrame>
         <p:nvGraphicFramePr>
-          <p:cNvPr id="4" name="Content Placeholder 3">
+          <p:cNvPr id="7" name="Content Placeholder 6">
             <a:extLst>
               <a:ext uri="{FF2B5EF4-FFF2-40B4-BE49-F238E27FC236}">
-                <a16:creationId xmlns:a16="http://schemas.microsoft.com/office/drawing/2014/main" id="{2294FF55-BC17-4439-A6C4-EB5C16A48B30}"/>
+                <a16:creationId xmlns:a16="http://schemas.microsoft.com/office/drawing/2014/main" id="{6DE9774E-015A-4EB9-9FF2-FE32DA25E48C}"/>
               </a:ext>
             </a:extLst>
           </p:cNvPr>
@@ -8924,38 +11304,36 @@
             <p:ph idx="1"/>
             <p:extLst>
               <p:ext uri="{D42A27DB-BD31-4B8C-83A1-F6EECF244321}">
-                <p14:modId xmlns:p14="http://schemas.microsoft.com/office/powerpoint/2010/main" val="3978019776"/>
+                <p14:modId xmlns:p14="http://schemas.microsoft.com/office/powerpoint/2010/main" val="3423248782"/>
               </p:ext>
             </p:extLst>
           </p:nvPr>
         </p:nvGraphicFramePr>
         <p:xfrm>
-          <a:off x="677334" y="1930401"/>
-          <a:ext cx="7070460" cy="3404803"/>
+          <a:off x="677334" y="1680858"/>
+          <a:ext cx="8596668" cy="4415139"/>
         </p:xfrm>
         <a:graphic>
           <a:graphicData uri="http://schemas.openxmlformats.org/drawingml/2006/table">
             <a:tbl>
-              <a:tblPr firstRow="1" firstCol="1" bandRow="1">
-                <a:tableStyleId>{5C22544A-7EE6-4342-B048-85BDC9FD1C3A}</a:tableStyleId>
-              </a:tblPr>
+              <a:tblPr firstRow="1" firstCol="1" bandRow="1"/>
               <a:tblGrid>
-                <a:gridCol w="3061436">
+                <a:gridCol w="3722269">
                   <a:extLst>
                     <a:ext uri="{9D8B030D-6E8A-4147-A177-3AD203B41FA5}">
-                      <a16:colId xmlns:a16="http://schemas.microsoft.com/office/drawing/2014/main" val="997258701"/>
+                      <a16:colId xmlns:a16="http://schemas.microsoft.com/office/drawing/2014/main" val="97894442"/>
                     </a:ext>
                   </a:extLst>
                 </a:gridCol>
-                <a:gridCol w="4009024">
+                <a:gridCol w="4874399">
                   <a:extLst>
                     <a:ext uri="{9D8B030D-6E8A-4147-A177-3AD203B41FA5}">
-                      <a16:colId xmlns:a16="http://schemas.microsoft.com/office/drawing/2014/main" val="909364945"/>
+                      <a16:colId xmlns:a16="http://schemas.microsoft.com/office/drawing/2014/main" val="3053060499"/>
                     </a:ext>
                   </a:extLst>
                 </a:gridCol>
               </a:tblGrid>
-              <a:tr h="363667">
+              <a:tr h="471690">
                 <a:tc>
                   <a:txBody>
                     <a:bodyPr/>
@@ -8973,12 +11351,18 @@
                         </a:spcAft>
                       </a:pPr>
                       <a:r>
-                        <a:rPr lang="en-US" sz="1200">
+                        <a:rPr lang="en-US" sz="1800" b="1" dirty="0">
+                          <a:solidFill>
+                            <a:srgbClr val="FFFFFF"/>
+                          </a:solidFill>
                           <a:effectLst/>
+                          <a:latin typeface="Cambria" panose="02040503050406030204" pitchFamily="18" charset="0"/>
+                          <a:ea typeface="Calibri" panose="020F0502020204030204" pitchFamily="34" charset="0"/>
+                          <a:cs typeface="Times New Roman" panose="02020603050405020304" pitchFamily="18" charset="0"/>
                         </a:rPr>
                         <a:t>Tools / Techniques</a:t>
                       </a:r>
-                      <a:endParaRPr lang="en-US" sz="1200">
+                      <a:endParaRPr lang="en-US" sz="1800" dirty="0">
                         <a:effectLst/>
                         <a:latin typeface="Calibri" panose="020F0502020204030204" pitchFamily="34" charset="0"/>
                         <a:ea typeface="Times New Roman" panose="02020603050405020304" pitchFamily="18" charset="0"/>
@@ -8986,7 +11370,41 @@
                       </a:endParaRPr>
                     </a:p>
                   </a:txBody>
-                  <a:tcPr marL="68580" marR="68580" marT="0" marB="0" anchor="ctr"/>
+                  <a:tcPr marL="68580" marR="68580" marT="0" marB="0" anchor="ctr">
+                    <a:lnL w="12700" cap="flat" cmpd="sng" algn="ctr">
+                      <a:solidFill>
+                        <a:srgbClr val="A5A5A5"/>
+                      </a:solidFill>
+                      <a:prstDash val="solid"/>
+                      <a:round/>
+                      <a:headEnd type="none" w="med" len="med"/>
+                      <a:tailEnd type="none" w="med" len="med"/>
+                    </a:lnL>
+                    <a:lnR>
+                      <a:noFill/>
+                    </a:lnR>
+                    <a:lnT w="12700" cap="flat" cmpd="sng" algn="ctr">
+                      <a:solidFill>
+                        <a:srgbClr val="A5A5A5"/>
+                      </a:solidFill>
+                      <a:prstDash val="solid"/>
+                      <a:round/>
+                      <a:headEnd type="none" w="med" len="med"/>
+                      <a:tailEnd type="none" w="med" len="med"/>
+                    </a:lnT>
+                    <a:lnB w="12700" cap="flat" cmpd="sng" algn="ctr">
+                      <a:solidFill>
+                        <a:srgbClr val="A5A5A5"/>
+                      </a:solidFill>
+                      <a:prstDash val="solid"/>
+                      <a:round/>
+                      <a:headEnd type="none" w="med" len="med"/>
+                      <a:tailEnd type="none" w="med" len="med"/>
+                    </a:lnB>
+                    <a:solidFill>
+                      <a:srgbClr val="A5A5A5"/>
+                    </a:solidFill>
+                  </a:tcPr>
                 </a:tc>
                 <a:tc>
                   <a:txBody>
@@ -9005,12 +11423,18 @@
                         </a:spcAft>
                       </a:pPr>
                       <a:r>
-                        <a:rPr lang="en-US" sz="1200">
+                        <a:rPr lang="en-US" sz="1800" b="1">
+                          <a:solidFill>
+                            <a:srgbClr val="FFFFFF"/>
+                          </a:solidFill>
                           <a:effectLst/>
+                          <a:latin typeface="Cambria" panose="02040503050406030204" pitchFamily="18" charset="0"/>
+                          <a:ea typeface="Calibri" panose="020F0502020204030204" pitchFamily="34" charset="0"/>
+                          <a:cs typeface="Times New Roman" panose="02020603050405020304" pitchFamily="18" charset="0"/>
                         </a:rPr>
                         <a:t>Name / Version</a:t>
                       </a:r>
-                      <a:endParaRPr lang="en-US" sz="1200">
+                      <a:endParaRPr lang="en-US" sz="1800">
                         <a:effectLst/>
                         <a:latin typeface="Calibri" panose="020F0502020204030204" pitchFamily="34" charset="0"/>
                         <a:ea typeface="Times New Roman" panose="02020603050405020304" pitchFamily="18" charset="0"/>
@@ -9018,15 +11442,49 @@
                       </a:endParaRPr>
                     </a:p>
                   </a:txBody>
-                  <a:tcPr marL="68580" marR="68580" marT="0" marB="0" anchor="ctr"/>
+                  <a:tcPr marL="68580" marR="68580" marT="0" marB="0" anchor="ctr">
+                    <a:lnL>
+                      <a:noFill/>
+                    </a:lnL>
+                    <a:lnR w="12700" cap="flat" cmpd="sng" algn="ctr">
+                      <a:solidFill>
+                        <a:srgbClr val="A5A5A5"/>
+                      </a:solidFill>
+                      <a:prstDash val="solid"/>
+                      <a:round/>
+                      <a:headEnd type="none" w="med" len="med"/>
+                      <a:tailEnd type="none" w="med" len="med"/>
+                    </a:lnR>
+                    <a:lnT w="12700" cap="flat" cmpd="sng" algn="ctr">
+                      <a:solidFill>
+                        <a:srgbClr val="A5A5A5"/>
+                      </a:solidFill>
+                      <a:prstDash val="solid"/>
+                      <a:round/>
+                      <a:headEnd type="none" w="med" len="med"/>
+                      <a:tailEnd type="none" w="med" len="med"/>
+                    </a:lnT>
+                    <a:lnB w="12700" cap="flat" cmpd="sng" algn="ctr">
+                      <a:solidFill>
+                        <a:srgbClr val="A5A5A5"/>
+                      </a:solidFill>
+                      <a:prstDash val="solid"/>
+                      <a:round/>
+                      <a:headEnd type="none" w="med" len="med"/>
+                      <a:tailEnd type="none" w="med" len="med"/>
+                    </a:lnB>
+                    <a:solidFill>
+                      <a:srgbClr val="A5A5A5"/>
+                    </a:solidFill>
+                  </a:tcPr>
                 </a:tc>
                 <a:extLst>
                   <a:ext uri="{0D108BD9-81ED-4DB2-BD59-A6C34878D82A}">
-                    <a16:rowId xmlns:a16="http://schemas.microsoft.com/office/drawing/2014/main" val="3421348661"/>
+                    <a16:rowId xmlns:a16="http://schemas.microsoft.com/office/drawing/2014/main" val="2364681362"/>
                   </a:ext>
                 </a:extLst>
               </a:tr>
-              <a:tr h="337904">
+              <a:tr h="438161">
                 <a:tc>
                   <a:txBody>
                     <a:bodyPr/>
@@ -9044,12 +11502,15 @@
                         </a:spcAft>
                       </a:pPr>
                       <a:r>
-                        <a:rPr lang="en-US" sz="1200">
+                        <a:rPr lang="en-US" sz="1800" b="1" dirty="0">
                           <a:effectLst/>
+                          <a:latin typeface="Cambria" panose="02040503050406030204" pitchFamily="18" charset="0"/>
+                          <a:ea typeface="Calibri" panose="020F0502020204030204" pitchFamily="34" charset="0"/>
+                          <a:cs typeface="Times New Roman" panose="02020603050405020304" pitchFamily="18" charset="0"/>
                         </a:rPr>
                         <a:t>Operating system</a:t>
                       </a:r>
-                      <a:endParaRPr lang="en-US" sz="1200">
+                      <a:endParaRPr lang="en-US" sz="1800" dirty="0">
                         <a:effectLst/>
                         <a:latin typeface="Calibri" panose="020F0502020204030204" pitchFamily="34" charset="0"/>
                         <a:ea typeface="Times New Roman" panose="02020603050405020304" pitchFamily="18" charset="0"/>
@@ -9057,7 +11518,47 @@
                       </a:endParaRPr>
                     </a:p>
                   </a:txBody>
-                  <a:tcPr marL="68580" marR="68580" marT="0" marB="0" anchor="ctr"/>
+                  <a:tcPr marL="68580" marR="68580" marT="0" marB="0" anchor="ctr">
+                    <a:lnL w="12700" cap="flat" cmpd="sng" algn="ctr">
+                      <a:solidFill>
+                        <a:srgbClr val="C9C9C9"/>
+                      </a:solidFill>
+                      <a:prstDash val="solid"/>
+                      <a:round/>
+                      <a:headEnd type="none" w="med" len="med"/>
+                      <a:tailEnd type="none" w="med" len="med"/>
+                    </a:lnL>
+                    <a:lnR w="12700" cap="flat" cmpd="sng" algn="ctr">
+                      <a:solidFill>
+                        <a:srgbClr val="C9C9C9"/>
+                      </a:solidFill>
+                      <a:prstDash val="solid"/>
+                      <a:round/>
+                      <a:headEnd type="none" w="med" len="med"/>
+                      <a:tailEnd type="none" w="med" len="med"/>
+                    </a:lnR>
+                    <a:lnT w="12700" cap="flat" cmpd="sng" algn="ctr">
+                      <a:solidFill>
+                        <a:srgbClr val="A5A5A5"/>
+                      </a:solidFill>
+                      <a:prstDash val="solid"/>
+                      <a:round/>
+                      <a:headEnd type="none" w="med" len="med"/>
+                      <a:tailEnd type="none" w="med" len="med"/>
+                    </a:lnT>
+                    <a:lnB w="12700" cap="flat" cmpd="sng" algn="ctr">
+                      <a:solidFill>
+                        <a:srgbClr val="C9C9C9"/>
+                      </a:solidFill>
+                      <a:prstDash val="solid"/>
+                      <a:round/>
+                      <a:headEnd type="none" w="med" len="med"/>
+                      <a:tailEnd type="none" w="med" len="med"/>
+                    </a:lnB>
+                    <a:solidFill>
+                      <a:srgbClr val="EDEDED"/>
+                    </a:solidFill>
+                  </a:tcPr>
                 </a:tc>
                 <a:tc>
                   <a:txBody>
@@ -9076,12 +11577,15 @@
                         </a:spcAft>
                       </a:pPr>
                       <a:r>
-                        <a:rPr lang="en-US" sz="1200">
+                        <a:rPr lang="en-US" sz="1800">
                           <a:effectLst/>
+                          <a:latin typeface="Cambria" panose="02040503050406030204" pitchFamily="18" charset="0"/>
+                          <a:ea typeface="Calibri" panose="020F0502020204030204" pitchFamily="34" charset="0"/>
+                          <a:cs typeface="Times New Roman" panose="02020603050405020304" pitchFamily="18" charset="0"/>
                         </a:rPr>
                         <a:t>Windows 10, Ubuntu</a:t>
                       </a:r>
-                      <a:endParaRPr lang="en-US" sz="1200">
+                      <a:endParaRPr lang="en-US" sz="1800">
                         <a:effectLst/>
                         <a:latin typeface="Calibri" panose="020F0502020204030204" pitchFamily="34" charset="0"/>
                         <a:ea typeface="Times New Roman" panose="02020603050405020304" pitchFamily="18" charset="0"/>
@@ -9089,15 +11593,55 @@
                       </a:endParaRPr>
                     </a:p>
                   </a:txBody>
-                  <a:tcPr marL="68580" marR="68580" marT="0" marB="0" anchor="ctr"/>
+                  <a:tcPr marL="68580" marR="68580" marT="0" marB="0" anchor="ctr">
+                    <a:lnL w="12700" cap="flat" cmpd="sng" algn="ctr">
+                      <a:solidFill>
+                        <a:srgbClr val="C9C9C9"/>
+                      </a:solidFill>
+                      <a:prstDash val="solid"/>
+                      <a:round/>
+                      <a:headEnd type="none" w="med" len="med"/>
+                      <a:tailEnd type="none" w="med" len="med"/>
+                    </a:lnL>
+                    <a:lnR w="12700" cap="flat" cmpd="sng" algn="ctr">
+                      <a:solidFill>
+                        <a:srgbClr val="C9C9C9"/>
+                      </a:solidFill>
+                      <a:prstDash val="solid"/>
+                      <a:round/>
+                      <a:headEnd type="none" w="med" len="med"/>
+                      <a:tailEnd type="none" w="med" len="med"/>
+                    </a:lnR>
+                    <a:lnT w="12700" cap="flat" cmpd="sng" algn="ctr">
+                      <a:solidFill>
+                        <a:srgbClr val="A5A5A5"/>
+                      </a:solidFill>
+                      <a:prstDash val="solid"/>
+                      <a:round/>
+                      <a:headEnd type="none" w="med" len="med"/>
+                      <a:tailEnd type="none" w="med" len="med"/>
+                    </a:lnT>
+                    <a:lnB w="12700" cap="flat" cmpd="sng" algn="ctr">
+                      <a:solidFill>
+                        <a:srgbClr val="C9C9C9"/>
+                      </a:solidFill>
+                      <a:prstDash val="solid"/>
+                      <a:round/>
+                      <a:headEnd type="none" w="med" len="med"/>
+                      <a:tailEnd type="none" w="med" len="med"/>
+                    </a:lnB>
+                    <a:solidFill>
+                      <a:srgbClr val="EDEDED"/>
+                    </a:solidFill>
+                  </a:tcPr>
                 </a:tc>
                 <a:extLst>
                   <a:ext uri="{0D108BD9-81ED-4DB2-BD59-A6C34878D82A}">
-                    <a16:rowId xmlns:a16="http://schemas.microsoft.com/office/drawing/2014/main" val="741853664"/>
+                    <a16:rowId xmlns:a16="http://schemas.microsoft.com/office/drawing/2014/main" val="2015963952"/>
                   </a:ext>
                 </a:extLst>
               </a:tr>
-              <a:tr h="337904">
+              <a:tr h="438161">
                 <a:tc>
                   <a:txBody>
                     <a:bodyPr/>
@@ -9115,12 +11659,15 @@
                         </a:spcAft>
                       </a:pPr>
                       <a:r>
-                        <a:rPr lang="en-US" sz="1200">
+                        <a:rPr lang="en-US" sz="1800" b="1" dirty="0">
                           <a:effectLst/>
+                          <a:latin typeface="Cambria" panose="02040503050406030204" pitchFamily="18" charset="0"/>
+                          <a:ea typeface="Calibri" panose="020F0502020204030204" pitchFamily="34" charset="0"/>
+                          <a:cs typeface="Times New Roman" panose="02020603050405020304" pitchFamily="18" charset="0"/>
                         </a:rPr>
                         <a:t>Frontend</a:t>
                       </a:r>
-                      <a:endParaRPr lang="en-US" sz="1200">
+                      <a:endParaRPr lang="en-US" sz="1800" dirty="0">
                         <a:effectLst/>
                         <a:latin typeface="Calibri" panose="020F0502020204030204" pitchFamily="34" charset="0"/>
                         <a:ea typeface="Times New Roman" panose="02020603050405020304" pitchFamily="18" charset="0"/>
@@ -9128,7 +11675,44 @@
                       </a:endParaRPr>
                     </a:p>
                   </a:txBody>
-                  <a:tcPr marL="68580" marR="68580" marT="0" marB="0" anchor="ctr"/>
+                  <a:tcPr marL="68580" marR="68580" marT="0" marB="0" anchor="ctr">
+                    <a:lnL w="12700" cap="flat" cmpd="sng" algn="ctr">
+                      <a:solidFill>
+                        <a:srgbClr val="C9C9C9"/>
+                      </a:solidFill>
+                      <a:prstDash val="solid"/>
+                      <a:round/>
+                      <a:headEnd type="none" w="med" len="med"/>
+                      <a:tailEnd type="none" w="med" len="med"/>
+                    </a:lnL>
+                    <a:lnR w="12700" cap="flat" cmpd="sng" algn="ctr">
+                      <a:solidFill>
+                        <a:srgbClr val="C9C9C9"/>
+                      </a:solidFill>
+                      <a:prstDash val="solid"/>
+                      <a:round/>
+                      <a:headEnd type="none" w="med" len="med"/>
+                      <a:tailEnd type="none" w="med" len="med"/>
+                    </a:lnR>
+                    <a:lnT w="12700" cap="flat" cmpd="sng" algn="ctr">
+                      <a:solidFill>
+                        <a:srgbClr val="C9C9C9"/>
+                      </a:solidFill>
+                      <a:prstDash val="solid"/>
+                      <a:round/>
+                      <a:headEnd type="none" w="med" len="med"/>
+                      <a:tailEnd type="none" w="med" len="med"/>
+                    </a:lnT>
+                    <a:lnB w="12700" cap="flat" cmpd="sng" algn="ctr">
+                      <a:solidFill>
+                        <a:srgbClr val="C9C9C9"/>
+                      </a:solidFill>
+                      <a:prstDash val="solid"/>
+                      <a:round/>
+                      <a:headEnd type="none" w="med" len="med"/>
+                      <a:tailEnd type="none" w="med" len="med"/>
+                    </a:lnB>
+                  </a:tcPr>
                 </a:tc>
                 <a:tc>
                   <a:txBody>
@@ -9147,12 +11731,15 @@
                         </a:spcAft>
                       </a:pPr>
                       <a:r>
-                        <a:rPr lang="en-US" sz="1200">
+                        <a:rPr lang="en-US" sz="1800" dirty="0">
                           <a:effectLst/>
+                          <a:latin typeface="Cambria" panose="02040503050406030204" pitchFamily="18" charset="0"/>
+                          <a:ea typeface="Calibri" panose="020F0502020204030204" pitchFamily="34" charset="0"/>
+                          <a:cs typeface="Times New Roman" panose="02020603050405020304" pitchFamily="18" charset="0"/>
                         </a:rPr>
                         <a:t>JavaScript, jQuery, CSS, HTML, Bootstrap</a:t>
                       </a:r>
-                      <a:endParaRPr lang="en-US" sz="1200">
+                      <a:endParaRPr lang="en-US" sz="1800" dirty="0">
                         <a:effectLst/>
                         <a:latin typeface="Calibri" panose="020F0502020204030204" pitchFamily="34" charset="0"/>
                         <a:ea typeface="Times New Roman" panose="02020603050405020304" pitchFamily="18" charset="0"/>
@@ -9160,15 +11747,52 @@
                       </a:endParaRPr>
                     </a:p>
                   </a:txBody>
-                  <a:tcPr marL="68580" marR="68580" marT="0" marB="0" anchor="ctr"/>
+                  <a:tcPr marL="68580" marR="68580" marT="0" marB="0" anchor="ctr">
+                    <a:lnL w="12700" cap="flat" cmpd="sng" algn="ctr">
+                      <a:solidFill>
+                        <a:srgbClr val="C9C9C9"/>
+                      </a:solidFill>
+                      <a:prstDash val="solid"/>
+                      <a:round/>
+                      <a:headEnd type="none" w="med" len="med"/>
+                      <a:tailEnd type="none" w="med" len="med"/>
+                    </a:lnL>
+                    <a:lnR w="12700" cap="flat" cmpd="sng" algn="ctr">
+                      <a:solidFill>
+                        <a:srgbClr val="C9C9C9"/>
+                      </a:solidFill>
+                      <a:prstDash val="solid"/>
+                      <a:round/>
+                      <a:headEnd type="none" w="med" len="med"/>
+                      <a:tailEnd type="none" w="med" len="med"/>
+                    </a:lnR>
+                    <a:lnT w="12700" cap="flat" cmpd="sng" algn="ctr">
+                      <a:solidFill>
+                        <a:srgbClr val="C9C9C9"/>
+                      </a:solidFill>
+                      <a:prstDash val="solid"/>
+                      <a:round/>
+                      <a:headEnd type="none" w="med" len="med"/>
+                      <a:tailEnd type="none" w="med" len="med"/>
+                    </a:lnT>
+                    <a:lnB w="12700" cap="flat" cmpd="sng" algn="ctr">
+                      <a:solidFill>
+                        <a:srgbClr val="C9C9C9"/>
+                      </a:solidFill>
+                      <a:prstDash val="solid"/>
+                      <a:round/>
+                      <a:headEnd type="none" w="med" len="med"/>
+                      <a:tailEnd type="none" w="med" len="med"/>
+                    </a:lnB>
+                  </a:tcPr>
                 </a:tc>
                 <a:extLst>
                   <a:ext uri="{0D108BD9-81ED-4DB2-BD59-A6C34878D82A}">
-                    <a16:rowId xmlns:a16="http://schemas.microsoft.com/office/drawing/2014/main" val="3939087263"/>
+                    <a16:rowId xmlns:a16="http://schemas.microsoft.com/office/drawing/2014/main" val="2129027694"/>
                   </a:ext>
                 </a:extLst>
               </a:tr>
-              <a:tr h="337904">
+              <a:tr h="438161">
                 <a:tc>
                   <a:txBody>
                     <a:bodyPr/>
@@ -9186,12 +11810,15 @@
                         </a:spcAft>
                       </a:pPr>
                       <a:r>
-                        <a:rPr lang="en-US" sz="1200">
+                        <a:rPr lang="en-US" sz="1800" b="1">
                           <a:effectLst/>
+                          <a:latin typeface="Cambria" panose="02040503050406030204" pitchFamily="18" charset="0"/>
+                          <a:ea typeface="Calibri" panose="020F0502020204030204" pitchFamily="34" charset="0"/>
+                          <a:cs typeface="Times New Roman" panose="02020603050405020304" pitchFamily="18" charset="0"/>
                         </a:rPr>
                         <a:t>Backend</a:t>
                       </a:r>
-                      <a:endParaRPr lang="en-US" sz="1200">
+                      <a:endParaRPr lang="en-US" sz="1800">
                         <a:effectLst/>
                         <a:latin typeface="Calibri" panose="020F0502020204030204" pitchFamily="34" charset="0"/>
                         <a:ea typeface="Times New Roman" panose="02020603050405020304" pitchFamily="18" charset="0"/>
@@ -9199,7 +11826,47 @@
                       </a:endParaRPr>
                     </a:p>
                   </a:txBody>
-                  <a:tcPr marL="68580" marR="68580" marT="0" marB="0" anchor="ctr"/>
+                  <a:tcPr marL="68580" marR="68580" marT="0" marB="0" anchor="ctr">
+                    <a:lnL w="12700" cap="flat" cmpd="sng" algn="ctr">
+                      <a:solidFill>
+                        <a:srgbClr val="C9C9C9"/>
+                      </a:solidFill>
+                      <a:prstDash val="solid"/>
+                      <a:round/>
+                      <a:headEnd type="none" w="med" len="med"/>
+                      <a:tailEnd type="none" w="med" len="med"/>
+                    </a:lnL>
+                    <a:lnR w="12700" cap="flat" cmpd="sng" algn="ctr">
+                      <a:solidFill>
+                        <a:srgbClr val="C9C9C9"/>
+                      </a:solidFill>
+                      <a:prstDash val="solid"/>
+                      <a:round/>
+                      <a:headEnd type="none" w="med" len="med"/>
+                      <a:tailEnd type="none" w="med" len="med"/>
+                    </a:lnR>
+                    <a:lnT w="12700" cap="flat" cmpd="sng" algn="ctr">
+                      <a:solidFill>
+                        <a:srgbClr val="C9C9C9"/>
+                      </a:solidFill>
+                      <a:prstDash val="solid"/>
+                      <a:round/>
+                      <a:headEnd type="none" w="med" len="med"/>
+                      <a:tailEnd type="none" w="med" len="med"/>
+                    </a:lnT>
+                    <a:lnB w="12700" cap="flat" cmpd="sng" algn="ctr">
+                      <a:solidFill>
+                        <a:srgbClr val="C9C9C9"/>
+                      </a:solidFill>
+                      <a:prstDash val="solid"/>
+                      <a:round/>
+                      <a:headEnd type="none" w="med" len="med"/>
+                      <a:tailEnd type="none" w="med" len="med"/>
+                    </a:lnB>
+                    <a:solidFill>
+                      <a:srgbClr val="EDEDED"/>
+                    </a:solidFill>
+                  </a:tcPr>
                 </a:tc>
                 <a:tc>
                   <a:txBody>
@@ -9218,12 +11885,15 @@
                         </a:spcAft>
                       </a:pPr>
                       <a:r>
-                        <a:rPr lang="en-US" sz="1200">
+                        <a:rPr lang="en-US" sz="1800" dirty="0">
                           <a:effectLst/>
+                          <a:latin typeface="Cambria" panose="02040503050406030204" pitchFamily="18" charset="0"/>
+                          <a:ea typeface="Calibri" panose="020F0502020204030204" pitchFamily="34" charset="0"/>
+                          <a:cs typeface="Times New Roman" panose="02020603050405020304" pitchFamily="18" charset="0"/>
                         </a:rPr>
                         <a:t>Yii2 Framework</a:t>
                       </a:r>
-                      <a:endParaRPr lang="en-US" sz="1200">
+                      <a:endParaRPr lang="en-US" sz="1800" dirty="0">
                         <a:effectLst/>
                         <a:latin typeface="Calibri" panose="020F0502020204030204" pitchFamily="34" charset="0"/>
                         <a:ea typeface="Times New Roman" panose="02020603050405020304" pitchFamily="18" charset="0"/>
@@ -9231,15 +11901,55 @@
                       </a:endParaRPr>
                     </a:p>
                   </a:txBody>
-                  <a:tcPr marL="68580" marR="68580" marT="0" marB="0" anchor="ctr"/>
+                  <a:tcPr marL="68580" marR="68580" marT="0" marB="0" anchor="ctr">
+                    <a:lnL w="12700" cap="flat" cmpd="sng" algn="ctr">
+                      <a:solidFill>
+                        <a:srgbClr val="C9C9C9"/>
+                      </a:solidFill>
+                      <a:prstDash val="solid"/>
+                      <a:round/>
+                      <a:headEnd type="none" w="med" len="med"/>
+                      <a:tailEnd type="none" w="med" len="med"/>
+                    </a:lnL>
+                    <a:lnR w="12700" cap="flat" cmpd="sng" algn="ctr">
+                      <a:solidFill>
+                        <a:srgbClr val="C9C9C9"/>
+                      </a:solidFill>
+                      <a:prstDash val="solid"/>
+                      <a:round/>
+                      <a:headEnd type="none" w="med" len="med"/>
+                      <a:tailEnd type="none" w="med" len="med"/>
+                    </a:lnR>
+                    <a:lnT w="12700" cap="flat" cmpd="sng" algn="ctr">
+                      <a:solidFill>
+                        <a:srgbClr val="C9C9C9"/>
+                      </a:solidFill>
+                      <a:prstDash val="solid"/>
+                      <a:round/>
+                      <a:headEnd type="none" w="med" len="med"/>
+                      <a:tailEnd type="none" w="med" len="med"/>
+                    </a:lnT>
+                    <a:lnB w="12700" cap="flat" cmpd="sng" algn="ctr">
+                      <a:solidFill>
+                        <a:srgbClr val="C9C9C9"/>
+                      </a:solidFill>
+                      <a:prstDash val="solid"/>
+                      <a:round/>
+                      <a:headEnd type="none" w="med" len="med"/>
+                      <a:tailEnd type="none" w="med" len="med"/>
+                    </a:lnB>
+                    <a:solidFill>
+                      <a:srgbClr val="EDEDED"/>
+                    </a:solidFill>
+                  </a:tcPr>
                 </a:tc>
                 <a:extLst>
                   <a:ext uri="{0D108BD9-81ED-4DB2-BD59-A6C34878D82A}">
-                    <a16:rowId xmlns:a16="http://schemas.microsoft.com/office/drawing/2014/main" val="2612266421"/>
+                    <a16:rowId xmlns:a16="http://schemas.microsoft.com/office/drawing/2014/main" val="700027407"/>
                   </a:ext>
                 </a:extLst>
               </a:tr>
-              <a:tr h="337904">
+              <a:tr h="438161">
                 <a:tc>
                   <a:txBody>
                     <a:bodyPr/>
@@ -9257,12 +11967,15 @@
                         </a:spcAft>
                       </a:pPr>
                       <a:r>
-                        <a:rPr lang="en-US" sz="1200">
+                        <a:rPr lang="en-US" sz="1800" b="1">
                           <a:effectLst/>
+                          <a:latin typeface="Cambria" panose="02040503050406030204" pitchFamily="18" charset="0"/>
+                          <a:ea typeface="Calibri" panose="020F0502020204030204" pitchFamily="34" charset="0"/>
+                          <a:cs typeface="Times New Roman" panose="02020603050405020304" pitchFamily="18" charset="0"/>
                         </a:rPr>
                         <a:t>Embedded</a:t>
                       </a:r>
-                      <a:endParaRPr lang="en-US" sz="1200">
+                      <a:endParaRPr lang="en-US" sz="1800">
                         <a:effectLst/>
                         <a:latin typeface="Calibri" panose="020F0502020204030204" pitchFamily="34" charset="0"/>
                         <a:ea typeface="Times New Roman" panose="02020603050405020304" pitchFamily="18" charset="0"/>
@@ -9270,7 +11983,44 @@
                       </a:endParaRPr>
                     </a:p>
                   </a:txBody>
-                  <a:tcPr marL="68580" marR="68580" marT="0" marB="0" anchor="ctr"/>
+                  <a:tcPr marL="68580" marR="68580" marT="0" marB="0" anchor="ctr">
+                    <a:lnL w="12700" cap="flat" cmpd="sng" algn="ctr">
+                      <a:solidFill>
+                        <a:srgbClr val="C9C9C9"/>
+                      </a:solidFill>
+                      <a:prstDash val="solid"/>
+                      <a:round/>
+                      <a:headEnd type="none" w="med" len="med"/>
+                      <a:tailEnd type="none" w="med" len="med"/>
+                    </a:lnL>
+                    <a:lnR w="12700" cap="flat" cmpd="sng" algn="ctr">
+                      <a:solidFill>
+                        <a:srgbClr val="C9C9C9"/>
+                      </a:solidFill>
+                      <a:prstDash val="solid"/>
+                      <a:round/>
+                      <a:headEnd type="none" w="med" len="med"/>
+                      <a:tailEnd type="none" w="med" len="med"/>
+                    </a:lnR>
+                    <a:lnT w="12700" cap="flat" cmpd="sng" algn="ctr">
+                      <a:solidFill>
+                        <a:srgbClr val="C9C9C9"/>
+                      </a:solidFill>
+                      <a:prstDash val="solid"/>
+                      <a:round/>
+                      <a:headEnd type="none" w="med" len="med"/>
+                      <a:tailEnd type="none" w="med" len="med"/>
+                    </a:lnT>
+                    <a:lnB w="12700" cap="flat" cmpd="sng" algn="ctr">
+                      <a:solidFill>
+                        <a:srgbClr val="C9C9C9"/>
+                      </a:solidFill>
+                      <a:prstDash val="solid"/>
+                      <a:round/>
+                      <a:headEnd type="none" w="med" len="med"/>
+                      <a:tailEnd type="none" w="med" len="med"/>
+                    </a:lnB>
+                  </a:tcPr>
                 </a:tc>
                 <a:tc>
                   <a:txBody>
@@ -9289,12 +12039,15 @@
                         </a:spcAft>
                       </a:pPr>
                       <a:r>
-                        <a:rPr lang="en-US" sz="1200">
+                        <a:rPr lang="en-US" sz="1800" dirty="0">
                           <a:effectLst/>
+                          <a:latin typeface="Cambria" panose="02040503050406030204" pitchFamily="18" charset="0"/>
+                          <a:ea typeface="Calibri" panose="020F0502020204030204" pitchFamily="34" charset="0"/>
+                          <a:cs typeface="Times New Roman" panose="02020603050405020304" pitchFamily="18" charset="0"/>
                         </a:rPr>
                         <a:t>C/C++, NodeJS</a:t>
                       </a:r>
-                      <a:endParaRPr lang="en-US" sz="1200">
+                      <a:endParaRPr lang="en-US" sz="1800" dirty="0">
                         <a:effectLst/>
                         <a:latin typeface="Calibri" panose="020F0502020204030204" pitchFamily="34" charset="0"/>
                         <a:ea typeface="Times New Roman" panose="02020603050405020304" pitchFamily="18" charset="0"/>
@@ -9302,15 +12055,52 @@
                       </a:endParaRPr>
                     </a:p>
                   </a:txBody>
-                  <a:tcPr marL="68580" marR="68580" marT="0" marB="0" anchor="ctr"/>
+                  <a:tcPr marL="68580" marR="68580" marT="0" marB="0" anchor="ctr">
+                    <a:lnL w="12700" cap="flat" cmpd="sng" algn="ctr">
+                      <a:solidFill>
+                        <a:srgbClr val="C9C9C9"/>
+                      </a:solidFill>
+                      <a:prstDash val="solid"/>
+                      <a:round/>
+                      <a:headEnd type="none" w="med" len="med"/>
+                      <a:tailEnd type="none" w="med" len="med"/>
+                    </a:lnL>
+                    <a:lnR w="12700" cap="flat" cmpd="sng" algn="ctr">
+                      <a:solidFill>
+                        <a:srgbClr val="C9C9C9"/>
+                      </a:solidFill>
+                      <a:prstDash val="solid"/>
+                      <a:round/>
+                      <a:headEnd type="none" w="med" len="med"/>
+                      <a:tailEnd type="none" w="med" len="med"/>
+                    </a:lnR>
+                    <a:lnT w="12700" cap="flat" cmpd="sng" algn="ctr">
+                      <a:solidFill>
+                        <a:srgbClr val="C9C9C9"/>
+                      </a:solidFill>
+                      <a:prstDash val="solid"/>
+                      <a:round/>
+                      <a:headEnd type="none" w="med" len="med"/>
+                      <a:tailEnd type="none" w="med" len="med"/>
+                    </a:lnT>
+                    <a:lnB w="12700" cap="flat" cmpd="sng" algn="ctr">
+                      <a:solidFill>
+                        <a:srgbClr val="C9C9C9"/>
+                      </a:solidFill>
+                      <a:prstDash val="solid"/>
+                      <a:round/>
+                      <a:headEnd type="none" w="med" len="med"/>
+                      <a:tailEnd type="none" w="med" len="med"/>
+                    </a:lnB>
+                  </a:tcPr>
                 </a:tc>
                 <a:extLst>
                   <a:ext uri="{0D108BD9-81ED-4DB2-BD59-A6C34878D82A}">
-                    <a16:rowId xmlns:a16="http://schemas.microsoft.com/office/drawing/2014/main" val="2684990371"/>
+                    <a16:rowId xmlns:a16="http://schemas.microsoft.com/office/drawing/2014/main" val="1148142898"/>
                   </a:ext>
                 </a:extLst>
               </a:tr>
-              <a:tr h="337904">
+              <a:tr h="438161">
                 <a:tc>
                   <a:txBody>
                     <a:bodyPr/>
@@ -9328,12 +12118,15 @@
                         </a:spcAft>
                       </a:pPr>
                       <a:r>
-                        <a:rPr lang="en-US" sz="1200">
+                        <a:rPr lang="en-US" sz="1800" b="1">
                           <a:effectLst/>
+                          <a:latin typeface="Cambria" panose="02040503050406030204" pitchFamily="18" charset="0"/>
+                          <a:ea typeface="Calibri" panose="020F0502020204030204" pitchFamily="34" charset="0"/>
+                          <a:cs typeface="Times New Roman" panose="02020603050405020304" pitchFamily="18" charset="0"/>
                         </a:rPr>
                         <a:t>Modeling tool</a:t>
                       </a:r>
-                      <a:endParaRPr lang="en-US" sz="1200">
+                      <a:endParaRPr lang="en-US" sz="1800">
                         <a:effectLst/>
                         <a:latin typeface="Calibri" panose="020F0502020204030204" pitchFamily="34" charset="0"/>
                         <a:ea typeface="Times New Roman" panose="02020603050405020304" pitchFamily="18" charset="0"/>
@@ -9341,7 +12134,47 @@
                       </a:endParaRPr>
                     </a:p>
                   </a:txBody>
-                  <a:tcPr marL="68580" marR="68580" marT="0" marB="0" anchor="ctr"/>
+                  <a:tcPr marL="68580" marR="68580" marT="0" marB="0" anchor="ctr">
+                    <a:lnL w="12700" cap="flat" cmpd="sng" algn="ctr">
+                      <a:solidFill>
+                        <a:srgbClr val="C9C9C9"/>
+                      </a:solidFill>
+                      <a:prstDash val="solid"/>
+                      <a:round/>
+                      <a:headEnd type="none" w="med" len="med"/>
+                      <a:tailEnd type="none" w="med" len="med"/>
+                    </a:lnL>
+                    <a:lnR w="12700" cap="flat" cmpd="sng" algn="ctr">
+                      <a:solidFill>
+                        <a:srgbClr val="C9C9C9"/>
+                      </a:solidFill>
+                      <a:prstDash val="solid"/>
+                      <a:round/>
+                      <a:headEnd type="none" w="med" len="med"/>
+                      <a:tailEnd type="none" w="med" len="med"/>
+                    </a:lnR>
+                    <a:lnT w="12700" cap="flat" cmpd="sng" algn="ctr">
+                      <a:solidFill>
+                        <a:srgbClr val="C9C9C9"/>
+                      </a:solidFill>
+                      <a:prstDash val="solid"/>
+                      <a:round/>
+                      <a:headEnd type="none" w="med" len="med"/>
+                      <a:tailEnd type="none" w="med" len="med"/>
+                    </a:lnT>
+                    <a:lnB w="12700" cap="flat" cmpd="sng" algn="ctr">
+                      <a:solidFill>
+                        <a:srgbClr val="C9C9C9"/>
+                      </a:solidFill>
+                      <a:prstDash val="solid"/>
+                      <a:round/>
+                      <a:headEnd type="none" w="med" len="med"/>
+                      <a:tailEnd type="none" w="med" len="med"/>
+                    </a:lnB>
+                    <a:solidFill>
+                      <a:srgbClr val="EDEDED"/>
+                    </a:solidFill>
+                  </a:tcPr>
                 </a:tc>
                 <a:tc>
                   <a:txBody>
@@ -9360,12 +12193,15 @@
                         </a:spcAft>
                       </a:pPr>
                       <a:r>
-                        <a:rPr lang="en-US" sz="1200">
+                        <a:rPr lang="en-US" sz="1800" dirty="0">
                           <a:effectLst/>
+                          <a:latin typeface="Cambria" panose="02040503050406030204" pitchFamily="18" charset="0"/>
+                          <a:ea typeface="Calibri" panose="020F0502020204030204" pitchFamily="34" charset="0"/>
+                          <a:cs typeface="Times New Roman" panose="02020603050405020304" pitchFamily="18" charset="0"/>
                         </a:rPr>
                         <a:t>Draw.io, Star UML</a:t>
                       </a:r>
-                      <a:endParaRPr lang="en-US" sz="1200">
+                      <a:endParaRPr lang="en-US" sz="1800" dirty="0">
                         <a:effectLst/>
                         <a:latin typeface="Calibri" panose="020F0502020204030204" pitchFamily="34" charset="0"/>
                         <a:ea typeface="Times New Roman" panose="02020603050405020304" pitchFamily="18" charset="0"/>
@@ -9373,15 +12209,55 @@
                       </a:endParaRPr>
                     </a:p>
                   </a:txBody>
-                  <a:tcPr marL="68580" marR="68580" marT="0" marB="0" anchor="ctr"/>
+                  <a:tcPr marL="68580" marR="68580" marT="0" marB="0" anchor="ctr">
+                    <a:lnL w="12700" cap="flat" cmpd="sng" algn="ctr">
+                      <a:solidFill>
+                        <a:srgbClr val="C9C9C9"/>
+                      </a:solidFill>
+                      <a:prstDash val="solid"/>
+                      <a:round/>
+                      <a:headEnd type="none" w="med" len="med"/>
+                      <a:tailEnd type="none" w="med" len="med"/>
+                    </a:lnL>
+                    <a:lnR w="12700" cap="flat" cmpd="sng" algn="ctr">
+                      <a:solidFill>
+                        <a:srgbClr val="C9C9C9"/>
+                      </a:solidFill>
+                      <a:prstDash val="solid"/>
+                      <a:round/>
+                      <a:headEnd type="none" w="med" len="med"/>
+                      <a:tailEnd type="none" w="med" len="med"/>
+                    </a:lnR>
+                    <a:lnT w="12700" cap="flat" cmpd="sng" algn="ctr">
+                      <a:solidFill>
+                        <a:srgbClr val="C9C9C9"/>
+                      </a:solidFill>
+                      <a:prstDash val="solid"/>
+                      <a:round/>
+                      <a:headEnd type="none" w="med" len="med"/>
+                      <a:tailEnd type="none" w="med" len="med"/>
+                    </a:lnT>
+                    <a:lnB w="12700" cap="flat" cmpd="sng" algn="ctr">
+                      <a:solidFill>
+                        <a:srgbClr val="C9C9C9"/>
+                      </a:solidFill>
+                      <a:prstDash val="solid"/>
+                      <a:round/>
+                      <a:headEnd type="none" w="med" len="med"/>
+                      <a:tailEnd type="none" w="med" len="med"/>
+                    </a:lnB>
+                    <a:solidFill>
+                      <a:srgbClr val="EDEDED"/>
+                    </a:solidFill>
+                  </a:tcPr>
                 </a:tc>
                 <a:extLst>
                   <a:ext uri="{0D108BD9-81ED-4DB2-BD59-A6C34878D82A}">
-                    <a16:rowId xmlns:a16="http://schemas.microsoft.com/office/drawing/2014/main" val="1859976954"/>
+                    <a16:rowId xmlns:a16="http://schemas.microsoft.com/office/drawing/2014/main" val="2527309699"/>
                   </a:ext>
                 </a:extLst>
               </a:tr>
-              <a:tr h="337904">
+              <a:tr h="438161">
                 <a:tc>
                   <a:txBody>
                     <a:bodyPr/>
@@ -9399,12 +12275,15 @@
                         </a:spcAft>
                       </a:pPr>
                       <a:r>
-                        <a:rPr lang="en-US" sz="1200">
+                        <a:rPr lang="en-US" sz="1800" b="1">
                           <a:effectLst/>
+                          <a:latin typeface="Cambria" panose="02040503050406030204" pitchFamily="18" charset="0"/>
+                          <a:ea typeface="Calibri" panose="020F0502020204030204" pitchFamily="34" charset="0"/>
+                          <a:cs typeface="Times New Roman" panose="02020603050405020304" pitchFamily="18" charset="0"/>
                         </a:rPr>
                         <a:t>IDE</a:t>
                       </a:r>
-                      <a:endParaRPr lang="en-US" sz="1200">
+                      <a:endParaRPr lang="en-US" sz="1800">
                         <a:effectLst/>
                         <a:latin typeface="Calibri" panose="020F0502020204030204" pitchFamily="34" charset="0"/>
                         <a:ea typeface="Times New Roman" panose="02020603050405020304" pitchFamily="18" charset="0"/>
@@ -9412,7 +12291,44 @@
                       </a:endParaRPr>
                     </a:p>
                   </a:txBody>
-                  <a:tcPr marL="68580" marR="68580" marT="0" marB="0" anchor="ctr"/>
+                  <a:tcPr marL="68580" marR="68580" marT="0" marB="0" anchor="ctr">
+                    <a:lnL w="12700" cap="flat" cmpd="sng" algn="ctr">
+                      <a:solidFill>
+                        <a:srgbClr val="C9C9C9"/>
+                      </a:solidFill>
+                      <a:prstDash val="solid"/>
+                      <a:round/>
+                      <a:headEnd type="none" w="med" len="med"/>
+                      <a:tailEnd type="none" w="med" len="med"/>
+                    </a:lnL>
+                    <a:lnR w="12700" cap="flat" cmpd="sng" algn="ctr">
+                      <a:solidFill>
+                        <a:srgbClr val="C9C9C9"/>
+                      </a:solidFill>
+                      <a:prstDash val="solid"/>
+                      <a:round/>
+                      <a:headEnd type="none" w="med" len="med"/>
+                      <a:tailEnd type="none" w="med" len="med"/>
+                    </a:lnR>
+                    <a:lnT w="12700" cap="flat" cmpd="sng" algn="ctr">
+                      <a:solidFill>
+                        <a:srgbClr val="C9C9C9"/>
+                      </a:solidFill>
+                      <a:prstDash val="solid"/>
+                      <a:round/>
+                      <a:headEnd type="none" w="med" len="med"/>
+                      <a:tailEnd type="none" w="med" len="med"/>
+                    </a:lnT>
+                    <a:lnB w="12700" cap="flat" cmpd="sng" algn="ctr">
+                      <a:solidFill>
+                        <a:srgbClr val="C9C9C9"/>
+                      </a:solidFill>
+                      <a:prstDash val="solid"/>
+                      <a:round/>
+                      <a:headEnd type="none" w="med" len="med"/>
+                      <a:tailEnd type="none" w="med" len="med"/>
+                    </a:lnB>
+                  </a:tcPr>
                 </a:tc>
                 <a:tc>
                   <a:txBody>
@@ -9431,12 +12347,15 @@
                         </a:spcAft>
                       </a:pPr>
                       <a:r>
-                        <a:rPr lang="en-US" sz="1200">
+                        <a:rPr lang="en-US" sz="1800" dirty="0">
                           <a:effectLst/>
+                          <a:latin typeface="Cambria" panose="02040503050406030204" pitchFamily="18" charset="0"/>
+                          <a:ea typeface="Calibri" panose="020F0502020204030204" pitchFamily="34" charset="0"/>
+                          <a:cs typeface="Times New Roman" panose="02020603050405020304" pitchFamily="18" charset="0"/>
                         </a:rPr>
                         <a:t>Visual Studio Code,  PHP Storm</a:t>
                       </a:r>
-                      <a:endParaRPr lang="en-US" sz="1200">
+                      <a:endParaRPr lang="en-US" sz="1800" dirty="0">
                         <a:effectLst/>
                         <a:latin typeface="Calibri" panose="020F0502020204030204" pitchFamily="34" charset="0"/>
                         <a:ea typeface="Times New Roman" panose="02020603050405020304" pitchFamily="18" charset="0"/>
@@ -9444,15 +12363,52 @@
                       </a:endParaRPr>
                     </a:p>
                   </a:txBody>
-                  <a:tcPr marL="68580" marR="68580" marT="0" marB="0" anchor="ctr"/>
+                  <a:tcPr marL="68580" marR="68580" marT="0" marB="0" anchor="ctr">
+                    <a:lnL w="12700" cap="flat" cmpd="sng" algn="ctr">
+                      <a:solidFill>
+                        <a:srgbClr val="C9C9C9"/>
+                      </a:solidFill>
+                      <a:prstDash val="solid"/>
+                      <a:round/>
+                      <a:headEnd type="none" w="med" len="med"/>
+                      <a:tailEnd type="none" w="med" len="med"/>
+                    </a:lnL>
+                    <a:lnR w="12700" cap="flat" cmpd="sng" algn="ctr">
+                      <a:solidFill>
+                        <a:srgbClr val="C9C9C9"/>
+                      </a:solidFill>
+                      <a:prstDash val="solid"/>
+                      <a:round/>
+                      <a:headEnd type="none" w="med" len="med"/>
+                      <a:tailEnd type="none" w="med" len="med"/>
+                    </a:lnR>
+                    <a:lnT w="12700" cap="flat" cmpd="sng" algn="ctr">
+                      <a:solidFill>
+                        <a:srgbClr val="C9C9C9"/>
+                      </a:solidFill>
+                      <a:prstDash val="solid"/>
+                      <a:round/>
+                      <a:headEnd type="none" w="med" len="med"/>
+                      <a:tailEnd type="none" w="med" len="med"/>
+                    </a:lnT>
+                    <a:lnB w="12700" cap="flat" cmpd="sng" algn="ctr">
+                      <a:solidFill>
+                        <a:srgbClr val="C9C9C9"/>
+                      </a:solidFill>
+                      <a:prstDash val="solid"/>
+                      <a:round/>
+                      <a:headEnd type="none" w="med" len="med"/>
+                      <a:tailEnd type="none" w="med" len="med"/>
+                    </a:lnB>
+                  </a:tcPr>
                 </a:tc>
                 <a:extLst>
                   <a:ext uri="{0D108BD9-81ED-4DB2-BD59-A6C34878D82A}">
-                    <a16:rowId xmlns:a16="http://schemas.microsoft.com/office/drawing/2014/main" val="3554957780"/>
+                    <a16:rowId xmlns:a16="http://schemas.microsoft.com/office/drawing/2014/main" val="571512914"/>
                   </a:ext>
                 </a:extLst>
               </a:tr>
-              <a:tr h="337904">
+              <a:tr h="438161">
                 <a:tc>
                   <a:txBody>
                     <a:bodyPr/>
@@ -9470,12 +12426,15 @@
                         </a:spcAft>
                       </a:pPr>
                       <a:r>
-                        <a:rPr lang="en-US" sz="1200">
+                        <a:rPr lang="en-US" sz="1800" b="1">
                           <a:effectLst/>
+                          <a:latin typeface="Cambria" panose="02040503050406030204" pitchFamily="18" charset="0"/>
+                          <a:ea typeface="Calibri" panose="020F0502020204030204" pitchFamily="34" charset="0"/>
+                          <a:cs typeface="Times New Roman" panose="02020603050405020304" pitchFamily="18" charset="0"/>
                         </a:rPr>
                         <a:t>DBMS</a:t>
                       </a:r>
-                      <a:endParaRPr lang="en-US" sz="1200">
+                      <a:endParaRPr lang="en-US" sz="1800">
                         <a:effectLst/>
                         <a:latin typeface="Calibri" panose="020F0502020204030204" pitchFamily="34" charset="0"/>
                         <a:ea typeface="Times New Roman" panose="02020603050405020304" pitchFamily="18" charset="0"/>
@@ -9483,7 +12442,47 @@
                       </a:endParaRPr>
                     </a:p>
                   </a:txBody>
-                  <a:tcPr marL="68580" marR="68580" marT="0" marB="0" anchor="ctr"/>
+                  <a:tcPr marL="68580" marR="68580" marT="0" marB="0" anchor="ctr">
+                    <a:lnL w="12700" cap="flat" cmpd="sng" algn="ctr">
+                      <a:solidFill>
+                        <a:srgbClr val="C9C9C9"/>
+                      </a:solidFill>
+                      <a:prstDash val="solid"/>
+                      <a:round/>
+                      <a:headEnd type="none" w="med" len="med"/>
+                      <a:tailEnd type="none" w="med" len="med"/>
+                    </a:lnL>
+                    <a:lnR w="12700" cap="flat" cmpd="sng" algn="ctr">
+                      <a:solidFill>
+                        <a:srgbClr val="C9C9C9"/>
+                      </a:solidFill>
+                      <a:prstDash val="solid"/>
+                      <a:round/>
+                      <a:headEnd type="none" w="med" len="med"/>
+                      <a:tailEnd type="none" w="med" len="med"/>
+                    </a:lnR>
+                    <a:lnT w="12700" cap="flat" cmpd="sng" algn="ctr">
+                      <a:solidFill>
+                        <a:srgbClr val="C9C9C9"/>
+                      </a:solidFill>
+                      <a:prstDash val="solid"/>
+                      <a:round/>
+                      <a:headEnd type="none" w="med" len="med"/>
+                      <a:tailEnd type="none" w="med" len="med"/>
+                    </a:lnT>
+                    <a:lnB w="12700" cap="flat" cmpd="sng" algn="ctr">
+                      <a:solidFill>
+                        <a:srgbClr val="C9C9C9"/>
+                      </a:solidFill>
+                      <a:prstDash val="solid"/>
+                      <a:round/>
+                      <a:headEnd type="none" w="med" len="med"/>
+                      <a:tailEnd type="none" w="med" len="med"/>
+                    </a:lnB>
+                    <a:solidFill>
+                      <a:srgbClr val="EDEDED"/>
+                    </a:solidFill>
+                  </a:tcPr>
                 </a:tc>
                 <a:tc>
                   <a:txBody>
@@ -9502,12 +12501,15 @@
                         </a:spcAft>
                       </a:pPr>
                       <a:r>
-                        <a:rPr lang="en-US" sz="1200">
+                        <a:rPr lang="en-US" sz="1800" dirty="0">
                           <a:effectLst/>
+                          <a:latin typeface="Cambria" panose="02040503050406030204" pitchFamily="18" charset="0"/>
+                          <a:ea typeface="Calibri" panose="020F0502020204030204" pitchFamily="34" charset="0"/>
+                          <a:cs typeface="Times New Roman" panose="02020603050405020304" pitchFamily="18" charset="0"/>
                         </a:rPr>
                         <a:t>MySQL</a:t>
                       </a:r>
-                      <a:endParaRPr lang="en-US" sz="1200">
+                      <a:endParaRPr lang="en-US" sz="1800" dirty="0">
                         <a:effectLst/>
                         <a:latin typeface="Calibri" panose="020F0502020204030204" pitchFamily="34" charset="0"/>
                         <a:ea typeface="Times New Roman" panose="02020603050405020304" pitchFamily="18" charset="0"/>
@@ -9515,15 +12517,55 @@
                       </a:endParaRPr>
                     </a:p>
                   </a:txBody>
-                  <a:tcPr marL="68580" marR="68580" marT="0" marB="0" anchor="ctr"/>
+                  <a:tcPr marL="68580" marR="68580" marT="0" marB="0" anchor="ctr">
+                    <a:lnL w="12700" cap="flat" cmpd="sng" algn="ctr">
+                      <a:solidFill>
+                        <a:srgbClr val="C9C9C9"/>
+                      </a:solidFill>
+                      <a:prstDash val="solid"/>
+                      <a:round/>
+                      <a:headEnd type="none" w="med" len="med"/>
+                      <a:tailEnd type="none" w="med" len="med"/>
+                    </a:lnL>
+                    <a:lnR w="12700" cap="flat" cmpd="sng" algn="ctr">
+                      <a:solidFill>
+                        <a:srgbClr val="C9C9C9"/>
+                      </a:solidFill>
+                      <a:prstDash val="solid"/>
+                      <a:round/>
+                      <a:headEnd type="none" w="med" len="med"/>
+                      <a:tailEnd type="none" w="med" len="med"/>
+                    </a:lnR>
+                    <a:lnT w="12700" cap="flat" cmpd="sng" algn="ctr">
+                      <a:solidFill>
+                        <a:srgbClr val="C9C9C9"/>
+                      </a:solidFill>
+                      <a:prstDash val="solid"/>
+                      <a:round/>
+                      <a:headEnd type="none" w="med" len="med"/>
+                      <a:tailEnd type="none" w="med" len="med"/>
+                    </a:lnT>
+                    <a:lnB w="12700" cap="flat" cmpd="sng" algn="ctr">
+                      <a:solidFill>
+                        <a:srgbClr val="C9C9C9"/>
+                      </a:solidFill>
+                      <a:prstDash val="solid"/>
+                      <a:round/>
+                      <a:headEnd type="none" w="med" len="med"/>
+                      <a:tailEnd type="none" w="med" len="med"/>
+                    </a:lnB>
+                    <a:solidFill>
+                      <a:srgbClr val="EDEDED"/>
+                    </a:solidFill>
+                  </a:tcPr>
                 </a:tc>
                 <a:extLst>
                   <a:ext uri="{0D108BD9-81ED-4DB2-BD59-A6C34878D82A}">
-                    <a16:rowId xmlns:a16="http://schemas.microsoft.com/office/drawing/2014/main" val="3284907324"/>
+                    <a16:rowId xmlns:a16="http://schemas.microsoft.com/office/drawing/2014/main" val="3034893522"/>
                   </a:ext>
                 </a:extLst>
               </a:tr>
-              <a:tr h="337904">
+              <a:tr h="438161">
                 <a:tc>
                   <a:txBody>
                     <a:bodyPr/>
@@ -9541,12 +12583,15 @@
                         </a:spcAft>
                       </a:pPr>
                       <a:r>
-                        <a:rPr lang="en-US" sz="1200">
+                        <a:rPr lang="en-US" sz="1800" b="1">
                           <a:effectLst/>
+                          <a:latin typeface="Cambria" panose="02040503050406030204" pitchFamily="18" charset="0"/>
+                          <a:ea typeface="Calibri" panose="020F0502020204030204" pitchFamily="34" charset="0"/>
+                          <a:cs typeface="Times New Roman" panose="02020603050405020304" pitchFamily="18" charset="0"/>
                         </a:rPr>
                         <a:t>Source control</a:t>
                       </a:r>
-                      <a:endParaRPr lang="en-US" sz="1200">
+                      <a:endParaRPr lang="en-US" sz="1800">
                         <a:effectLst/>
                         <a:latin typeface="Calibri" panose="020F0502020204030204" pitchFamily="34" charset="0"/>
                         <a:ea typeface="Times New Roman" panose="02020603050405020304" pitchFamily="18" charset="0"/>
@@ -9554,7 +12599,44 @@
                       </a:endParaRPr>
                     </a:p>
                   </a:txBody>
-                  <a:tcPr marL="68580" marR="68580" marT="0" marB="0" anchor="ctr"/>
+                  <a:tcPr marL="68580" marR="68580" marT="0" marB="0" anchor="ctr">
+                    <a:lnL w="12700" cap="flat" cmpd="sng" algn="ctr">
+                      <a:solidFill>
+                        <a:srgbClr val="C9C9C9"/>
+                      </a:solidFill>
+                      <a:prstDash val="solid"/>
+                      <a:round/>
+                      <a:headEnd type="none" w="med" len="med"/>
+                      <a:tailEnd type="none" w="med" len="med"/>
+                    </a:lnL>
+                    <a:lnR w="12700" cap="flat" cmpd="sng" algn="ctr">
+                      <a:solidFill>
+                        <a:srgbClr val="C9C9C9"/>
+                      </a:solidFill>
+                      <a:prstDash val="solid"/>
+                      <a:round/>
+                      <a:headEnd type="none" w="med" len="med"/>
+                      <a:tailEnd type="none" w="med" len="med"/>
+                    </a:lnR>
+                    <a:lnT w="12700" cap="flat" cmpd="sng" algn="ctr">
+                      <a:solidFill>
+                        <a:srgbClr val="C9C9C9"/>
+                      </a:solidFill>
+                      <a:prstDash val="solid"/>
+                      <a:round/>
+                      <a:headEnd type="none" w="med" len="med"/>
+                      <a:tailEnd type="none" w="med" len="med"/>
+                    </a:lnT>
+                    <a:lnB w="12700" cap="flat" cmpd="sng" algn="ctr">
+                      <a:solidFill>
+                        <a:srgbClr val="C9C9C9"/>
+                      </a:solidFill>
+                      <a:prstDash val="solid"/>
+                      <a:round/>
+                      <a:headEnd type="none" w="med" len="med"/>
+                      <a:tailEnd type="none" w="med" len="med"/>
+                    </a:lnB>
+                  </a:tcPr>
                 </a:tc>
                 <a:tc>
                   <a:txBody>
@@ -9573,12 +12655,15 @@
                         </a:spcAft>
                       </a:pPr>
                       <a:r>
-                        <a:rPr lang="en-US" sz="1200">
+                        <a:rPr lang="en-US" sz="1800" dirty="0" err="1">
                           <a:effectLst/>
+                          <a:latin typeface="Cambria" panose="02040503050406030204" pitchFamily="18" charset="0"/>
+                          <a:ea typeface="Calibri" panose="020F0502020204030204" pitchFamily="34" charset="0"/>
+                          <a:cs typeface="Times New Roman" panose="02020603050405020304" pitchFamily="18" charset="0"/>
                         </a:rPr>
                         <a:t>Github</a:t>
                       </a:r>
-                      <a:endParaRPr lang="en-US" sz="1200">
+                      <a:endParaRPr lang="en-US" sz="1800" dirty="0">
                         <a:effectLst/>
                         <a:latin typeface="Calibri" panose="020F0502020204030204" pitchFamily="34" charset="0"/>
                         <a:ea typeface="Times New Roman" panose="02020603050405020304" pitchFamily="18" charset="0"/>
@@ -9586,15 +12671,52 @@
                       </a:endParaRPr>
                     </a:p>
                   </a:txBody>
-                  <a:tcPr marL="68580" marR="68580" marT="0" marB="0" anchor="ctr"/>
+                  <a:tcPr marL="68580" marR="68580" marT="0" marB="0" anchor="ctr">
+                    <a:lnL w="12700" cap="flat" cmpd="sng" algn="ctr">
+                      <a:solidFill>
+                        <a:srgbClr val="C9C9C9"/>
+                      </a:solidFill>
+                      <a:prstDash val="solid"/>
+                      <a:round/>
+                      <a:headEnd type="none" w="med" len="med"/>
+                      <a:tailEnd type="none" w="med" len="med"/>
+                    </a:lnL>
+                    <a:lnR w="12700" cap="flat" cmpd="sng" algn="ctr">
+                      <a:solidFill>
+                        <a:srgbClr val="C9C9C9"/>
+                      </a:solidFill>
+                      <a:prstDash val="solid"/>
+                      <a:round/>
+                      <a:headEnd type="none" w="med" len="med"/>
+                      <a:tailEnd type="none" w="med" len="med"/>
+                    </a:lnR>
+                    <a:lnT w="12700" cap="flat" cmpd="sng" algn="ctr">
+                      <a:solidFill>
+                        <a:srgbClr val="C9C9C9"/>
+                      </a:solidFill>
+                      <a:prstDash val="solid"/>
+                      <a:round/>
+                      <a:headEnd type="none" w="med" len="med"/>
+                      <a:tailEnd type="none" w="med" len="med"/>
+                    </a:lnT>
+                    <a:lnB w="12700" cap="flat" cmpd="sng" algn="ctr">
+                      <a:solidFill>
+                        <a:srgbClr val="C9C9C9"/>
+                      </a:solidFill>
+                      <a:prstDash val="solid"/>
+                      <a:round/>
+                      <a:headEnd type="none" w="med" len="med"/>
+                      <a:tailEnd type="none" w="med" len="med"/>
+                    </a:lnB>
+                  </a:tcPr>
                 </a:tc>
                 <a:extLst>
                   <a:ext uri="{0D108BD9-81ED-4DB2-BD59-A6C34878D82A}">
-                    <a16:rowId xmlns:a16="http://schemas.microsoft.com/office/drawing/2014/main" val="3297362204"/>
+                    <a16:rowId xmlns:a16="http://schemas.microsoft.com/office/drawing/2014/main" val="1033968629"/>
                   </a:ext>
                 </a:extLst>
               </a:tr>
-              <a:tr h="337904">
+              <a:tr h="438161">
                 <a:tc>
                   <a:txBody>
                     <a:bodyPr/>
@@ -9612,12 +12734,15 @@
                         </a:spcAft>
                       </a:pPr>
                       <a:r>
-                        <a:rPr lang="en-US" sz="1200">
+                        <a:rPr lang="en-US" sz="1800" b="1">
                           <a:effectLst/>
+                          <a:latin typeface="Cambria" panose="02040503050406030204" pitchFamily="18" charset="0"/>
+                          <a:ea typeface="Calibri" panose="020F0502020204030204" pitchFamily="34" charset="0"/>
+                          <a:cs typeface="Times New Roman" panose="02020603050405020304" pitchFamily="18" charset="0"/>
                         </a:rPr>
                         <a:t>Project management tool</a:t>
                       </a:r>
-                      <a:endParaRPr lang="en-US" sz="1200">
+                      <a:endParaRPr lang="en-US" sz="1800">
                         <a:effectLst/>
                         <a:latin typeface="Calibri" panose="020F0502020204030204" pitchFamily="34" charset="0"/>
                         <a:ea typeface="Times New Roman" panose="02020603050405020304" pitchFamily="18" charset="0"/>
@@ -9625,7 +12750,47 @@
                       </a:endParaRPr>
                     </a:p>
                   </a:txBody>
-                  <a:tcPr marL="68580" marR="68580" marT="0" marB="0" anchor="ctr"/>
+                  <a:tcPr marL="68580" marR="68580" marT="0" marB="0" anchor="ctr">
+                    <a:lnL w="12700" cap="flat" cmpd="sng" algn="ctr">
+                      <a:solidFill>
+                        <a:srgbClr val="C9C9C9"/>
+                      </a:solidFill>
+                      <a:prstDash val="solid"/>
+                      <a:round/>
+                      <a:headEnd type="none" w="med" len="med"/>
+                      <a:tailEnd type="none" w="med" len="med"/>
+                    </a:lnL>
+                    <a:lnR w="12700" cap="flat" cmpd="sng" algn="ctr">
+                      <a:solidFill>
+                        <a:srgbClr val="C9C9C9"/>
+                      </a:solidFill>
+                      <a:prstDash val="solid"/>
+                      <a:round/>
+                      <a:headEnd type="none" w="med" len="med"/>
+                      <a:tailEnd type="none" w="med" len="med"/>
+                    </a:lnR>
+                    <a:lnT w="12700" cap="flat" cmpd="sng" algn="ctr">
+                      <a:solidFill>
+                        <a:srgbClr val="C9C9C9"/>
+                      </a:solidFill>
+                      <a:prstDash val="solid"/>
+                      <a:round/>
+                      <a:headEnd type="none" w="med" len="med"/>
+                      <a:tailEnd type="none" w="med" len="med"/>
+                    </a:lnT>
+                    <a:lnB w="12700" cap="flat" cmpd="sng" algn="ctr">
+                      <a:solidFill>
+                        <a:srgbClr val="C9C9C9"/>
+                      </a:solidFill>
+                      <a:prstDash val="solid"/>
+                      <a:round/>
+                      <a:headEnd type="none" w="med" len="med"/>
+                      <a:tailEnd type="none" w="med" len="med"/>
+                    </a:lnB>
+                    <a:solidFill>
+                      <a:srgbClr val="EDEDED"/>
+                    </a:solidFill>
+                  </a:tcPr>
                 </a:tc>
                 <a:tc>
                   <a:txBody>
@@ -9644,12 +12809,15 @@
                         </a:spcAft>
                       </a:pPr>
                       <a:r>
-                        <a:rPr lang="en-US" sz="1200" dirty="0">
+                        <a:rPr lang="en-US" sz="1800" dirty="0">
                           <a:effectLst/>
+                          <a:latin typeface="Cambria" panose="02040503050406030204" pitchFamily="18" charset="0"/>
+                          <a:ea typeface="Calibri" panose="020F0502020204030204" pitchFamily="34" charset="0"/>
+                          <a:cs typeface="Times New Roman" panose="02020603050405020304" pitchFamily="18" charset="0"/>
                         </a:rPr>
                         <a:t>Trello</a:t>
                       </a:r>
-                      <a:endParaRPr lang="en-US" sz="1200" dirty="0">
+                      <a:endParaRPr lang="en-US" sz="1800" dirty="0">
                         <a:effectLst/>
                         <a:latin typeface="Calibri" panose="020F0502020204030204" pitchFamily="34" charset="0"/>
                         <a:ea typeface="Times New Roman" panose="02020603050405020304" pitchFamily="18" charset="0"/>
@@ -9657,11 +12825,51 @@
                       </a:endParaRPr>
                     </a:p>
                   </a:txBody>
-                  <a:tcPr marL="68580" marR="68580" marT="0" marB="0" anchor="ctr"/>
+                  <a:tcPr marL="68580" marR="68580" marT="0" marB="0" anchor="ctr">
+                    <a:lnL w="12700" cap="flat" cmpd="sng" algn="ctr">
+                      <a:solidFill>
+                        <a:srgbClr val="C9C9C9"/>
+                      </a:solidFill>
+                      <a:prstDash val="solid"/>
+                      <a:round/>
+                      <a:headEnd type="none" w="med" len="med"/>
+                      <a:tailEnd type="none" w="med" len="med"/>
+                    </a:lnL>
+                    <a:lnR w="12700" cap="flat" cmpd="sng" algn="ctr">
+                      <a:solidFill>
+                        <a:srgbClr val="C9C9C9"/>
+                      </a:solidFill>
+                      <a:prstDash val="solid"/>
+                      <a:round/>
+                      <a:headEnd type="none" w="med" len="med"/>
+                      <a:tailEnd type="none" w="med" len="med"/>
+                    </a:lnR>
+                    <a:lnT w="12700" cap="flat" cmpd="sng" algn="ctr">
+                      <a:solidFill>
+                        <a:srgbClr val="C9C9C9"/>
+                      </a:solidFill>
+                      <a:prstDash val="solid"/>
+                      <a:round/>
+                      <a:headEnd type="none" w="med" len="med"/>
+                      <a:tailEnd type="none" w="med" len="med"/>
+                    </a:lnT>
+                    <a:lnB w="12700" cap="flat" cmpd="sng" algn="ctr">
+                      <a:solidFill>
+                        <a:srgbClr val="C9C9C9"/>
+                      </a:solidFill>
+                      <a:prstDash val="solid"/>
+                      <a:round/>
+                      <a:headEnd type="none" w="med" len="med"/>
+                      <a:tailEnd type="none" w="med" len="med"/>
+                    </a:lnB>
+                    <a:solidFill>
+                      <a:srgbClr val="EDEDED"/>
+                    </a:solidFill>
+                  </a:tcPr>
                 </a:tc>
                 <a:extLst>
                   <a:ext uri="{0D108BD9-81ED-4DB2-BD59-A6C34878D82A}">
-                    <a16:rowId xmlns:a16="http://schemas.microsoft.com/office/drawing/2014/main" val="3075523759"/>
+                    <a16:rowId xmlns:a16="http://schemas.microsoft.com/office/drawing/2014/main" val="3907603901"/>
                   </a:ext>
                 </a:extLst>
               </a:tr>
@@ -9673,6 +12881,555 @@
     <p:extLst>
       <p:ext uri="{BB962C8B-B14F-4D97-AF65-F5344CB8AC3E}">
         <p14:creationId xmlns:p14="http://schemas.microsoft.com/office/powerpoint/2010/main" val="1934872289"/>
+      </p:ext>
+    </p:extLst>
+  </p:cSld>
+  <p:clrMapOvr>
+    <a:masterClrMapping/>
+  </p:clrMapOvr>
+</p:sld>
+</file>
+
+<file path=ppt/slides/slide15.xml><?xml version="1.0" encoding="utf-8"?>
+<p:sld xmlns:a="http://schemas.openxmlformats.org/drawingml/2006/main" xmlns:r="http://schemas.openxmlformats.org/officeDocument/2006/relationships" xmlns:p="http://schemas.openxmlformats.org/presentationml/2006/main">
+  <p:cSld>
+    <p:spTree>
+      <p:nvGrpSpPr>
+        <p:cNvPr id="1" name=""/>
+        <p:cNvGrpSpPr/>
+        <p:nvPr/>
+      </p:nvGrpSpPr>
+      <p:grpSpPr>
+        <a:xfrm>
+          <a:off x="0" y="0"/>
+          <a:ext cx="0" cy="0"/>
+          <a:chOff x="0" y="0"/>
+          <a:chExt cx="0" cy="0"/>
+        </a:xfrm>
+      </p:grpSpPr>
+      <p:sp>
+        <p:nvSpPr>
+          <p:cNvPr id="2" name="Title 1">
+            <a:extLst>
+              <a:ext uri="{FF2B5EF4-FFF2-40B4-BE49-F238E27FC236}">
+                <a16:creationId xmlns:a16="http://schemas.microsoft.com/office/drawing/2014/main" id="{F04B71FB-CADD-4382-8FC0-1D6F3658FCE5}"/>
+              </a:ext>
+            </a:extLst>
+          </p:cNvPr>
+          <p:cNvSpPr>
+            <a:spLocks noGrp="1"/>
+          </p:cNvSpPr>
+          <p:nvPr>
+            <p:ph type="title"/>
+          </p:nvPr>
+        </p:nvSpPr>
+        <p:spPr/>
+        <p:txBody>
+          <a:bodyPr/>
+          <a:lstStyle/>
+          <a:p>
+            <a:r>
+              <a:rPr lang="en-US" dirty="0"/>
+              <a:t>THANK YOU FOR YOUR ATTENTION</a:t>
+            </a:r>
+          </a:p>
+        </p:txBody>
+      </p:sp>
+      <p:sp>
+        <p:nvSpPr>
+          <p:cNvPr id="3" name="Text Placeholder 2">
+            <a:extLst>
+              <a:ext uri="{FF2B5EF4-FFF2-40B4-BE49-F238E27FC236}">
+                <a16:creationId xmlns:a16="http://schemas.microsoft.com/office/drawing/2014/main" id="{589DD2C3-28FF-467E-8000-152AA9AD95E5}"/>
+              </a:ext>
+            </a:extLst>
+          </p:cNvPr>
+          <p:cNvSpPr>
+            <a:spLocks noGrp="1"/>
+          </p:cNvSpPr>
+          <p:nvPr>
+            <p:ph type="body" idx="1"/>
+          </p:nvPr>
+        </p:nvSpPr>
+        <p:spPr/>
+        <p:txBody>
+          <a:bodyPr/>
+          <a:lstStyle/>
+          <a:p>
+            <a:endParaRPr lang="en-US"/>
+          </a:p>
+        </p:txBody>
+      </p:sp>
+    </p:spTree>
+    <p:extLst>
+      <p:ext uri="{BB962C8B-B14F-4D97-AF65-F5344CB8AC3E}">
+        <p14:creationId xmlns:p14="http://schemas.microsoft.com/office/powerpoint/2010/main" val="1569972855"/>
+      </p:ext>
+    </p:extLst>
+  </p:cSld>
+  <p:clrMapOvr>
+    <a:masterClrMapping/>
+  </p:clrMapOvr>
+</p:sld>
+</file>
+
+<file path=ppt/slides/slide2.xml><?xml version="1.0" encoding="utf-8"?>
+<p:sld xmlns:a="http://schemas.openxmlformats.org/drawingml/2006/main" xmlns:r="http://schemas.openxmlformats.org/officeDocument/2006/relationships" xmlns:p="http://schemas.openxmlformats.org/presentationml/2006/main">
+  <p:cSld>
+    <p:spTree>
+      <p:nvGrpSpPr>
+        <p:cNvPr id="1" name=""/>
+        <p:cNvGrpSpPr/>
+        <p:nvPr/>
+      </p:nvGrpSpPr>
+      <p:grpSpPr>
+        <a:xfrm>
+          <a:off x="0" y="0"/>
+          <a:ext cx="0" cy="0"/>
+          <a:chOff x="0" y="0"/>
+          <a:chExt cx="0" cy="0"/>
+        </a:xfrm>
+      </p:grpSpPr>
+      <p:sp>
+        <p:nvSpPr>
+          <p:cNvPr id="2" name="Title 1">
+            <a:extLst>
+              <a:ext uri="{FF2B5EF4-FFF2-40B4-BE49-F238E27FC236}">
+                <a16:creationId xmlns:a16="http://schemas.microsoft.com/office/drawing/2014/main" id="{77708592-AC93-4A1B-903E-444870D891FD}"/>
+              </a:ext>
+            </a:extLst>
+          </p:cNvPr>
+          <p:cNvSpPr>
+            <a:spLocks noGrp="1"/>
+          </p:cNvSpPr>
+          <p:nvPr>
+            <p:ph type="title"/>
+          </p:nvPr>
+        </p:nvSpPr>
+        <p:spPr/>
+        <p:txBody>
+          <a:bodyPr/>
+          <a:lstStyle/>
+          <a:p>
+            <a:r>
+              <a:rPr lang="en-US" dirty="0"/>
+              <a:t>REPORT WEEK 2 – Software Project Management Plan</a:t>
+            </a:r>
+          </a:p>
+        </p:txBody>
+      </p:sp>
+      <p:sp>
+        <p:nvSpPr>
+          <p:cNvPr id="3" name="Content Placeholder 2">
+            <a:extLst>
+              <a:ext uri="{FF2B5EF4-FFF2-40B4-BE49-F238E27FC236}">
+                <a16:creationId xmlns:a16="http://schemas.microsoft.com/office/drawing/2014/main" id="{BD454B34-2081-470F-B730-23368ABBDD5B}"/>
+              </a:ext>
+            </a:extLst>
+          </p:cNvPr>
+          <p:cNvSpPr>
+            <a:spLocks noGrp="1"/>
+          </p:cNvSpPr>
+          <p:nvPr>
+            <p:ph idx="1"/>
+          </p:nvPr>
+        </p:nvSpPr>
+        <p:spPr/>
+        <p:txBody>
+          <a:bodyPr/>
+          <a:lstStyle/>
+          <a:p>
+            <a:r>
+              <a:rPr lang="en-US" dirty="0"/>
+              <a:t>1.	Problem Definition</a:t>
+            </a:r>
+          </a:p>
+          <a:p>
+            <a:r>
+              <a:rPr lang="en-US" dirty="0"/>
+              <a:t>2.	Project Organization</a:t>
+            </a:r>
+          </a:p>
+          <a:p>
+            <a:r>
+              <a:rPr lang="en-US" dirty="0"/>
+              <a:t>3.	Project Management Plan</a:t>
+            </a:r>
+          </a:p>
+          <a:p>
+            <a:r>
+              <a:rPr lang="en-US" dirty="0"/>
+              <a:t>4.	Coding Convention</a:t>
+            </a:r>
+          </a:p>
+          <a:p>
+            <a:endParaRPr lang="en-US" dirty="0"/>
+          </a:p>
+        </p:txBody>
+      </p:sp>
+    </p:spTree>
+    <p:extLst>
+      <p:ext uri="{BB962C8B-B14F-4D97-AF65-F5344CB8AC3E}">
+        <p14:creationId xmlns:p14="http://schemas.microsoft.com/office/powerpoint/2010/main" val="2352651030"/>
+      </p:ext>
+    </p:extLst>
+  </p:cSld>
+  <p:clrMapOvr>
+    <a:masterClrMapping/>
+  </p:clrMapOvr>
+</p:sld>
+</file>
+
+<file path=ppt/slides/slide3.xml><?xml version="1.0" encoding="utf-8"?>
+<p:sld xmlns:a="http://schemas.openxmlformats.org/drawingml/2006/main" xmlns:r="http://schemas.openxmlformats.org/officeDocument/2006/relationships" xmlns:p="http://schemas.openxmlformats.org/presentationml/2006/main">
+  <p:cSld>
+    <p:spTree>
+      <p:nvGrpSpPr>
+        <p:cNvPr id="1" name=""/>
+        <p:cNvGrpSpPr/>
+        <p:nvPr/>
+      </p:nvGrpSpPr>
+      <p:grpSpPr>
+        <a:xfrm>
+          <a:off x="0" y="0"/>
+          <a:ext cx="0" cy="0"/>
+          <a:chOff x="0" y="0"/>
+          <a:chExt cx="0" cy="0"/>
+        </a:xfrm>
+      </p:grpSpPr>
+      <p:sp>
+        <p:nvSpPr>
+          <p:cNvPr id="2" name="Title 1">
+            <a:extLst>
+              <a:ext uri="{FF2B5EF4-FFF2-40B4-BE49-F238E27FC236}">
+                <a16:creationId xmlns:a16="http://schemas.microsoft.com/office/drawing/2014/main" id="{02B9374C-0683-4E65-8257-CAFE81115F80}"/>
+              </a:ext>
+            </a:extLst>
+          </p:cNvPr>
+          <p:cNvSpPr>
+            <a:spLocks noGrp="1"/>
+          </p:cNvSpPr>
+          <p:nvPr>
+            <p:ph type="title"/>
+          </p:nvPr>
+        </p:nvSpPr>
+        <p:spPr/>
+        <p:txBody>
+          <a:bodyPr/>
+          <a:lstStyle/>
+          <a:p>
+            <a:r>
+              <a:rPr lang="en-US" dirty="0"/>
+              <a:t>Problem Definition</a:t>
+            </a:r>
+            <a:br>
+              <a:rPr lang="en-US" dirty="0"/>
+            </a:br>
+            <a:endParaRPr lang="en-US" dirty="0"/>
+          </a:p>
+        </p:txBody>
+      </p:sp>
+      <p:sp>
+        <p:nvSpPr>
+          <p:cNvPr id="3" name="Content Placeholder 2">
+            <a:extLst>
+              <a:ext uri="{FF2B5EF4-FFF2-40B4-BE49-F238E27FC236}">
+                <a16:creationId xmlns:a16="http://schemas.microsoft.com/office/drawing/2014/main" id="{4BD76B98-17BC-4295-80A9-A707696A74C2}"/>
+              </a:ext>
+            </a:extLst>
+          </p:cNvPr>
+          <p:cNvSpPr>
+            <a:spLocks noGrp="1"/>
+          </p:cNvSpPr>
+          <p:nvPr>
+            <p:ph idx="1"/>
+          </p:nvPr>
+        </p:nvSpPr>
+        <p:spPr/>
+        <p:txBody>
+          <a:bodyPr/>
+          <a:lstStyle/>
+          <a:p>
+            <a:pPr marL="0" indent="0">
+              <a:buNone/>
+            </a:pPr>
+            <a:endParaRPr lang="en-US" dirty="0"/>
+          </a:p>
+          <a:p>
+            <a:pPr lvl="0"/>
+            <a:r>
+              <a:rPr lang="en-US" b="1" dirty="0"/>
+              <a:t>Official name</a:t>
+            </a:r>
+            <a:r>
+              <a:rPr lang="en-US" dirty="0"/>
+              <a:t>: Indoor Commodity Tracking System Application Bluetooth Low Energy</a:t>
+            </a:r>
+          </a:p>
+          <a:p>
+            <a:pPr lvl="0"/>
+            <a:r>
+              <a:rPr lang="en-US" b="1" dirty="0"/>
+              <a:t>Abbreviation:</a:t>
+            </a:r>
+            <a:r>
+              <a:rPr lang="en-US" dirty="0"/>
+              <a:t> BTRACKING</a:t>
+            </a:r>
+          </a:p>
+          <a:p>
+            <a:endParaRPr lang="en-US" dirty="0"/>
+          </a:p>
+        </p:txBody>
+      </p:sp>
+    </p:spTree>
+    <p:extLst>
+      <p:ext uri="{BB962C8B-B14F-4D97-AF65-F5344CB8AC3E}">
+        <p14:creationId xmlns:p14="http://schemas.microsoft.com/office/powerpoint/2010/main" val="405687750"/>
+      </p:ext>
+    </p:extLst>
+  </p:cSld>
+  <p:clrMapOvr>
+    <a:masterClrMapping/>
+  </p:clrMapOvr>
+</p:sld>
+</file>
+
+<file path=ppt/slides/slide4.xml><?xml version="1.0" encoding="utf-8"?>
+<p:sld xmlns:a="http://schemas.openxmlformats.org/drawingml/2006/main" xmlns:r="http://schemas.openxmlformats.org/officeDocument/2006/relationships" xmlns:p="http://schemas.openxmlformats.org/presentationml/2006/main">
+  <p:cSld>
+    <p:spTree>
+      <p:nvGrpSpPr>
+        <p:cNvPr id="1" name=""/>
+        <p:cNvGrpSpPr/>
+        <p:nvPr/>
+      </p:nvGrpSpPr>
+      <p:grpSpPr>
+        <a:xfrm>
+          <a:off x="0" y="0"/>
+          <a:ext cx="0" cy="0"/>
+          <a:chOff x="0" y="0"/>
+          <a:chExt cx="0" cy="0"/>
+        </a:xfrm>
+      </p:grpSpPr>
+      <p:sp>
+        <p:nvSpPr>
+          <p:cNvPr id="2" name="Title 1">
+            <a:extLst>
+              <a:ext uri="{FF2B5EF4-FFF2-40B4-BE49-F238E27FC236}">
+                <a16:creationId xmlns:a16="http://schemas.microsoft.com/office/drawing/2014/main" id="{1FC3A8F1-5BF6-494C-92E0-C962F2293C12}"/>
+              </a:ext>
+            </a:extLst>
+          </p:cNvPr>
+          <p:cNvSpPr>
+            <a:spLocks noGrp="1"/>
+          </p:cNvSpPr>
+          <p:nvPr>
+            <p:ph type="title"/>
+          </p:nvPr>
+        </p:nvSpPr>
+        <p:spPr/>
+        <p:txBody>
+          <a:bodyPr/>
+          <a:lstStyle/>
+          <a:p>
+            <a:r>
+              <a:rPr lang="en-US" dirty="0"/>
+              <a:t>Problem Definition</a:t>
+            </a:r>
+            <a:br>
+              <a:rPr lang="en-US" dirty="0"/>
+            </a:br>
+            <a:endParaRPr lang="en-US" dirty="0"/>
+          </a:p>
+        </p:txBody>
+      </p:sp>
+      <p:sp>
+        <p:nvSpPr>
+          <p:cNvPr id="3" name="Content Placeholder 2">
+            <a:extLst>
+              <a:ext uri="{FF2B5EF4-FFF2-40B4-BE49-F238E27FC236}">
+                <a16:creationId xmlns:a16="http://schemas.microsoft.com/office/drawing/2014/main" id="{05B9EA22-A5CF-4D7E-936F-9528EB8706AB}"/>
+              </a:ext>
+            </a:extLst>
+          </p:cNvPr>
+          <p:cNvSpPr>
+            <a:spLocks noGrp="1"/>
+          </p:cNvSpPr>
+          <p:nvPr>
+            <p:ph idx="1"/>
+          </p:nvPr>
+        </p:nvSpPr>
+        <p:spPr/>
+        <p:txBody>
+          <a:bodyPr/>
+          <a:lstStyle/>
+          <a:p>
+            <a:r>
+              <a:rPr lang="en-US" b="1" dirty="0"/>
+              <a:t>Problem Abstract</a:t>
+            </a:r>
+            <a:endParaRPr lang="en-US" dirty="0"/>
+          </a:p>
+          <a:p>
+            <a:r>
+              <a:rPr lang="en-US" dirty="0"/>
+              <a:t>At present, GPS positioning and tracking technology is very popular. However, its accuracy is not high, especially in the home. Nowadays the world is pushing the industrial revolution of 4.0, in which the demand for projects to monitor location in an indoor area increased. For example, monitoring and patient care at the hospital, tracking the location of objects in exhibits, etc. Therefore, location-based technology using BLE technology is becoming more common.</a:t>
+            </a:r>
+          </a:p>
+          <a:p>
+            <a:endParaRPr lang="en-US" dirty="0"/>
+          </a:p>
+        </p:txBody>
+      </p:sp>
+    </p:spTree>
+    <p:extLst>
+      <p:ext uri="{BB962C8B-B14F-4D97-AF65-F5344CB8AC3E}">
+        <p14:creationId xmlns:p14="http://schemas.microsoft.com/office/powerpoint/2010/main" val="1884703934"/>
+      </p:ext>
+    </p:extLst>
+  </p:cSld>
+  <p:clrMapOvr>
+    <a:masterClrMapping/>
+  </p:clrMapOvr>
+</p:sld>
+</file>
+
+<file path=ppt/slides/slide5.xml><?xml version="1.0" encoding="utf-8"?>
+<p:sld xmlns:a="http://schemas.openxmlformats.org/drawingml/2006/main" xmlns:r="http://schemas.openxmlformats.org/officeDocument/2006/relationships" xmlns:p="http://schemas.openxmlformats.org/presentationml/2006/main">
+  <p:cSld>
+    <p:spTree>
+      <p:nvGrpSpPr>
+        <p:cNvPr id="1" name=""/>
+        <p:cNvGrpSpPr/>
+        <p:nvPr/>
+      </p:nvGrpSpPr>
+      <p:grpSpPr>
+        <a:xfrm>
+          <a:off x="0" y="0"/>
+          <a:ext cx="0" cy="0"/>
+          <a:chOff x="0" y="0"/>
+          <a:chExt cx="0" cy="0"/>
+        </a:xfrm>
+      </p:grpSpPr>
+      <p:sp>
+        <p:nvSpPr>
+          <p:cNvPr id="2" name="Title 1">
+            <a:extLst>
+              <a:ext uri="{FF2B5EF4-FFF2-40B4-BE49-F238E27FC236}">
+                <a16:creationId xmlns:a16="http://schemas.microsoft.com/office/drawing/2014/main" id="{5323E06B-4348-4227-96D7-90BC5F86948F}"/>
+              </a:ext>
+            </a:extLst>
+          </p:cNvPr>
+          <p:cNvSpPr>
+            <a:spLocks noGrp="1"/>
+          </p:cNvSpPr>
+          <p:nvPr>
+            <p:ph type="title"/>
+          </p:nvPr>
+        </p:nvSpPr>
+        <p:spPr/>
+        <p:txBody>
+          <a:bodyPr/>
+          <a:lstStyle/>
+          <a:p>
+            <a:r>
+              <a:rPr lang="en-US" dirty="0"/>
+              <a:t>Problem Definition</a:t>
+            </a:r>
+            <a:br>
+              <a:rPr lang="en-US" dirty="0"/>
+            </a:br>
+            <a:endParaRPr lang="en-US" dirty="0"/>
+          </a:p>
+        </p:txBody>
+      </p:sp>
+      <p:sp>
+        <p:nvSpPr>
+          <p:cNvPr id="3" name="Content Placeholder 2">
+            <a:extLst>
+              <a:ext uri="{FF2B5EF4-FFF2-40B4-BE49-F238E27FC236}">
+                <a16:creationId xmlns:a16="http://schemas.microsoft.com/office/drawing/2014/main" id="{A5682028-E3DF-490A-BCEB-C2E130021DE9}"/>
+              </a:ext>
+            </a:extLst>
+          </p:cNvPr>
+          <p:cNvSpPr>
+            <a:spLocks noGrp="1"/>
+          </p:cNvSpPr>
+          <p:nvPr>
+            <p:ph idx="1"/>
+          </p:nvPr>
+        </p:nvSpPr>
+        <p:spPr/>
+        <p:txBody>
+          <a:bodyPr>
+            <a:normAutofit/>
+          </a:bodyPr>
+          <a:lstStyle/>
+          <a:p>
+            <a:r>
+              <a:rPr lang="en-US" b="1" dirty="0"/>
+              <a:t>Boundaries of the System</a:t>
+            </a:r>
+            <a:endParaRPr lang="en-US" dirty="0"/>
+          </a:p>
+          <a:p>
+            <a:r>
+              <a:rPr lang="en-US" dirty="0"/>
+              <a:t>Our system provides these functions:</a:t>
+            </a:r>
+          </a:p>
+          <a:p>
+            <a:pPr lvl="2"/>
+            <a:r>
+              <a:rPr lang="en-US" sz="1800" dirty="0"/>
+              <a:t>Determine the location of the object in the house.</a:t>
+            </a:r>
+          </a:p>
+          <a:p>
+            <a:pPr lvl="2"/>
+            <a:r>
+              <a:rPr lang="en-US" sz="1800" dirty="0"/>
+              <a:t>Monitor the location of the object.</a:t>
+            </a:r>
+          </a:p>
+          <a:p>
+            <a:pPr lvl="2"/>
+            <a:r>
+              <a:rPr lang="en-US" sz="1800" dirty="0"/>
+              <a:t>Set rules for objects (only located in certain areas, do not encroach on certain areas).</a:t>
+            </a:r>
+          </a:p>
+          <a:p>
+            <a:pPr lvl="2"/>
+            <a:r>
+              <a:rPr lang="en-US" sz="1800" dirty="0"/>
+              <a:t>Group objects to manage.</a:t>
+            </a:r>
+          </a:p>
+          <a:p>
+            <a:pPr lvl="2"/>
+            <a:r>
+              <a:rPr lang="en-US" sz="1800" dirty="0"/>
+              <a:t>Show the location history of the object.</a:t>
+            </a:r>
+          </a:p>
+          <a:p>
+            <a:pPr lvl="2"/>
+            <a:r>
+              <a:rPr lang="en-US" sz="1800" dirty="0"/>
+              <a:t>Loudspeaker alert sound, app if any abnormal.</a:t>
+            </a:r>
+          </a:p>
+          <a:p>
+            <a:endParaRPr lang="en-US" dirty="0"/>
+          </a:p>
+        </p:txBody>
+      </p:sp>
+    </p:spTree>
+    <p:extLst>
+      <p:ext uri="{BB962C8B-B14F-4D97-AF65-F5344CB8AC3E}">
+        <p14:creationId xmlns:p14="http://schemas.microsoft.com/office/powerpoint/2010/main" val="2381891219"/>
       </p:ext>
     </p:extLst>
   </p:cSld>
@@ -9704,7 +13461,7 @@
           <p:cNvPr id="2" name="Title 1">
             <a:extLst>
               <a:ext uri="{FF2B5EF4-FFF2-40B4-BE49-F238E27FC236}">
-                <a16:creationId xmlns:a16="http://schemas.microsoft.com/office/drawing/2014/main" id="{C5D3A2A2-777B-453B-A2B2-C5A40E5407EA}"/>
+                <a16:creationId xmlns:a16="http://schemas.microsoft.com/office/drawing/2014/main" id="{127DBCA5-881C-4FA1-9B66-4C3C19E33993}"/>
               </a:ext>
             </a:extLst>
           </p:cNvPr>
@@ -9721,9 +13478,12 @@
           <a:lstStyle/>
           <a:p>
             <a:r>
-              <a:rPr lang="en-US" b="1" dirty="0"/>
-              <a:t>Project Organization</a:t>
+              <a:rPr lang="en-US" dirty="0"/>
+              <a:t>Problem Definition</a:t>
             </a:r>
+            <a:br>
+              <a:rPr lang="en-US" dirty="0"/>
+            </a:br>
             <a:endParaRPr lang="en-US" dirty="0"/>
           </a:p>
         </p:txBody>
@@ -9733,7 +13493,121 @@
           <p:cNvPr id="3" name="Content Placeholder 2">
             <a:extLst>
               <a:ext uri="{FF2B5EF4-FFF2-40B4-BE49-F238E27FC236}">
-                <a16:creationId xmlns:a16="http://schemas.microsoft.com/office/drawing/2014/main" id="{A72DF54D-46E7-45D1-BCAB-09742C03A101}"/>
+                <a16:creationId xmlns:a16="http://schemas.microsoft.com/office/drawing/2014/main" id="{CDE5B18E-858D-4D59-881D-442042987DFF}"/>
+              </a:ext>
+            </a:extLst>
+          </p:cNvPr>
+          <p:cNvSpPr>
+            <a:spLocks noGrp="1"/>
+          </p:cNvSpPr>
+          <p:nvPr>
+            <p:ph idx="1"/>
+          </p:nvPr>
+        </p:nvSpPr>
+        <p:spPr/>
+        <p:txBody>
+          <a:bodyPr>
+            <a:normAutofit/>
+          </a:bodyPr>
+          <a:lstStyle/>
+          <a:p>
+            <a:r>
+              <a:rPr lang="en-US" sz="2400" b="1" dirty="0"/>
+              <a:t>Future plans</a:t>
+            </a:r>
+            <a:endParaRPr lang="en-US" sz="2400" dirty="0"/>
+          </a:p>
+          <a:p>
+            <a:pPr lvl="2"/>
+            <a:r>
+              <a:rPr lang="en-US" sz="1800" dirty="0"/>
+              <a:t>Analyze the trend of moving objects.</a:t>
+            </a:r>
+          </a:p>
+          <a:p>
+            <a:pPr lvl="2"/>
+            <a:r>
+              <a:rPr lang="en-US" sz="1800" dirty="0"/>
+              <a:t>Tracking more information of object (heart rate monitoring, blood oxygen levels, acceleration, sudden change of position, ...).</a:t>
+            </a:r>
+          </a:p>
+          <a:p>
+            <a:pPr lvl="2"/>
+            <a:r>
+              <a:rPr lang="en-US" sz="1800" dirty="0"/>
+              <a:t>Apply to schools for student attendance</a:t>
+            </a:r>
+          </a:p>
+        </p:txBody>
+      </p:sp>
+    </p:spTree>
+    <p:extLst>
+      <p:ext uri="{BB962C8B-B14F-4D97-AF65-F5344CB8AC3E}">
+        <p14:creationId xmlns:p14="http://schemas.microsoft.com/office/powerpoint/2010/main" val="76147514"/>
+      </p:ext>
+    </p:extLst>
+  </p:cSld>
+  <p:clrMapOvr>
+    <a:masterClrMapping/>
+  </p:clrMapOvr>
+</p:sld>
+</file>
+
+<file path=ppt/slides/slide7.xml><?xml version="1.0" encoding="utf-8"?>
+<p:sld xmlns:a="http://schemas.openxmlformats.org/drawingml/2006/main" xmlns:r="http://schemas.openxmlformats.org/officeDocument/2006/relationships" xmlns:p="http://schemas.openxmlformats.org/presentationml/2006/main">
+  <p:cSld>
+    <p:spTree>
+      <p:nvGrpSpPr>
+        <p:cNvPr id="1" name=""/>
+        <p:cNvGrpSpPr/>
+        <p:nvPr/>
+      </p:nvGrpSpPr>
+      <p:grpSpPr>
+        <a:xfrm>
+          <a:off x="0" y="0"/>
+          <a:ext cx="0" cy="0"/>
+          <a:chOff x="0" y="0"/>
+          <a:chExt cx="0" cy="0"/>
+        </a:xfrm>
+      </p:grpSpPr>
+      <p:sp>
+        <p:nvSpPr>
+          <p:cNvPr id="2" name="Title 1">
+            <a:extLst>
+              <a:ext uri="{FF2B5EF4-FFF2-40B4-BE49-F238E27FC236}">
+                <a16:creationId xmlns:a16="http://schemas.microsoft.com/office/drawing/2014/main" id="{710B0FB4-8417-45AE-9239-6B50E03BFAB7}"/>
+              </a:ext>
+            </a:extLst>
+          </p:cNvPr>
+          <p:cNvSpPr>
+            <a:spLocks noGrp="1"/>
+          </p:cNvSpPr>
+          <p:nvPr>
+            <p:ph type="title"/>
+          </p:nvPr>
+        </p:nvSpPr>
+        <p:spPr/>
+        <p:txBody>
+          <a:bodyPr/>
+          <a:lstStyle/>
+          <a:p>
+            <a:r>
+              <a:rPr lang="en-US" dirty="0"/>
+              <a:t>Problem Definition</a:t>
+            </a:r>
+            <a:br>
+              <a:rPr lang="en-US" dirty="0"/>
+            </a:br>
+            <a:endParaRPr lang="en-US" dirty="0"/>
+          </a:p>
+        </p:txBody>
+      </p:sp>
+      <p:sp>
+        <p:nvSpPr>
+          <p:cNvPr id="3" name="Content Placeholder 2">
+            <a:extLst>
+              <a:ext uri="{FF2B5EF4-FFF2-40B4-BE49-F238E27FC236}">
+                <a16:creationId xmlns:a16="http://schemas.microsoft.com/office/drawing/2014/main" id="{D580ED7E-0614-403D-A3C5-6790F9781260}"/>
               </a:ext>
             </a:extLst>
           </p:cNvPr>
@@ -9749,14 +13623,2533 @@
           <a:bodyPr/>
           <a:lstStyle/>
           <a:p>
-            <a:endParaRPr lang="en-US"/>
+            <a:r>
+              <a:rPr lang="en-US" b="1" dirty="0"/>
+              <a:t>Hardware requirements</a:t>
+            </a:r>
+          </a:p>
+          <a:p>
+            <a:pPr lvl="1"/>
+            <a:r>
+              <a:rPr lang="en-US" b="1" dirty="0"/>
+              <a:t>For passive devices:</a:t>
+            </a:r>
+          </a:p>
+          <a:p>
+            <a:endParaRPr lang="en-US" dirty="0"/>
           </a:p>
         </p:txBody>
       </p:sp>
+      <p:graphicFrame>
+        <p:nvGraphicFramePr>
+          <p:cNvPr id="10" name="Table 9">
+            <a:extLst>
+              <a:ext uri="{FF2B5EF4-FFF2-40B4-BE49-F238E27FC236}">
+                <a16:creationId xmlns:a16="http://schemas.microsoft.com/office/drawing/2014/main" id="{CB912F9A-A245-4944-985B-99FABD88A930}"/>
+              </a:ext>
+            </a:extLst>
+          </p:cNvPr>
+          <p:cNvGraphicFramePr>
+            <a:graphicFrameLocks noGrp="1"/>
+          </p:cNvGraphicFramePr>
+          <p:nvPr>
+            <p:extLst>
+              <p:ext uri="{D42A27DB-BD31-4B8C-83A1-F6EECF244321}">
+                <p14:modId xmlns:p14="http://schemas.microsoft.com/office/powerpoint/2010/main" val="797790678"/>
+              </p:ext>
+            </p:extLst>
+          </p:nvPr>
+        </p:nvGraphicFramePr>
+        <p:xfrm>
+          <a:off x="677333" y="3119360"/>
+          <a:ext cx="8290203" cy="2922001"/>
+        </p:xfrm>
+        <a:graphic>
+          <a:graphicData uri="http://schemas.openxmlformats.org/drawingml/2006/table">
+            <a:tbl>
+              <a:tblPr firstRow="1" firstCol="1" bandRow="1"/>
+              <a:tblGrid>
+                <a:gridCol w="3311524">
+                  <a:extLst>
+                    <a:ext uri="{9D8B030D-6E8A-4147-A177-3AD203B41FA5}">
+                      <a16:colId xmlns:a16="http://schemas.microsoft.com/office/drawing/2014/main" val="3446562218"/>
+                    </a:ext>
+                  </a:extLst>
+                </a:gridCol>
+                <a:gridCol w="4978679">
+                  <a:extLst>
+                    <a:ext uri="{9D8B030D-6E8A-4147-A177-3AD203B41FA5}">
+                      <a16:colId xmlns:a16="http://schemas.microsoft.com/office/drawing/2014/main" val="2376948054"/>
+                    </a:ext>
+                  </a:extLst>
+                </a:gridCol>
+              </a:tblGrid>
+              <a:tr h="544384">
+                <a:tc>
+                  <a:txBody>
+                    <a:bodyPr/>
+                    <a:lstStyle/>
+                    <a:p>
+                      <a:pPr algn="ctr">
+                        <a:lnSpc>
+                          <a:spcPct val="115000"/>
+                        </a:lnSpc>
+                        <a:spcAft>
+                          <a:spcPts val="1000"/>
+                        </a:spcAft>
+                      </a:pPr>
+                      <a:r>
+                        <a:rPr lang="en-US" sz="1800" b="1" dirty="0">
+                          <a:solidFill>
+                            <a:srgbClr val="FFFFFF"/>
+                          </a:solidFill>
+                          <a:effectLst/>
+                          <a:latin typeface="Cambria" panose="02040503050406030204" pitchFamily="18" charset="0"/>
+                          <a:ea typeface="MS Mincho" panose="02020609040205080304" pitchFamily="49" charset="-128"/>
+                          <a:cs typeface="Times New Roman" panose="02020603050405020304" pitchFamily="18" charset="0"/>
+                        </a:rPr>
+                        <a:t>Component</a:t>
+                      </a:r>
+                      <a:endParaRPr lang="en-US" sz="1800" dirty="0">
+                        <a:effectLst/>
+                        <a:latin typeface="Calibri" panose="020F0502020204030204" pitchFamily="34" charset="0"/>
+                        <a:ea typeface="Times New Roman" panose="02020603050405020304" pitchFamily="18" charset="0"/>
+                        <a:cs typeface="Times New Roman" panose="02020603050405020304" pitchFamily="18" charset="0"/>
+                      </a:endParaRPr>
+                    </a:p>
+                  </a:txBody>
+                  <a:tcPr marL="68580" marR="68580" marT="0" marB="0" anchor="ctr">
+                    <a:lnL w="12700" cap="flat" cmpd="sng" algn="ctr">
+                      <a:solidFill>
+                        <a:srgbClr val="A6A6A6"/>
+                      </a:solidFill>
+                      <a:prstDash val="solid"/>
+                      <a:round/>
+                      <a:headEnd type="none" w="med" len="med"/>
+                      <a:tailEnd type="none" w="med" len="med"/>
+                    </a:lnL>
+                    <a:lnR w="12700" cap="flat" cmpd="sng" algn="ctr">
+                      <a:solidFill>
+                        <a:srgbClr val="A6A6A6"/>
+                      </a:solidFill>
+                      <a:prstDash val="solid"/>
+                      <a:round/>
+                      <a:headEnd type="none" w="med" len="med"/>
+                      <a:tailEnd type="none" w="med" len="med"/>
+                    </a:lnR>
+                    <a:lnT w="12700" cap="flat" cmpd="sng" algn="ctr">
+                      <a:solidFill>
+                        <a:srgbClr val="A6A6A6"/>
+                      </a:solidFill>
+                      <a:prstDash val="solid"/>
+                      <a:round/>
+                      <a:headEnd type="none" w="med" len="med"/>
+                      <a:tailEnd type="none" w="med" len="med"/>
+                    </a:lnT>
+                    <a:lnB w="12700" cap="flat" cmpd="sng" algn="ctr">
+                      <a:solidFill>
+                        <a:srgbClr val="A6A6A6"/>
+                      </a:solidFill>
+                      <a:prstDash val="solid"/>
+                      <a:round/>
+                      <a:headEnd type="none" w="med" len="med"/>
+                      <a:tailEnd type="none" w="med" len="med"/>
+                    </a:lnB>
+                    <a:solidFill>
+                      <a:srgbClr val="A6A6A6"/>
+                    </a:solidFill>
+                  </a:tcPr>
+                </a:tc>
+                <a:tc>
+                  <a:txBody>
+                    <a:bodyPr/>
+                    <a:lstStyle/>
+                    <a:p>
+                      <a:pPr algn="ctr">
+                        <a:lnSpc>
+                          <a:spcPct val="115000"/>
+                        </a:lnSpc>
+                        <a:spcAft>
+                          <a:spcPts val="1000"/>
+                        </a:spcAft>
+                      </a:pPr>
+                      <a:r>
+                        <a:rPr lang="en-US" sz="1800" b="1">
+                          <a:solidFill>
+                            <a:srgbClr val="FFFFFF"/>
+                          </a:solidFill>
+                          <a:effectLst/>
+                          <a:latin typeface="Cambria" panose="02040503050406030204" pitchFamily="18" charset="0"/>
+                          <a:ea typeface="MS Mincho" panose="02020609040205080304" pitchFamily="49" charset="-128"/>
+                          <a:cs typeface="Times New Roman" panose="02020603050405020304" pitchFamily="18" charset="0"/>
+                        </a:rPr>
+                        <a:t>Hardware</a:t>
+                      </a:r>
+                      <a:endParaRPr lang="en-US" sz="1800">
+                        <a:effectLst/>
+                        <a:latin typeface="Calibri" panose="020F0502020204030204" pitchFamily="34" charset="0"/>
+                        <a:ea typeface="Times New Roman" panose="02020603050405020304" pitchFamily="18" charset="0"/>
+                        <a:cs typeface="Times New Roman" panose="02020603050405020304" pitchFamily="18" charset="0"/>
+                      </a:endParaRPr>
+                    </a:p>
+                  </a:txBody>
+                  <a:tcPr marL="68580" marR="68580" marT="0" marB="0" anchor="ctr">
+                    <a:lnL w="12700" cap="flat" cmpd="sng" algn="ctr">
+                      <a:solidFill>
+                        <a:srgbClr val="A6A6A6"/>
+                      </a:solidFill>
+                      <a:prstDash val="solid"/>
+                      <a:round/>
+                      <a:headEnd type="none" w="med" len="med"/>
+                      <a:tailEnd type="none" w="med" len="med"/>
+                    </a:lnL>
+                    <a:lnR w="12700" cap="flat" cmpd="sng" algn="ctr">
+                      <a:solidFill>
+                        <a:srgbClr val="A6A6A6"/>
+                      </a:solidFill>
+                      <a:prstDash val="solid"/>
+                      <a:round/>
+                      <a:headEnd type="none" w="med" len="med"/>
+                      <a:tailEnd type="none" w="med" len="med"/>
+                    </a:lnR>
+                    <a:lnT w="12700" cap="flat" cmpd="sng" algn="ctr">
+                      <a:solidFill>
+                        <a:srgbClr val="A6A6A6"/>
+                      </a:solidFill>
+                      <a:prstDash val="solid"/>
+                      <a:round/>
+                      <a:headEnd type="none" w="med" len="med"/>
+                      <a:tailEnd type="none" w="med" len="med"/>
+                    </a:lnT>
+                    <a:lnB w="12700" cap="flat" cmpd="sng" algn="ctr">
+                      <a:solidFill>
+                        <a:srgbClr val="A6A6A6"/>
+                      </a:solidFill>
+                      <a:prstDash val="solid"/>
+                      <a:round/>
+                      <a:headEnd type="none" w="med" len="med"/>
+                      <a:tailEnd type="none" w="med" len="med"/>
+                    </a:lnB>
+                    <a:solidFill>
+                      <a:srgbClr val="A6A6A6"/>
+                    </a:solidFill>
+                  </a:tcPr>
+                </a:tc>
+                <a:extLst>
+                  <a:ext uri="{0D108BD9-81ED-4DB2-BD59-A6C34878D82A}">
+                    <a16:rowId xmlns:a16="http://schemas.microsoft.com/office/drawing/2014/main" val="4226075440"/>
+                  </a:ext>
+                </a:extLst>
+              </a:tr>
+              <a:tr h="544384">
+                <a:tc>
+                  <a:txBody>
+                    <a:bodyPr/>
+                    <a:lstStyle/>
+                    <a:p>
+                      <a:pPr algn="l">
+                        <a:lnSpc>
+                          <a:spcPct val="115000"/>
+                        </a:lnSpc>
+                        <a:spcAft>
+                          <a:spcPts val="1000"/>
+                        </a:spcAft>
+                      </a:pPr>
+                      <a:r>
+                        <a:rPr lang="en-US" sz="1800" b="1">
+                          <a:effectLst/>
+                          <a:latin typeface="Cambria" panose="02040503050406030204" pitchFamily="18" charset="0"/>
+                          <a:ea typeface="MS Mincho" panose="02020609040205080304" pitchFamily="49" charset="-128"/>
+                          <a:cs typeface="Times New Roman" panose="02020603050405020304" pitchFamily="18" charset="0"/>
+                        </a:rPr>
+                        <a:t>SoC</a:t>
+                      </a:r>
+                      <a:endParaRPr lang="en-US" sz="1800">
+                        <a:effectLst/>
+                        <a:latin typeface="Calibri" panose="020F0502020204030204" pitchFamily="34" charset="0"/>
+                        <a:ea typeface="Times New Roman" panose="02020603050405020304" pitchFamily="18" charset="0"/>
+                        <a:cs typeface="Times New Roman" panose="02020603050405020304" pitchFamily="18" charset="0"/>
+                      </a:endParaRPr>
+                    </a:p>
+                  </a:txBody>
+                  <a:tcPr marL="68580" marR="68580" marT="0" marB="0" anchor="ctr">
+                    <a:lnL w="12700" cap="flat" cmpd="sng" algn="ctr">
+                      <a:solidFill>
+                        <a:srgbClr val="A6A6A6"/>
+                      </a:solidFill>
+                      <a:prstDash val="solid"/>
+                      <a:round/>
+                      <a:headEnd type="none" w="med" len="med"/>
+                      <a:tailEnd type="none" w="med" len="med"/>
+                    </a:lnL>
+                    <a:lnR w="12700" cap="flat" cmpd="sng" algn="ctr">
+                      <a:solidFill>
+                        <a:srgbClr val="A6A6A6"/>
+                      </a:solidFill>
+                      <a:prstDash val="solid"/>
+                      <a:round/>
+                      <a:headEnd type="none" w="med" len="med"/>
+                      <a:tailEnd type="none" w="med" len="med"/>
+                    </a:lnR>
+                    <a:lnT w="12700" cap="flat" cmpd="sng" algn="ctr">
+                      <a:solidFill>
+                        <a:srgbClr val="A6A6A6"/>
+                      </a:solidFill>
+                      <a:prstDash val="solid"/>
+                      <a:round/>
+                      <a:headEnd type="none" w="med" len="med"/>
+                      <a:tailEnd type="none" w="med" len="med"/>
+                    </a:lnT>
+                    <a:lnB w="12700" cap="flat" cmpd="sng" algn="ctr">
+                      <a:solidFill>
+                        <a:srgbClr val="A6A6A6"/>
+                      </a:solidFill>
+                      <a:prstDash val="solid"/>
+                      <a:round/>
+                      <a:headEnd type="none" w="med" len="med"/>
+                      <a:tailEnd type="none" w="med" len="med"/>
+                    </a:lnB>
+                    <a:solidFill>
+                      <a:srgbClr val="FFFFFF"/>
+                    </a:solidFill>
+                  </a:tcPr>
+                </a:tc>
+                <a:tc>
+                  <a:txBody>
+                    <a:bodyPr/>
+                    <a:lstStyle/>
+                    <a:p>
+                      <a:pPr algn="l">
+                        <a:lnSpc>
+                          <a:spcPct val="115000"/>
+                        </a:lnSpc>
+                        <a:spcAft>
+                          <a:spcPts val="1000"/>
+                        </a:spcAft>
+                      </a:pPr>
+                      <a:r>
+                        <a:rPr lang="en-US" sz="1800">
+                          <a:effectLst/>
+                          <a:latin typeface="Cambria" panose="02040503050406030204" pitchFamily="18" charset="0"/>
+                          <a:ea typeface="MS Mincho" panose="02020609040205080304" pitchFamily="49" charset="-128"/>
+                          <a:cs typeface="Times New Roman" panose="02020603050405020304" pitchFamily="18" charset="0"/>
+                        </a:rPr>
+                        <a:t>CC2640/NRF51822</a:t>
+                      </a:r>
+                      <a:endParaRPr lang="en-US" sz="1800">
+                        <a:effectLst/>
+                        <a:latin typeface="Calibri" panose="020F0502020204030204" pitchFamily="34" charset="0"/>
+                        <a:ea typeface="Times New Roman" panose="02020603050405020304" pitchFamily="18" charset="0"/>
+                        <a:cs typeface="Times New Roman" panose="02020603050405020304" pitchFamily="18" charset="0"/>
+                      </a:endParaRPr>
+                    </a:p>
+                  </a:txBody>
+                  <a:tcPr marL="68580" marR="68580" marT="0" marB="0" anchor="ctr">
+                    <a:lnL w="12700" cap="flat" cmpd="sng" algn="ctr">
+                      <a:solidFill>
+                        <a:srgbClr val="A6A6A6"/>
+                      </a:solidFill>
+                      <a:prstDash val="solid"/>
+                      <a:round/>
+                      <a:headEnd type="none" w="med" len="med"/>
+                      <a:tailEnd type="none" w="med" len="med"/>
+                    </a:lnL>
+                    <a:lnR w="12700" cap="flat" cmpd="sng" algn="ctr">
+                      <a:solidFill>
+                        <a:srgbClr val="A6A6A6"/>
+                      </a:solidFill>
+                      <a:prstDash val="solid"/>
+                      <a:round/>
+                      <a:headEnd type="none" w="med" len="med"/>
+                      <a:tailEnd type="none" w="med" len="med"/>
+                    </a:lnR>
+                    <a:lnT w="12700" cap="flat" cmpd="sng" algn="ctr">
+                      <a:solidFill>
+                        <a:srgbClr val="A6A6A6"/>
+                      </a:solidFill>
+                      <a:prstDash val="solid"/>
+                      <a:round/>
+                      <a:headEnd type="none" w="med" len="med"/>
+                      <a:tailEnd type="none" w="med" len="med"/>
+                    </a:lnT>
+                    <a:lnB w="12700" cap="flat" cmpd="sng" algn="ctr">
+                      <a:solidFill>
+                        <a:srgbClr val="A6A6A6"/>
+                      </a:solidFill>
+                      <a:prstDash val="solid"/>
+                      <a:round/>
+                      <a:headEnd type="none" w="med" len="med"/>
+                      <a:tailEnd type="none" w="med" len="med"/>
+                    </a:lnB>
+                  </a:tcPr>
+                </a:tc>
+                <a:extLst>
+                  <a:ext uri="{0D108BD9-81ED-4DB2-BD59-A6C34878D82A}">
+                    <a16:rowId xmlns:a16="http://schemas.microsoft.com/office/drawing/2014/main" val="1562787860"/>
+                  </a:ext>
+                </a:extLst>
+              </a:tr>
+              <a:tr h="544384">
+                <a:tc>
+                  <a:txBody>
+                    <a:bodyPr/>
+                    <a:lstStyle/>
+                    <a:p>
+                      <a:pPr algn="l">
+                        <a:lnSpc>
+                          <a:spcPct val="115000"/>
+                        </a:lnSpc>
+                        <a:spcAft>
+                          <a:spcPts val="1000"/>
+                        </a:spcAft>
+                      </a:pPr>
+                      <a:r>
+                        <a:rPr lang="en-US" sz="1800" b="1">
+                          <a:effectLst/>
+                          <a:latin typeface="Cambria" panose="02040503050406030204" pitchFamily="18" charset="0"/>
+                          <a:ea typeface="MS Mincho" panose="02020609040205080304" pitchFamily="49" charset="-128"/>
+                          <a:cs typeface="Times New Roman" panose="02020603050405020304" pitchFamily="18" charset="0"/>
+                        </a:rPr>
+                        <a:t>Communication</a:t>
+                      </a:r>
+                      <a:endParaRPr lang="en-US" sz="1800">
+                        <a:effectLst/>
+                        <a:latin typeface="Calibri" panose="020F0502020204030204" pitchFamily="34" charset="0"/>
+                        <a:ea typeface="Times New Roman" panose="02020603050405020304" pitchFamily="18" charset="0"/>
+                        <a:cs typeface="Times New Roman" panose="02020603050405020304" pitchFamily="18" charset="0"/>
+                      </a:endParaRPr>
+                    </a:p>
+                  </a:txBody>
+                  <a:tcPr marL="68580" marR="68580" marT="0" marB="0" anchor="ctr">
+                    <a:lnL w="12700" cap="flat" cmpd="sng" algn="ctr">
+                      <a:solidFill>
+                        <a:srgbClr val="A6A6A6"/>
+                      </a:solidFill>
+                      <a:prstDash val="solid"/>
+                      <a:round/>
+                      <a:headEnd type="none" w="med" len="med"/>
+                      <a:tailEnd type="none" w="med" len="med"/>
+                    </a:lnL>
+                    <a:lnR w="12700" cap="flat" cmpd="sng" algn="ctr">
+                      <a:solidFill>
+                        <a:srgbClr val="A6A6A6"/>
+                      </a:solidFill>
+                      <a:prstDash val="solid"/>
+                      <a:round/>
+                      <a:headEnd type="none" w="med" len="med"/>
+                      <a:tailEnd type="none" w="med" len="med"/>
+                    </a:lnR>
+                    <a:lnT w="12700" cap="flat" cmpd="sng" algn="ctr">
+                      <a:solidFill>
+                        <a:srgbClr val="A6A6A6"/>
+                      </a:solidFill>
+                      <a:prstDash val="solid"/>
+                      <a:round/>
+                      <a:headEnd type="none" w="med" len="med"/>
+                      <a:tailEnd type="none" w="med" len="med"/>
+                    </a:lnT>
+                    <a:lnB w="12700" cap="flat" cmpd="sng" algn="ctr">
+                      <a:solidFill>
+                        <a:srgbClr val="A6A6A6"/>
+                      </a:solidFill>
+                      <a:prstDash val="solid"/>
+                      <a:round/>
+                      <a:headEnd type="none" w="med" len="med"/>
+                      <a:tailEnd type="none" w="med" len="med"/>
+                    </a:lnB>
+                    <a:solidFill>
+                      <a:srgbClr val="FFFFFF"/>
+                    </a:solidFill>
+                  </a:tcPr>
+                </a:tc>
+                <a:tc>
+                  <a:txBody>
+                    <a:bodyPr/>
+                    <a:lstStyle/>
+                    <a:p>
+                      <a:pPr algn="l">
+                        <a:lnSpc>
+                          <a:spcPct val="115000"/>
+                        </a:lnSpc>
+                        <a:spcAft>
+                          <a:spcPts val="1000"/>
+                        </a:spcAft>
+                      </a:pPr>
+                      <a:r>
+                        <a:rPr lang="en-US" sz="1800">
+                          <a:effectLst/>
+                          <a:latin typeface="Cambria" panose="02040503050406030204" pitchFamily="18" charset="0"/>
+                          <a:ea typeface="MS Mincho" panose="02020609040205080304" pitchFamily="49" charset="-128"/>
+                          <a:cs typeface="Times New Roman" panose="02020603050405020304" pitchFamily="18" charset="0"/>
+                        </a:rPr>
+                        <a:t>Bluetooth Low Energy</a:t>
+                      </a:r>
+                      <a:endParaRPr lang="en-US" sz="1800">
+                        <a:effectLst/>
+                        <a:latin typeface="Calibri" panose="020F0502020204030204" pitchFamily="34" charset="0"/>
+                        <a:ea typeface="Times New Roman" panose="02020603050405020304" pitchFamily="18" charset="0"/>
+                        <a:cs typeface="Times New Roman" panose="02020603050405020304" pitchFamily="18" charset="0"/>
+                      </a:endParaRPr>
+                    </a:p>
+                  </a:txBody>
+                  <a:tcPr marL="68580" marR="68580" marT="0" marB="0" anchor="ctr">
+                    <a:lnL w="12700" cap="flat" cmpd="sng" algn="ctr">
+                      <a:solidFill>
+                        <a:srgbClr val="A6A6A6"/>
+                      </a:solidFill>
+                      <a:prstDash val="solid"/>
+                      <a:round/>
+                      <a:headEnd type="none" w="med" len="med"/>
+                      <a:tailEnd type="none" w="med" len="med"/>
+                    </a:lnL>
+                    <a:lnR w="12700" cap="flat" cmpd="sng" algn="ctr">
+                      <a:solidFill>
+                        <a:srgbClr val="A6A6A6"/>
+                      </a:solidFill>
+                      <a:prstDash val="solid"/>
+                      <a:round/>
+                      <a:headEnd type="none" w="med" len="med"/>
+                      <a:tailEnd type="none" w="med" len="med"/>
+                    </a:lnR>
+                    <a:lnT w="12700" cap="flat" cmpd="sng" algn="ctr">
+                      <a:solidFill>
+                        <a:srgbClr val="A6A6A6"/>
+                      </a:solidFill>
+                      <a:prstDash val="solid"/>
+                      <a:round/>
+                      <a:headEnd type="none" w="med" len="med"/>
+                      <a:tailEnd type="none" w="med" len="med"/>
+                    </a:lnT>
+                    <a:lnB w="12700" cap="flat" cmpd="sng" algn="ctr">
+                      <a:solidFill>
+                        <a:srgbClr val="A6A6A6"/>
+                      </a:solidFill>
+                      <a:prstDash val="solid"/>
+                      <a:round/>
+                      <a:headEnd type="none" w="med" len="med"/>
+                      <a:tailEnd type="none" w="med" len="med"/>
+                    </a:lnB>
+                  </a:tcPr>
+                </a:tc>
+                <a:extLst>
+                  <a:ext uri="{0D108BD9-81ED-4DB2-BD59-A6C34878D82A}">
+                    <a16:rowId xmlns:a16="http://schemas.microsoft.com/office/drawing/2014/main" val="1261780128"/>
+                  </a:ext>
+                </a:extLst>
+              </a:tr>
+              <a:tr h="744465">
+                <a:tc>
+                  <a:txBody>
+                    <a:bodyPr/>
+                    <a:lstStyle/>
+                    <a:p>
+                      <a:pPr algn="l">
+                        <a:lnSpc>
+                          <a:spcPct val="115000"/>
+                        </a:lnSpc>
+                        <a:spcAft>
+                          <a:spcPts val="1000"/>
+                        </a:spcAft>
+                      </a:pPr>
+                      <a:r>
+                        <a:rPr lang="en-US" sz="1800" b="1">
+                          <a:effectLst/>
+                          <a:latin typeface="Cambria" panose="02040503050406030204" pitchFamily="18" charset="0"/>
+                          <a:ea typeface="MS Mincho" panose="02020609040205080304" pitchFamily="49" charset="-128"/>
+                          <a:cs typeface="Times New Roman" panose="02020603050405020304" pitchFamily="18" charset="0"/>
+                        </a:rPr>
+                        <a:t>Devices</a:t>
+                      </a:r>
+                      <a:endParaRPr lang="en-US" sz="1800">
+                        <a:effectLst/>
+                        <a:latin typeface="Calibri" panose="020F0502020204030204" pitchFamily="34" charset="0"/>
+                        <a:ea typeface="Times New Roman" panose="02020603050405020304" pitchFamily="18" charset="0"/>
+                        <a:cs typeface="Times New Roman" panose="02020603050405020304" pitchFamily="18" charset="0"/>
+                      </a:endParaRPr>
+                    </a:p>
+                  </a:txBody>
+                  <a:tcPr marL="68580" marR="68580" marT="0" marB="0" anchor="ctr">
+                    <a:lnL w="12700" cap="flat" cmpd="sng" algn="ctr">
+                      <a:solidFill>
+                        <a:srgbClr val="A6A6A6"/>
+                      </a:solidFill>
+                      <a:prstDash val="solid"/>
+                      <a:round/>
+                      <a:headEnd type="none" w="med" len="med"/>
+                      <a:tailEnd type="none" w="med" len="med"/>
+                    </a:lnL>
+                    <a:lnR w="12700" cap="flat" cmpd="sng" algn="ctr">
+                      <a:solidFill>
+                        <a:srgbClr val="A6A6A6"/>
+                      </a:solidFill>
+                      <a:prstDash val="solid"/>
+                      <a:round/>
+                      <a:headEnd type="none" w="med" len="med"/>
+                      <a:tailEnd type="none" w="med" len="med"/>
+                    </a:lnR>
+                    <a:lnT w="12700" cap="flat" cmpd="sng" algn="ctr">
+                      <a:solidFill>
+                        <a:srgbClr val="A6A6A6"/>
+                      </a:solidFill>
+                      <a:prstDash val="solid"/>
+                      <a:round/>
+                      <a:headEnd type="none" w="med" len="med"/>
+                      <a:tailEnd type="none" w="med" len="med"/>
+                    </a:lnT>
+                    <a:lnB w="12700" cap="flat" cmpd="sng" algn="ctr">
+                      <a:solidFill>
+                        <a:srgbClr val="A6A6A6"/>
+                      </a:solidFill>
+                      <a:prstDash val="solid"/>
+                      <a:round/>
+                      <a:headEnd type="none" w="med" len="med"/>
+                      <a:tailEnd type="none" w="med" len="med"/>
+                    </a:lnB>
+                    <a:solidFill>
+                      <a:srgbClr val="FFFFFF"/>
+                    </a:solidFill>
+                  </a:tcPr>
+                </a:tc>
+                <a:tc>
+                  <a:txBody>
+                    <a:bodyPr/>
+                    <a:lstStyle/>
+                    <a:p>
+                      <a:pPr algn="l">
+                        <a:lnSpc>
+                          <a:spcPct val="115000"/>
+                        </a:lnSpc>
+                        <a:spcAft>
+                          <a:spcPts val="1000"/>
+                        </a:spcAft>
+                      </a:pPr>
+                      <a:r>
+                        <a:rPr lang="en-US" sz="1800">
+                          <a:effectLst/>
+                          <a:latin typeface="Cambria" panose="02040503050406030204" pitchFamily="18" charset="0"/>
+                          <a:ea typeface="MS Mincho" panose="02020609040205080304" pitchFamily="49" charset="-128"/>
+                          <a:cs typeface="Times New Roman" panose="02020603050405020304" pitchFamily="18" charset="0"/>
+                        </a:rPr>
+                        <a:t>- Battery</a:t>
+                      </a:r>
+                      <a:endParaRPr lang="en-US" sz="1800">
+                        <a:effectLst/>
+                        <a:latin typeface="Calibri" panose="020F0502020204030204" pitchFamily="34" charset="0"/>
+                        <a:ea typeface="Times New Roman" panose="02020603050405020304" pitchFamily="18" charset="0"/>
+                        <a:cs typeface="Times New Roman" panose="02020603050405020304" pitchFamily="18" charset="0"/>
+                      </a:endParaRPr>
+                    </a:p>
+                    <a:p>
+                      <a:pPr algn="l">
+                        <a:lnSpc>
+                          <a:spcPct val="115000"/>
+                        </a:lnSpc>
+                        <a:spcAft>
+                          <a:spcPts val="1000"/>
+                        </a:spcAft>
+                      </a:pPr>
+                      <a:r>
+                        <a:rPr lang="en-US" sz="1800">
+                          <a:effectLst/>
+                          <a:latin typeface="Cambria" panose="02040503050406030204" pitchFamily="18" charset="0"/>
+                          <a:ea typeface="MS Mincho" panose="02020609040205080304" pitchFamily="49" charset="-128"/>
+                          <a:cs typeface="Times New Roman" panose="02020603050405020304" pitchFamily="18" charset="0"/>
+                        </a:rPr>
+                        <a:t>- Reset button</a:t>
+                      </a:r>
+                      <a:endParaRPr lang="en-US" sz="1800">
+                        <a:effectLst/>
+                        <a:latin typeface="Calibri" panose="020F0502020204030204" pitchFamily="34" charset="0"/>
+                        <a:ea typeface="Times New Roman" panose="02020603050405020304" pitchFamily="18" charset="0"/>
+                        <a:cs typeface="Times New Roman" panose="02020603050405020304" pitchFamily="18" charset="0"/>
+                      </a:endParaRPr>
+                    </a:p>
+                  </a:txBody>
+                  <a:tcPr marL="68580" marR="68580" marT="0" marB="0" anchor="ctr">
+                    <a:lnL w="12700" cap="flat" cmpd="sng" algn="ctr">
+                      <a:solidFill>
+                        <a:srgbClr val="A6A6A6"/>
+                      </a:solidFill>
+                      <a:prstDash val="solid"/>
+                      <a:round/>
+                      <a:headEnd type="none" w="med" len="med"/>
+                      <a:tailEnd type="none" w="med" len="med"/>
+                    </a:lnL>
+                    <a:lnR w="12700" cap="flat" cmpd="sng" algn="ctr">
+                      <a:solidFill>
+                        <a:srgbClr val="A6A6A6"/>
+                      </a:solidFill>
+                      <a:prstDash val="solid"/>
+                      <a:round/>
+                      <a:headEnd type="none" w="med" len="med"/>
+                      <a:tailEnd type="none" w="med" len="med"/>
+                    </a:lnR>
+                    <a:lnT w="12700" cap="flat" cmpd="sng" algn="ctr">
+                      <a:solidFill>
+                        <a:srgbClr val="A6A6A6"/>
+                      </a:solidFill>
+                      <a:prstDash val="solid"/>
+                      <a:round/>
+                      <a:headEnd type="none" w="med" len="med"/>
+                      <a:tailEnd type="none" w="med" len="med"/>
+                    </a:lnT>
+                    <a:lnB w="12700" cap="flat" cmpd="sng" algn="ctr">
+                      <a:solidFill>
+                        <a:srgbClr val="A6A6A6"/>
+                      </a:solidFill>
+                      <a:prstDash val="solid"/>
+                      <a:round/>
+                      <a:headEnd type="none" w="med" len="med"/>
+                      <a:tailEnd type="none" w="med" len="med"/>
+                    </a:lnB>
+                  </a:tcPr>
+                </a:tc>
+                <a:extLst>
+                  <a:ext uri="{0D108BD9-81ED-4DB2-BD59-A6C34878D82A}">
+                    <a16:rowId xmlns:a16="http://schemas.microsoft.com/office/drawing/2014/main" val="2092954722"/>
+                  </a:ext>
+                </a:extLst>
+              </a:tr>
+              <a:tr h="544384">
+                <a:tc>
+                  <a:txBody>
+                    <a:bodyPr/>
+                    <a:lstStyle/>
+                    <a:p>
+                      <a:pPr algn="l">
+                        <a:lnSpc>
+                          <a:spcPct val="115000"/>
+                        </a:lnSpc>
+                        <a:spcAft>
+                          <a:spcPts val="1000"/>
+                        </a:spcAft>
+                      </a:pPr>
+                      <a:r>
+                        <a:rPr lang="en-US" sz="1800" b="1">
+                          <a:effectLst/>
+                          <a:latin typeface="Cambria" panose="02040503050406030204" pitchFamily="18" charset="0"/>
+                          <a:ea typeface="MS Mincho" panose="02020609040205080304" pitchFamily="49" charset="-128"/>
+                          <a:cs typeface="Times New Roman" panose="02020603050405020304" pitchFamily="18" charset="0"/>
+                        </a:rPr>
+                        <a:t>Power source </a:t>
+                      </a:r>
+                      <a:endParaRPr lang="en-US" sz="1800">
+                        <a:effectLst/>
+                        <a:latin typeface="Calibri" panose="020F0502020204030204" pitchFamily="34" charset="0"/>
+                        <a:ea typeface="Times New Roman" panose="02020603050405020304" pitchFamily="18" charset="0"/>
+                        <a:cs typeface="Times New Roman" panose="02020603050405020304" pitchFamily="18" charset="0"/>
+                      </a:endParaRPr>
+                    </a:p>
+                  </a:txBody>
+                  <a:tcPr marL="68580" marR="68580" marT="0" marB="0" anchor="ctr">
+                    <a:lnL w="12700" cap="flat" cmpd="sng" algn="ctr">
+                      <a:solidFill>
+                        <a:srgbClr val="A6A6A6"/>
+                      </a:solidFill>
+                      <a:prstDash val="solid"/>
+                      <a:round/>
+                      <a:headEnd type="none" w="med" len="med"/>
+                      <a:tailEnd type="none" w="med" len="med"/>
+                    </a:lnL>
+                    <a:lnR w="12700" cap="flat" cmpd="sng" algn="ctr">
+                      <a:solidFill>
+                        <a:srgbClr val="A6A6A6"/>
+                      </a:solidFill>
+                      <a:prstDash val="solid"/>
+                      <a:round/>
+                      <a:headEnd type="none" w="med" len="med"/>
+                      <a:tailEnd type="none" w="med" len="med"/>
+                    </a:lnR>
+                    <a:lnT w="12700" cap="flat" cmpd="sng" algn="ctr">
+                      <a:solidFill>
+                        <a:srgbClr val="A6A6A6"/>
+                      </a:solidFill>
+                      <a:prstDash val="solid"/>
+                      <a:round/>
+                      <a:headEnd type="none" w="med" len="med"/>
+                      <a:tailEnd type="none" w="med" len="med"/>
+                    </a:lnT>
+                    <a:lnB w="12700" cap="flat" cmpd="sng" algn="ctr">
+                      <a:solidFill>
+                        <a:srgbClr val="A6A6A6"/>
+                      </a:solidFill>
+                      <a:prstDash val="solid"/>
+                      <a:round/>
+                      <a:headEnd type="none" w="med" len="med"/>
+                      <a:tailEnd type="none" w="med" len="med"/>
+                    </a:lnB>
+                    <a:solidFill>
+                      <a:srgbClr val="FFFFFF"/>
+                    </a:solidFill>
+                  </a:tcPr>
+                </a:tc>
+                <a:tc>
+                  <a:txBody>
+                    <a:bodyPr/>
+                    <a:lstStyle/>
+                    <a:p>
+                      <a:pPr algn="l">
+                        <a:lnSpc>
+                          <a:spcPct val="115000"/>
+                        </a:lnSpc>
+                        <a:spcAft>
+                          <a:spcPts val="1000"/>
+                        </a:spcAft>
+                      </a:pPr>
+                      <a:r>
+                        <a:rPr lang="en-US" sz="1800" dirty="0">
+                          <a:effectLst/>
+                          <a:latin typeface="Cambria" panose="02040503050406030204" pitchFamily="18" charset="0"/>
+                          <a:ea typeface="MS Mincho" panose="02020609040205080304" pitchFamily="49" charset="-128"/>
+                          <a:cs typeface="Times New Roman" panose="02020603050405020304" pitchFamily="18" charset="0"/>
+                        </a:rPr>
+                        <a:t>Sony CMOS BR2325 Battery 3.3V</a:t>
+                      </a:r>
+                      <a:endParaRPr lang="en-US" sz="1800" dirty="0">
+                        <a:effectLst/>
+                        <a:latin typeface="Calibri" panose="020F0502020204030204" pitchFamily="34" charset="0"/>
+                        <a:ea typeface="Times New Roman" panose="02020603050405020304" pitchFamily="18" charset="0"/>
+                        <a:cs typeface="Times New Roman" panose="02020603050405020304" pitchFamily="18" charset="0"/>
+                      </a:endParaRPr>
+                    </a:p>
+                  </a:txBody>
+                  <a:tcPr marL="68580" marR="68580" marT="0" marB="0" anchor="ctr">
+                    <a:lnL w="12700" cap="flat" cmpd="sng" algn="ctr">
+                      <a:solidFill>
+                        <a:srgbClr val="A6A6A6"/>
+                      </a:solidFill>
+                      <a:prstDash val="solid"/>
+                      <a:round/>
+                      <a:headEnd type="none" w="med" len="med"/>
+                      <a:tailEnd type="none" w="med" len="med"/>
+                    </a:lnL>
+                    <a:lnR w="12700" cap="flat" cmpd="sng" algn="ctr">
+                      <a:solidFill>
+                        <a:srgbClr val="A6A6A6"/>
+                      </a:solidFill>
+                      <a:prstDash val="solid"/>
+                      <a:round/>
+                      <a:headEnd type="none" w="med" len="med"/>
+                      <a:tailEnd type="none" w="med" len="med"/>
+                    </a:lnR>
+                    <a:lnT w="12700" cap="flat" cmpd="sng" algn="ctr">
+                      <a:solidFill>
+                        <a:srgbClr val="A6A6A6"/>
+                      </a:solidFill>
+                      <a:prstDash val="solid"/>
+                      <a:round/>
+                      <a:headEnd type="none" w="med" len="med"/>
+                      <a:tailEnd type="none" w="med" len="med"/>
+                    </a:lnT>
+                    <a:lnB w="12700" cap="flat" cmpd="sng" algn="ctr">
+                      <a:solidFill>
+                        <a:srgbClr val="A6A6A6"/>
+                      </a:solidFill>
+                      <a:prstDash val="solid"/>
+                      <a:round/>
+                      <a:headEnd type="none" w="med" len="med"/>
+                      <a:tailEnd type="none" w="med" len="med"/>
+                    </a:lnB>
+                  </a:tcPr>
+                </a:tc>
+                <a:extLst>
+                  <a:ext uri="{0D108BD9-81ED-4DB2-BD59-A6C34878D82A}">
+                    <a16:rowId xmlns:a16="http://schemas.microsoft.com/office/drawing/2014/main" val="3253840463"/>
+                  </a:ext>
+                </a:extLst>
+              </a:tr>
+            </a:tbl>
+          </a:graphicData>
+        </a:graphic>
+      </p:graphicFrame>
     </p:spTree>
     <p:extLst>
       <p:ext uri="{BB962C8B-B14F-4D97-AF65-F5344CB8AC3E}">
-        <p14:creationId xmlns:p14="http://schemas.microsoft.com/office/powerpoint/2010/main" val="3059624565"/>
+        <p14:creationId xmlns:p14="http://schemas.microsoft.com/office/powerpoint/2010/main" val="1200611615"/>
+      </p:ext>
+    </p:extLst>
+  </p:cSld>
+  <p:clrMapOvr>
+    <a:masterClrMapping/>
+  </p:clrMapOvr>
+</p:sld>
+</file>
+
+<file path=ppt/slides/slide8.xml><?xml version="1.0" encoding="utf-8"?>
+<p:sld xmlns:a="http://schemas.openxmlformats.org/drawingml/2006/main" xmlns:r="http://schemas.openxmlformats.org/officeDocument/2006/relationships" xmlns:p="http://schemas.openxmlformats.org/presentationml/2006/main">
+  <p:cSld>
+    <p:spTree>
+      <p:nvGrpSpPr>
+        <p:cNvPr id="1" name=""/>
+        <p:cNvGrpSpPr/>
+        <p:nvPr/>
+      </p:nvGrpSpPr>
+      <p:grpSpPr>
+        <a:xfrm>
+          <a:off x="0" y="0"/>
+          <a:ext cx="0" cy="0"/>
+          <a:chOff x="0" y="0"/>
+          <a:chExt cx="0" cy="0"/>
+        </a:xfrm>
+      </p:grpSpPr>
+      <p:sp>
+        <p:nvSpPr>
+          <p:cNvPr id="2" name="Title 1">
+            <a:extLst>
+              <a:ext uri="{FF2B5EF4-FFF2-40B4-BE49-F238E27FC236}">
+                <a16:creationId xmlns:a16="http://schemas.microsoft.com/office/drawing/2014/main" id="{710B0FB4-8417-45AE-9239-6B50E03BFAB7}"/>
+              </a:ext>
+            </a:extLst>
+          </p:cNvPr>
+          <p:cNvSpPr>
+            <a:spLocks noGrp="1"/>
+          </p:cNvSpPr>
+          <p:nvPr>
+            <p:ph type="title"/>
+          </p:nvPr>
+        </p:nvSpPr>
+        <p:spPr/>
+        <p:txBody>
+          <a:bodyPr/>
+          <a:lstStyle/>
+          <a:p>
+            <a:r>
+              <a:rPr lang="en-US" dirty="0"/>
+              <a:t>Problem Definition</a:t>
+            </a:r>
+            <a:br>
+              <a:rPr lang="en-US" dirty="0"/>
+            </a:br>
+            <a:endParaRPr lang="en-US" dirty="0"/>
+          </a:p>
+        </p:txBody>
+      </p:sp>
+      <p:sp>
+        <p:nvSpPr>
+          <p:cNvPr id="3" name="Content Placeholder 2">
+            <a:extLst>
+              <a:ext uri="{FF2B5EF4-FFF2-40B4-BE49-F238E27FC236}">
+                <a16:creationId xmlns:a16="http://schemas.microsoft.com/office/drawing/2014/main" id="{D580ED7E-0614-403D-A3C5-6790F9781260}"/>
+              </a:ext>
+            </a:extLst>
+          </p:cNvPr>
+          <p:cNvSpPr>
+            <a:spLocks noGrp="1"/>
+          </p:cNvSpPr>
+          <p:nvPr>
+            <p:ph idx="1"/>
+          </p:nvPr>
+        </p:nvSpPr>
+        <p:spPr/>
+        <p:txBody>
+          <a:bodyPr/>
+          <a:lstStyle/>
+          <a:p>
+            <a:pPr lvl="1"/>
+            <a:r>
+              <a:rPr lang="en-US" dirty="0"/>
+              <a:t>For activate devices:</a:t>
+            </a:r>
+          </a:p>
+          <a:p>
+            <a:endParaRPr lang="en-US" dirty="0"/>
+          </a:p>
+        </p:txBody>
+      </p:sp>
+      <p:graphicFrame>
+        <p:nvGraphicFramePr>
+          <p:cNvPr id="4" name="Table 3">
+            <a:extLst>
+              <a:ext uri="{FF2B5EF4-FFF2-40B4-BE49-F238E27FC236}">
+                <a16:creationId xmlns:a16="http://schemas.microsoft.com/office/drawing/2014/main" id="{FAACB180-F63C-49A8-948C-2B27E350E010}"/>
+              </a:ext>
+            </a:extLst>
+          </p:cNvPr>
+          <p:cNvGraphicFramePr>
+            <a:graphicFrameLocks noGrp="1"/>
+          </p:cNvGraphicFramePr>
+          <p:nvPr>
+            <p:extLst>
+              <p:ext uri="{D42A27DB-BD31-4B8C-83A1-F6EECF244321}">
+                <p14:modId xmlns:p14="http://schemas.microsoft.com/office/powerpoint/2010/main" val="1061993543"/>
+              </p:ext>
+            </p:extLst>
+          </p:nvPr>
+        </p:nvGraphicFramePr>
+        <p:xfrm>
+          <a:off x="677334" y="2526661"/>
+          <a:ext cx="8596668" cy="3880772"/>
+        </p:xfrm>
+        <a:graphic>
+          <a:graphicData uri="http://schemas.openxmlformats.org/drawingml/2006/table">
+            <a:tbl>
+              <a:tblPr firstRow="1" firstCol="1" bandRow="1"/>
+              <a:tblGrid>
+                <a:gridCol w="4314011">
+                  <a:extLst>
+                    <a:ext uri="{9D8B030D-6E8A-4147-A177-3AD203B41FA5}">
+                      <a16:colId xmlns:a16="http://schemas.microsoft.com/office/drawing/2014/main" val="2592730083"/>
+                    </a:ext>
+                  </a:extLst>
+                </a:gridCol>
+                <a:gridCol w="4282657">
+                  <a:extLst>
+                    <a:ext uri="{9D8B030D-6E8A-4147-A177-3AD203B41FA5}">
+                      <a16:colId xmlns:a16="http://schemas.microsoft.com/office/drawing/2014/main" val="3465088947"/>
+                    </a:ext>
+                  </a:extLst>
+                </a:gridCol>
+              </a:tblGrid>
+              <a:tr h="621735">
+                <a:tc>
+                  <a:txBody>
+                    <a:bodyPr/>
+                    <a:lstStyle/>
+                    <a:p>
+                      <a:pPr algn="ctr">
+                        <a:lnSpc>
+                          <a:spcPct val="115000"/>
+                        </a:lnSpc>
+                        <a:spcAft>
+                          <a:spcPts val="1000"/>
+                        </a:spcAft>
+                      </a:pPr>
+                      <a:r>
+                        <a:rPr lang="en-US" sz="1800" b="1" dirty="0">
+                          <a:solidFill>
+                            <a:srgbClr val="FFFFFF"/>
+                          </a:solidFill>
+                          <a:effectLst/>
+                          <a:latin typeface="Cambria" panose="02040503050406030204" pitchFamily="18" charset="0"/>
+                          <a:ea typeface="MS Mincho" panose="02020609040205080304" pitchFamily="49" charset="-128"/>
+                          <a:cs typeface="Times New Roman" panose="02020603050405020304" pitchFamily="18" charset="0"/>
+                        </a:rPr>
+                        <a:t>Component</a:t>
+                      </a:r>
+                      <a:endParaRPr lang="en-US" sz="1800" dirty="0">
+                        <a:effectLst/>
+                        <a:latin typeface="Calibri" panose="020F0502020204030204" pitchFamily="34" charset="0"/>
+                        <a:ea typeface="Times New Roman" panose="02020603050405020304" pitchFamily="18" charset="0"/>
+                        <a:cs typeface="Times New Roman" panose="02020603050405020304" pitchFamily="18" charset="0"/>
+                      </a:endParaRPr>
+                    </a:p>
+                  </a:txBody>
+                  <a:tcPr marL="68580" marR="68580" marT="0" marB="0" anchor="ctr">
+                    <a:lnL w="12700" cap="flat" cmpd="sng" algn="ctr">
+                      <a:solidFill>
+                        <a:srgbClr val="A6A6A6"/>
+                      </a:solidFill>
+                      <a:prstDash val="solid"/>
+                      <a:round/>
+                      <a:headEnd type="none" w="med" len="med"/>
+                      <a:tailEnd type="none" w="med" len="med"/>
+                    </a:lnL>
+                    <a:lnR w="12700" cap="flat" cmpd="sng" algn="ctr">
+                      <a:solidFill>
+                        <a:srgbClr val="A6A6A6"/>
+                      </a:solidFill>
+                      <a:prstDash val="solid"/>
+                      <a:round/>
+                      <a:headEnd type="none" w="med" len="med"/>
+                      <a:tailEnd type="none" w="med" len="med"/>
+                    </a:lnR>
+                    <a:lnT w="12700" cap="flat" cmpd="sng" algn="ctr">
+                      <a:solidFill>
+                        <a:srgbClr val="A6A6A6"/>
+                      </a:solidFill>
+                      <a:prstDash val="solid"/>
+                      <a:round/>
+                      <a:headEnd type="none" w="med" len="med"/>
+                      <a:tailEnd type="none" w="med" len="med"/>
+                    </a:lnT>
+                    <a:lnB w="12700" cap="flat" cmpd="sng" algn="ctr">
+                      <a:solidFill>
+                        <a:srgbClr val="4F81BD"/>
+                      </a:solidFill>
+                      <a:prstDash val="solid"/>
+                      <a:round/>
+                      <a:headEnd type="none" w="med" len="med"/>
+                      <a:tailEnd type="none" w="med" len="med"/>
+                    </a:lnB>
+                    <a:solidFill>
+                      <a:srgbClr val="A6A6A6"/>
+                    </a:solidFill>
+                  </a:tcPr>
+                </a:tc>
+                <a:tc>
+                  <a:txBody>
+                    <a:bodyPr/>
+                    <a:lstStyle/>
+                    <a:p>
+                      <a:pPr algn="ctr">
+                        <a:lnSpc>
+                          <a:spcPct val="115000"/>
+                        </a:lnSpc>
+                        <a:spcAft>
+                          <a:spcPts val="1000"/>
+                        </a:spcAft>
+                      </a:pPr>
+                      <a:r>
+                        <a:rPr lang="en-US" sz="1800" b="1">
+                          <a:solidFill>
+                            <a:srgbClr val="FFFFFF"/>
+                          </a:solidFill>
+                          <a:effectLst/>
+                          <a:latin typeface="Cambria" panose="02040503050406030204" pitchFamily="18" charset="0"/>
+                          <a:ea typeface="MS Mincho" panose="02020609040205080304" pitchFamily="49" charset="-128"/>
+                          <a:cs typeface="Times New Roman" panose="02020603050405020304" pitchFamily="18" charset="0"/>
+                        </a:rPr>
+                        <a:t>Hardware</a:t>
+                      </a:r>
+                      <a:endParaRPr lang="en-US" sz="1800">
+                        <a:effectLst/>
+                        <a:latin typeface="Calibri" panose="020F0502020204030204" pitchFamily="34" charset="0"/>
+                        <a:ea typeface="Times New Roman" panose="02020603050405020304" pitchFamily="18" charset="0"/>
+                        <a:cs typeface="Times New Roman" panose="02020603050405020304" pitchFamily="18" charset="0"/>
+                      </a:endParaRPr>
+                    </a:p>
+                  </a:txBody>
+                  <a:tcPr marL="68580" marR="68580" marT="0" marB="0" anchor="ctr">
+                    <a:lnL w="12700" cap="flat" cmpd="sng" algn="ctr">
+                      <a:solidFill>
+                        <a:srgbClr val="A6A6A6"/>
+                      </a:solidFill>
+                      <a:prstDash val="solid"/>
+                      <a:round/>
+                      <a:headEnd type="none" w="med" len="med"/>
+                      <a:tailEnd type="none" w="med" len="med"/>
+                    </a:lnL>
+                    <a:lnR w="12700" cap="flat" cmpd="sng" algn="ctr">
+                      <a:solidFill>
+                        <a:srgbClr val="A6A6A6"/>
+                      </a:solidFill>
+                      <a:prstDash val="solid"/>
+                      <a:round/>
+                      <a:headEnd type="none" w="med" len="med"/>
+                      <a:tailEnd type="none" w="med" len="med"/>
+                    </a:lnR>
+                    <a:lnT w="12700" cap="flat" cmpd="sng" algn="ctr">
+                      <a:solidFill>
+                        <a:srgbClr val="A6A6A6"/>
+                      </a:solidFill>
+                      <a:prstDash val="solid"/>
+                      <a:round/>
+                      <a:headEnd type="none" w="med" len="med"/>
+                      <a:tailEnd type="none" w="med" len="med"/>
+                    </a:lnT>
+                    <a:lnB w="12700" cap="flat" cmpd="sng" algn="ctr">
+                      <a:solidFill>
+                        <a:srgbClr val="A6A6A6"/>
+                      </a:solidFill>
+                      <a:prstDash val="solid"/>
+                      <a:round/>
+                      <a:headEnd type="none" w="med" len="med"/>
+                      <a:tailEnd type="none" w="med" len="med"/>
+                    </a:lnB>
+                    <a:solidFill>
+                      <a:srgbClr val="A6A6A6"/>
+                    </a:solidFill>
+                  </a:tcPr>
+                </a:tc>
+                <a:extLst>
+                  <a:ext uri="{0D108BD9-81ED-4DB2-BD59-A6C34878D82A}">
+                    <a16:rowId xmlns:a16="http://schemas.microsoft.com/office/drawing/2014/main" val="3569638749"/>
+                  </a:ext>
+                </a:extLst>
+              </a:tr>
+              <a:tr h="621735">
+                <a:tc>
+                  <a:txBody>
+                    <a:bodyPr/>
+                    <a:lstStyle/>
+                    <a:p>
+                      <a:pPr algn="l">
+                        <a:lnSpc>
+                          <a:spcPct val="115000"/>
+                        </a:lnSpc>
+                        <a:spcAft>
+                          <a:spcPts val="1000"/>
+                        </a:spcAft>
+                      </a:pPr>
+                      <a:r>
+                        <a:rPr lang="en-US" sz="1800" b="1" dirty="0">
+                          <a:effectLst/>
+                          <a:latin typeface="Cambria" panose="02040503050406030204" pitchFamily="18" charset="0"/>
+                          <a:ea typeface="MS Mincho" panose="02020609040205080304" pitchFamily="49" charset="-128"/>
+                          <a:cs typeface="Times New Roman" panose="02020603050405020304" pitchFamily="18" charset="0"/>
+                        </a:rPr>
+                        <a:t>Mainboard</a:t>
+                      </a:r>
+                      <a:endParaRPr lang="en-US" sz="1800" dirty="0">
+                        <a:effectLst/>
+                        <a:latin typeface="Calibri" panose="020F0502020204030204" pitchFamily="34" charset="0"/>
+                        <a:ea typeface="Times New Roman" panose="02020603050405020304" pitchFamily="18" charset="0"/>
+                        <a:cs typeface="Times New Roman" panose="02020603050405020304" pitchFamily="18" charset="0"/>
+                      </a:endParaRPr>
+                    </a:p>
+                  </a:txBody>
+                  <a:tcPr marL="68580" marR="68580" marT="0" marB="0" anchor="ctr">
+                    <a:lnL w="12700" cap="flat" cmpd="sng" algn="ctr">
+                      <a:solidFill>
+                        <a:srgbClr val="A6A6A6"/>
+                      </a:solidFill>
+                      <a:prstDash val="solid"/>
+                      <a:round/>
+                      <a:headEnd type="none" w="med" len="med"/>
+                      <a:tailEnd type="none" w="med" len="med"/>
+                    </a:lnL>
+                    <a:lnR w="12700" cap="flat" cmpd="sng" algn="ctr">
+                      <a:solidFill>
+                        <a:srgbClr val="A6A6A6"/>
+                      </a:solidFill>
+                      <a:prstDash val="solid"/>
+                      <a:round/>
+                      <a:headEnd type="none" w="med" len="med"/>
+                      <a:tailEnd type="none" w="med" len="med"/>
+                    </a:lnR>
+                    <a:lnT w="12700" cap="flat" cmpd="sng" algn="ctr">
+                      <a:solidFill>
+                        <a:srgbClr val="4F81BD"/>
+                      </a:solidFill>
+                      <a:prstDash val="solid"/>
+                      <a:round/>
+                      <a:headEnd type="none" w="med" len="med"/>
+                      <a:tailEnd type="none" w="med" len="med"/>
+                    </a:lnT>
+                    <a:lnB w="12700" cap="flat" cmpd="sng" algn="ctr">
+                      <a:solidFill>
+                        <a:srgbClr val="4F81BD"/>
+                      </a:solidFill>
+                      <a:prstDash val="solid"/>
+                      <a:round/>
+                      <a:headEnd type="none" w="med" len="med"/>
+                      <a:tailEnd type="none" w="med" len="med"/>
+                    </a:lnB>
+                    <a:solidFill>
+                      <a:srgbClr val="FFFFFF"/>
+                    </a:solidFill>
+                  </a:tcPr>
+                </a:tc>
+                <a:tc>
+                  <a:txBody>
+                    <a:bodyPr/>
+                    <a:lstStyle/>
+                    <a:p>
+                      <a:pPr algn="l">
+                        <a:lnSpc>
+                          <a:spcPct val="115000"/>
+                        </a:lnSpc>
+                        <a:spcAft>
+                          <a:spcPts val="1000"/>
+                        </a:spcAft>
+                      </a:pPr>
+                      <a:r>
+                        <a:rPr lang="en-US" sz="1800">
+                          <a:effectLst/>
+                          <a:latin typeface="Cambria" panose="02040503050406030204" pitchFamily="18" charset="0"/>
+                          <a:ea typeface="MS Mincho" panose="02020609040205080304" pitchFamily="49" charset="-128"/>
+                          <a:cs typeface="Times New Roman" panose="02020603050405020304" pitchFamily="18" charset="0"/>
+                        </a:rPr>
+                        <a:t>BTracking active V1</a:t>
+                      </a:r>
+                      <a:endParaRPr lang="en-US" sz="1800">
+                        <a:effectLst/>
+                        <a:latin typeface="Calibri" panose="020F0502020204030204" pitchFamily="34" charset="0"/>
+                        <a:ea typeface="Times New Roman" panose="02020603050405020304" pitchFamily="18" charset="0"/>
+                        <a:cs typeface="Times New Roman" panose="02020603050405020304" pitchFamily="18" charset="0"/>
+                      </a:endParaRPr>
+                    </a:p>
+                  </a:txBody>
+                  <a:tcPr marL="68580" marR="68580" marT="0" marB="0" anchor="ctr">
+                    <a:lnL w="12700" cap="flat" cmpd="sng" algn="ctr">
+                      <a:solidFill>
+                        <a:srgbClr val="A6A6A6"/>
+                      </a:solidFill>
+                      <a:prstDash val="solid"/>
+                      <a:round/>
+                      <a:headEnd type="none" w="med" len="med"/>
+                      <a:tailEnd type="none" w="med" len="med"/>
+                    </a:lnL>
+                    <a:lnR w="12700" cap="flat" cmpd="sng" algn="ctr">
+                      <a:solidFill>
+                        <a:srgbClr val="A6A6A6"/>
+                      </a:solidFill>
+                      <a:prstDash val="solid"/>
+                      <a:round/>
+                      <a:headEnd type="none" w="med" len="med"/>
+                      <a:tailEnd type="none" w="med" len="med"/>
+                    </a:lnR>
+                    <a:lnT w="12700" cap="flat" cmpd="sng" algn="ctr">
+                      <a:solidFill>
+                        <a:srgbClr val="A6A6A6"/>
+                      </a:solidFill>
+                      <a:prstDash val="solid"/>
+                      <a:round/>
+                      <a:headEnd type="none" w="med" len="med"/>
+                      <a:tailEnd type="none" w="med" len="med"/>
+                    </a:lnT>
+                    <a:lnB w="12700" cap="flat" cmpd="sng" algn="ctr">
+                      <a:solidFill>
+                        <a:srgbClr val="4F81BD"/>
+                      </a:solidFill>
+                      <a:prstDash val="solid"/>
+                      <a:round/>
+                      <a:headEnd type="none" w="med" len="med"/>
+                      <a:tailEnd type="none" w="med" len="med"/>
+                    </a:lnB>
+                  </a:tcPr>
+                </a:tc>
+                <a:extLst>
+                  <a:ext uri="{0D108BD9-81ED-4DB2-BD59-A6C34878D82A}">
+                    <a16:rowId xmlns:a16="http://schemas.microsoft.com/office/drawing/2014/main" val="662920205"/>
+                  </a:ext>
+                </a:extLst>
+              </a:tr>
+              <a:tr h="621735">
+                <a:tc>
+                  <a:txBody>
+                    <a:bodyPr/>
+                    <a:lstStyle/>
+                    <a:p>
+                      <a:pPr algn="l">
+                        <a:lnSpc>
+                          <a:spcPct val="115000"/>
+                        </a:lnSpc>
+                        <a:spcAft>
+                          <a:spcPts val="1000"/>
+                        </a:spcAft>
+                      </a:pPr>
+                      <a:r>
+                        <a:rPr lang="en-US" sz="1800" b="1" dirty="0">
+                          <a:effectLst/>
+                          <a:latin typeface="Cambria" panose="02040503050406030204" pitchFamily="18" charset="0"/>
+                          <a:ea typeface="MS Mincho" panose="02020609040205080304" pitchFamily="49" charset="-128"/>
+                          <a:cs typeface="Times New Roman" panose="02020603050405020304" pitchFamily="18" charset="0"/>
+                        </a:rPr>
+                        <a:t>Communication</a:t>
+                      </a:r>
+                      <a:endParaRPr lang="en-US" sz="1800" dirty="0">
+                        <a:effectLst/>
+                        <a:latin typeface="Calibri" panose="020F0502020204030204" pitchFamily="34" charset="0"/>
+                        <a:ea typeface="Times New Roman" panose="02020603050405020304" pitchFamily="18" charset="0"/>
+                        <a:cs typeface="Times New Roman" panose="02020603050405020304" pitchFamily="18" charset="0"/>
+                      </a:endParaRPr>
+                    </a:p>
+                  </a:txBody>
+                  <a:tcPr marL="68580" marR="68580" marT="0" marB="0" anchor="ctr">
+                    <a:lnL w="12700" cap="flat" cmpd="sng" algn="ctr">
+                      <a:solidFill>
+                        <a:srgbClr val="A6A6A6"/>
+                      </a:solidFill>
+                      <a:prstDash val="solid"/>
+                      <a:round/>
+                      <a:headEnd type="none" w="med" len="med"/>
+                      <a:tailEnd type="none" w="med" len="med"/>
+                    </a:lnL>
+                    <a:lnR w="12700" cap="flat" cmpd="sng" algn="ctr">
+                      <a:solidFill>
+                        <a:srgbClr val="A6A6A6"/>
+                      </a:solidFill>
+                      <a:prstDash val="solid"/>
+                      <a:round/>
+                      <a:headEnd type="none" w="med" len="med"/>
+                      <a:tailEnd type="none" w="med" len="med"/>
+                    </a:lnR>
+                    <a:lnT w="12700" cap="flat" cmpd="sng" algn="ctr">
+                      <a:solidFill>
+                        <a:srgbClr val="4F81BD"/>
+                      </a:solidFill>
+                      <a:prstDash val="solid"/>
+                      <a:round/>
+                      <a:headEnd type="none" w="med" len="med"/>
+                      <a:tailEnd type="none" w="med" len="med"/>
+                    </a:lnT>
+                    <a:lnB w="12700" cap="flat" cmpd="sng" algn="ctr">
+                      <a:solidFill>
+                        <a:srgbClr val="A6A6A6"/>
+                      </a:solidFill>
+                      <a:prstDash val="solid"/>
+                      <a:round/>
+                      <a:headEnd type="none" w="med" len="med"/>
+                      <a:tailEnd type="none" w="med" len="med"/>
+                    </a:lnB>
+                    <a:solidFill>
+                      <a:srgbClr val="FFFFFF"/>
+                    </a:solidFill>
+                  </a:tcPr>
+                </a:tc>
+                <a:tc>
+                  <a:txBody>
+                    <a:bodyPr/>
+                    <a:lstStyle/>
+                    <a:p>
+                      <a:pPr algn="l">
+                        <a:lnSpc>
+                          <a:spcPct val="115000"/>
+                        </a:lnSpc>
+                        <a:spcAft>
+                          <a:spcPts val="1000"/>
+                        </a:spcAft>
+                      </a:pPr>
+                      <a:r>
+                        <a:rPr lang="en-US" sz="1800">
+                          <a:effectLst/>
+                          <a:latin typeface="Cambria" panose="02040503050406030204" pitchFamily="18" charset="0"/>
+                          <a:ea typeface="MS Mincho" panose="02020609040205080304" pitchFamily="49" charset="-128"/>
+                          <a:cs typeface="Times New Roman" panose="02020603050405020304" pitchFamily="18" charset="0"/>
+                        </a:rPr>
+                        <a:t>Wifi and Bluetooth Low Energy</a:t>
+                      </a:r>
+                      <a:endParaRPr lang="en-US" sz="1800">
+                        <a:effectLst/>
+                        <a:latin typeface="Calibri" panose="020F0502020204030204" pitchFamily="34" charset="0"/>
+                        <a:ea typeface="Times New Roman" panose="02020603050405020304" pitchFamily="18" charset="0"/>
+                        <a:cs typeface="Times New Roman" panose="02020603050405020304" pitchFamily="18" charset="0"/>
+                      </a:endParaRPr>
+                    </a:p>
+                  </a:txBody>
+                  <a:tcPr marL="68580" marR="68580" marT="0" marB="0" anchor="ctr">
+                    <a:lnL w="12700" cap="flat" cmpd="sng" algn="ctr">
+                      <a:solidFill>
+                        <a:srgbClr val="A6A6A6"/>
+                      </a:solidFill>
+                      <a:prstDash val="solid"/>
+                      <a:round/>
+                      <a:headEnd type="none" w="med" len="med"/>
+                      <a:tailEnd type="none" w="med" len="med"/>
+                    </a:lnL>
+                    <a:lnR w="12700" cap="flat" cmpd="sng" algn="ctr">
+                      <a:solidFill>
+                        <a:srgbClr val="A6A6A6"/>
+                      </a:solidFill>
+                      <a:prstDash val="solid"/>
+                      <a:round/>
+                      <a:headEnd type="none" w="med" len="med"/>
+                      <a:tailEnd type="none" w="med" len="med"/>
+                    </a:lnR>
+                    <a:lnT w="12700" cap="flat" cmpd="sng" algn="ctr">
+                      <a:solidFill>
+                        <a:srgbClr val="4F81BD"/>
+                      </a:solidFill>
+                      <a:prstDash val="solid"/>
+                      <a:round/>
+                      <a:headEnd type="none" w="med" len="med"/>
+                      <a:tailEnd type="none" w="med" len="med"/>
+                    </a:lnT>
+                    <a:lnB w="12700" cap="flat" cmpd="sng" algn="ctr">
+                      <a:solidFill>
+                        <a:srgbClr val="A6A6A6"/>
+                      </a:solidFill>
+                      <a:prstDash val="solid"/>
+                      <a:round/>
+                      <a:headEnd type="none" w="med" len="med"/>
+                      <a:tailEnd type="none" w="med" len="med"/>
+                    </a:lnB>
+                  </a:tcPr>
+                </a:tc>
+                <a:extLst>
+                  <a:ext uri="{0D108BD9-81ED-4DB2-BD59-A6C34878D82A}">
+                    <a16:rowId xmlns:a16="http://schemas.microsoft.com/office/drawing/2014/main" val="1836638972"/>
+                  </a:ext>
+                </a:extLst>
+              </a:tr>
+              <a:tr h="1393832">
+                <a:tc>
+                  <a:txBody>
+                    <a:bodyPr/>
+                    <a:lstStyle/>
+                    <a:p>
+                      <a:pPr algn="l">
+                        <a:lnSpc>
+                          <a:spcPct val="115000"/>
+                        </a:lnSpc>
+                        <a:spcAft>
+                          <a:spcPts val="1000"/>
+                        </a:spcAft>
+                      </a:pPr>
+                      <a:r>
+                        <a:rPr lang="en-US" sz="1800" b="1" dirty="0">
+                          <a:effectLst/>
+                          <a:latin typeface="Cambria" panose="02040503050406030204" pitchFamily="18" charset="0"/>
+                          <a:ea typeface="MS Mincho" panose="02020609040205080304" pitchFamily="49" charset="-128"/>
+                          <a:cs typeface="Times New Roman" panose="02020603050405020304" pitchFamily="18" charset="0"/>
+                        </a:rPr>
+                        <a:t>Devices</a:t>
+                      </a:r>
+                      <a:endParaRPr lang="en-US" sz="1800" dirty="0">
+                        <a:effectLst/>
+                        <a:latin typeface="Calibri" panose="020F0502020204030204" pitchFamily="34" charset="0"/>
+                        <a:ea typeface="Times New Roman" panose="02020603050405020304" pitchFamily="18" charset="0"/>
+                        <a:cs typeface="Times New Roman" panose="02020603050405020304" pitchFamily="18" charset="0"/>
+                      </a:endParaRPr>
+                    </a:p>
+                  </a:txBody>
+                  <a:tcPr marL="68580" marR="68580" marT="0" marB="0" anchor="ctr">
+                    <a:lnL w="12700" cap="flat" cmpd="sng" algn="ctr">
+                      <a:solidFill>
+                        <a:srgbClr val="A6A6A6"/>
+                      </a:solidFill>
+                      <a:prstDash val="solid"/>
+                      <a:round/>
+                      <a:headEnd type="none" w="med" len="med"/>
+                      <a:tailEnd type="none" w="med" len="med"/>
+                    </a:lnL>
+                    <a:lnR w="12700" cap="flat" cmpd="sng" algn="ctr">
+                      <a:solidFill>
+                        <a:srgbClr val="A6A6A6"/>
+                      </a:solidFill>
+                      <a:prstDash val="solid"/>
+                      <a:round/>
+                      <a:headEnd type="none" w="med" len="med"/>
+                      <a:tailEnd type="none" w="med" len="med"/>
+                    </a:lnR>
+                    <a:lnT w="12700" cap="flat" cmpd="sng" algn="ctr">
+                      <a:solidFill>
+                        <a:srgbClr val="A6A6A6"/>
+                      </a:solidFill>
+                      <a:prstDash val="solid"/>
+                      <a:round/>
+                      <a:headEnd type="none" w="med" len="med"/>
+                      <a:tailEnd type="none" w="med" len="med"/>
+                    </a:lnT>
+                    <a:lnB w="12700" cap="flat" cmpd="sng" algn="ctr">
+                      <a:solidFill>
+                        <a:srgbClr val="4F81BD"/>
+                      </a:solidFill>
+                      <a:prstDash val="solid"/>
+                      <a:round/>
+                      <a:headEnd type="none" w="med" len="med"/>
+                      <a:tailEnd type="none" w="med" len="med"/>
+                    </a:lnB>
+                    <a:solidFill>
+                      <a:srgbClr val="FFFFFF"/>
+                    </a:solidFill>
+                  </a:tcPr>
+                </a:tc>
+                <a:tc>
+                  <a:txBody>
+                    <a:bodyPr/>
+                    <a:lstStyle/>
+                    <a:p>
+                      <a:pPr algn="l">
+                        <a:lnSpc>
+                          <a:spcPct val="115000"/>
+                        </a:lnSpc>
+                        <a:spcAft>
+                          <a:spcPts val="1000"/>
+                        </a:spcAft>
+                      </a:pPr>
+                      <a:r>
+                        <a:rPr lang="en-US" sz="1800" dirty="0">
+                          <a:effectLst/>
+                          <a:latin typeface="Cambria" panose="02040503050406030204" pitchFamily="18" charset="0"/>
+                          <a:ea typeface="MS Mincho" panose="02020609040205080304" pitchFamily="49" charset="-128"/>
+                          <a:cs typeface="Times New Roman" panose="02020603050405020304" pitchFamily="18" charset="0"/>
+                        </a:rPr>
+                        <a:t>CP210x USB to UART Bridge</a:t>
+                      </a:r>
+                      <a:endParaRPr lang="en-US" sz="1800" dirty="0">
+                        <a:effectLst/>
+                        <a:latin typeface="Calibri" panose="020F0502020204030204" pitchFamily="34" charset="0"/>
+                        <a:ea typeface="Times New Roman" panose="02020603050405020304" pitchFamily="18" charset="0"/>
+                        <a:cs typeface="Times New Roman" panose="02020603050405020304" pitchFamily="18" charset="0"/>
+                      </a:endParaRPr>
+                    </a:p>
+                    <a:p>
+                      <a:pPr algn="l">
+                        <a:lnSpc>
+                          <a:spcPct val="115000"/>
+                        </a:lnSpc>
+                        <a:spcAft>
+                          <a:spcPts val="1000"/>
+                        </a:spcAft>
+                      </a:pPr>
+                      <a:r>
+                        <a:rPr lang="en-US" sz="1800" dirty="0">
+                          <a:effectLst/>
+                          <a:latin typeface="Cambria" panose="02040503050406030204" pitchFamily="18" charset="0"/>
+                          <a:ea typeface="MS Mincho" panose="02020609040205080304" pitchFamily="49" charset="-128"/>
+                          <a:cs typeface="Times New Roman" panose="02020603050405020304" pitchFamily="18" charset="0"/>
+                        </a:rPr>
+                        <a:t>Power and filtering module</a:t>
+                      </a:r>
+                      <a:endParaRPr lang="en-US" sz="1800" dirty="0">
+                        <a:effectLst/>
+                        <a:latin typeface="Calibri" panose="020F0502020204030204" pitchFamily="34" charset="0"/>
+                        <a:ea typeface="Times New Roman" panose="02020603050405020304" pitchFamily="18" charset="0"/>
+                        <a:cs typeface="Times New Roman" panose="02020603050405020304" pitchFamily="18" charset="0"/>
+                      </a:endParaRPr>
+                    </a:p>
+                    <a:p>
+                      <a:pPr algn="l">
+                        <a:lnSpc>
+                          <a:spcPct val="115000"/>
+                        </a:lnSpc>
+                        <a:spcAft>
+                          <a:spcPts val="1000"/>
+                        </a:spcAft>
+                      </a:pPr>
+                      <a:r>
+                        <a:rPr lang="en-US" sz="1800" dirty="0">
+                          <a:effectLst/>
+                          <a:latin typeface="Cambria" panose="02040503050406030204" pitchFamily="18" charset="0"/>
+                          <a:ea typeface="MS Mincho" panose="02020609040205080304" pitchFamily="49" charset="-128"/>
+                          <a:cs typeface="Times New Roman" panose="02020603050405020304" pitchFamily="18" charset="0"/>
+                        </a:rPr>
+                        <a:t>ESP32 Module with BLE</a:t>
+                      </a:r>
+                      <a:endParaRPr lang="en-US" sz="1800" dirty="0">
+                        <a:effectLst/>
+                        <a:latin typeface="Calibri" panose="020F0502020204030204" pitchFamily="34" charset="0"/>
+                        <a:ea typeface="Times New Roman" panose="02020603050405020304" pitchFamily="18" charset="0"/>
+                        <a:cs typeface="Times New Roman" panose="02020603050405020304" pitchFamily="18" charset="0"/>
+                      </a:endParaRPr>
+                    </a:p>
+                  </a:txBody>
+                  <a:tcPr marL="68580" marR="68580" marT="0" marB="0" anchor="ctr">
+                    <a:lnL w="12700" cap="flat" cmpd="sng" algn="ctr">
+                      <a:solidFill>
+                        <a:srgbClr val="A6A6A6"/>
+                      </a:solidFill>
+                      <a:prstDash val="solid"/>
+                      <a:round/>
+                      <a:headEnd type="none" w="med" len="med"/>
+                      <a:tailEnd type="none" w="med" len="med"/>
+                    </a:lnL>
+                    <a:lnR w="12700" cap="flat" cmpd="sng" algn="ctr">
+                      <a:solidFill>
+                        <a:srgbClr val="A6A6A6"/>
+                      </a:solidFill>
+                      <a:prstDash val="solid"/>
+                      <a:round/>
+                      <a:headEnd type="none" w="med" len="med"/>
+                      <a:tailEnd type="none" w="med" len="med"/>
+                    </a:lnR>
+                    <a:lnT w="12700" cap="flat" cmpd="sng" algn="ctr">
+                      <a:solidFill>
+                        <a:srgbClr val="A6A6A6"/>
+                      </a:solidFill>
+                      <a:prstDash val="solid"/>
+                      <a:round/>
+                      <a:headEnd type="none" w="med" len="med"/>
+                      <a:tailEnd type="none" w="med" len="med"/>
+                    </a:lnT>
+                    <a:lnB w="12700" cap="flat" cmpd="sng" algn="ctr">
+                      <a:solidFill>
+                        <a:srgbClr val="4F81BD"/>
+                      </a:solidFill>
+                      <a:prstDash val="solid"/>
+                      <a:round/>
+                      <a:headEnd type="none" w="med" len="med"/>
+                      <a:tailEnd type="none" w="med" len="med"/>
+                    </a:lnB>
+                  </a:tcPr>
+                </a:tc>
+                <a:extLst>
+                  <a:ext uri="{0D108BD9-81ED-4DB2-BD59-A6C34878D82A}">
+                    <a16:rowId xmlns:a16="http://schemas.microsoft.com/office/drawing/2014/main" val="1597932700"/>
+                  </a:ext>
+                </a:extLst>
+              </a:tr>
+              <a:tr h="621735">
+                <a:tc>
+                  <a:txBody>
+                    <a:bodyPr/>
+                    <a:lstStyle/>
+                    <a:p>
+                      <a:pPr algn="l">
+                        <a:lnSpc>
+                          <a:spcPct val="115000"/>
+                        </a:lnSpc>
+                        <a:spcAft>
+                          <a:spcPts val="1000"/>
+                        </a:spcAft>
+                      </a:pPr>
+                      <a:r>
+                        <a:rPr lang="en-US" sz="1800" b="1">
+                          <a:effectLst/>
+                          <a:latin typeface="Cambria" panose="02040503050406030204" pitchFamily="18" charset="0"/>
+                          <a:ea typeface="MS Mincho" panose="02020609040205080304" pitchFamily="49" charset="-128"/>
+                          <a:cs typeface="Times New Roman" panose="02020603050405020304" pitchFamily="18" charset="0"/>
+                        </a:rPr>
+                        <a:t>Power source </a:t>
+                      </a:r>
+                      <a:endParaRPr lang="en-US" sz="1800">
+                        <a:effectLst/>
+                        <a:latin typeface="Calibri" panose="020F0502020204030204" pitchFamily="34" charset="0"/>
+                        <a:ea typeface="Times New Roman" panose="02020603050405020304" pitchFamily="18" charset="0"/>
+                        <a:cs typeface="Times New Roman" panose="02020603050405020304" pitchFamily="18" charset="0"/>
+                      </a:endParaRPr>
+                    </a:p>
+                  </a:txBody>
+                  <a:tcPr marL="68580" marR="68580" marT="0" marB="0" anchor="ctr">
+                    <a:lnL w="12700" cap="flat" cmpd="sng" algn="ctr">
+                      <a:solidFill>
+                        <a:srgbClr val="A6A6A6"/>
+                      </a:solidFill>
+                      <a:prstDash val="solid"/>
+                      <a:round/>
+                      <a:headEnd type="none" w="med" len="med"/>
+                      <a:tailEnd type="none" w="med" len="med"/>
+                    </a:lnL>
+                    <a:lnR w="12700" cap="flat" cmpd="sng" algn="ctr">
+                      <a:solidFill>
+                        <a:srgbClr val="A6A6A6"/>
+                      </a:solidFill>
+                      <a:prstDash val="solid"/>
+                      <a:round/>
+                      <a:headEnd type="none" w="med" len="med"/>
+                      <a:tailEnd type="none" w="med" len="med"/>
+                    </a:lnR>
+                    <a:lnT w="12700" cap="flat" cmpd="sng" algn="ctr">
+                      <a:solidFill>
+                        <a:srgbClr val="4F81BD"/>
+                      </a:solidFill>
+                      <a:prstDash val="solid"/>
+                      <a:round/>
+                      <a:headEnd type="none" w="med" len="med"/>
+                      <a:tailEnd type="none" w="med" len="med"/>
+                    </a:lnT>
+                    <a:lnB w="12700" cap="flat" cmpd="sng" algn="ctr">
+                      <a:solidFill>
+                        <a:srgbClr val="A6A6A6"/>
+                      </a:solidFill>
+                      <a:prstDash val="solid"/>
+                      <a:round/>
+                      <a:headEnd type="none" w="med" len="med"/>
+                      <a:tailEnd type="none" w="med" len="med"/>
+                    </a:lnB>
+                    <a:solidFill>
+                      <a:srgbClr val="FFFFFF"/>
+                    </a:solidFill>
+                  </a:tcPr>
+                </a:tc>
+                <a:tc>
+                  <a:txBody>
+                    <a:bodyPr/>
+                    <a:lstStyle/>
+                    <a:p>
+                      <a:pPr algn="l">
+                        <a:lnSpc>
+                          <a:spcPct val="115000"/>
+                        </a:lnSpc>
+                        <a:spcAft>
+                          <a:spcPts val="1000"/>
+                        </a:spcAft>
+                      </a:pPr>
+                      <a:r>
+                        <a:rPr lang="en-US" sz="1800" dirty="0">
+                          <a:effectLst/>
+                          <a:latin typeface="Cambria" panose="02040503050406030204" pitchFamily="18" charset="0"/>
+                          <a:ea typeface="MS Mincho" panose="02020609040205080304" pitchFamily="49" charset="-128"/>
+                          <a:cs typeface="Times New Roman" panose="02020603050405020304" pitchFamily="18" charset="0"/>
+                        </a:rPr>
+                        <a:t>5V</a:t>
+                      </a:r>
+                      <a:endParaRPr lang="en-US" sz="1800" dirty="0">
+                        <a:effectLst/>
+                        <a:latin typeface="Calibri" panose="020F0502020204030204" pitchFamily="34" charset="0"/>
+                        <a:ea typeface="Times New Roman" panose="02020603050405020304" pitchFamily="18" charset="0"/>
+                        <a:cs typeface="Times New Roman" panose="02020603050405020304" pitchFamily="18" charset="0"/>
+                      </a:endParaRPr>
+                    </a:p>
+                  </a:txBody>
+                  <a:tcPr marL="68580" marR="68580" marT="0" marB="0" anchor="ctr">
+                    <a:lnL w="12700" cap="flat" cmpd="sng" algn="ctr">
+                      <a:solidFill>
+                        <a:srgbClr val="A6A6A6"/>
+                      </a:solidFill>
+                      <a:prstDash val="solid"/>
+                      <a:round/>
+                      <a:headEnd type="none" w="med" len="med"/>
+                      <a:tailEnd type="none" w="med" len="med"/>
+                    </a:lnL>
+                    <a:lnR w="12700" cap="flat" cmpd="sng" algn="ctr">
+                      <a:solidFill>
+                        <a:srgbClr val="A6A6A6"/>
+                      </a:solidFill>
+                      <a:prstDash val="solid"/>
+                      <a:round/>
+                      <a:headEnd type="none" w="med" len="med"/>
+                      <a:tailEnd type="none" w="med" len="med"/>
+                    </a:lnR>
+                    <a:lnT w="12700" cap="flat" cmpd="sng" algn="ctr">
+                      <a:solidFill>
+                        <a:srgbClr val="4F81BD"/>
+                      </a:solidFill>
+                      <a:prstDash val="solid"/>
+                      <a:round/>
+                      <a:headEnd type="none" w="med" len="med"/>
+                      <a:tailEnd type="none" w="med" len="med"/>
+                    </a:lnT>
+                    <a:lnB w="12700" cap="flat" cmpd="sng" algn="ctr">
+                      <a:solidFill>
+                        <a:srgbClr val="A6A6A6"/>
+                      </a:solidFill>
+                      <a:prstDash val="solid"/>
+                      <a:round/>
+                      <a:headEnd type="none" w="med" len="med"/>
+                      <a:tailEnd type="none" w="med" len="med"/>
+                    </a:lnB>
+                  </a:tcPr>
+                </a:tc>
+                <a:extLst>
+                  <a:ext uri="{0D108BD9-81ED-4DB2-BD59-A6C34878D82A}">
+                    <a16:rowId xmlns:a16="http://schemas.microsoft.com/office/drawing/2014/main" val="1244015412"/>
+                  </a:ext>
+                </a:extLst>
+              </a:tr>
+            </a:tbl>
+          </a:graphicData>
+        </a:graphic>
+      </p:graphicFrame>
+    </p:spTree>
+    <p:extLst>
+      <p:ext uri="{BB962C8B-B14F-4D97-AF65-F5344CB8AC3E}">
+        <p14:creationId xmlns:p14="http://schemas.microsoft.com/office/powerpoint/2010/main" val="2946775968"/>
+      </p:ext>
+    </p:extLst>
+  </p:cSld>
+  <p:clrMapOvr>
+    <a:masterClrMapping/>
+  </p:clrMapOvr>
+</p:sld>
+</file>
+
+<file path=ppt/slides/slide9.xml><?xml version="1.0" encoding="utf-8"?>
+<p:sld xmlns:a="http://schemas.openxmlformats.org/drawingml/2006/main" xmlns:r="http://schemas.openxmlformats.org/officeDocument/2006/relationships" xmlns:p="http://schemas.openxmlformats.org/presentationml/2006/main">
+  <p:cSld>
+    <p:spTree>
+      <p:nvGrpSpPr>
+        <p:cNvPr id="1" name=""/>
+        <p:cNvGrpSpPr/>
+        <p:nvPr/>
+      </p:nvGrpSpPr>
+      <p:grpSpPr>
+        <a:xfrm>
+          <a:off x="0" y="0"/>
+          <a:ext cx="0" cy="0"/>
+          <a:chOff x="0" y="0"/>
+          <a:chExt cx="0" cy="0"/>
+        </a:xfrm>
+      </p:grpSpPr>
+      <p:sp>
+        <p:nvSpPr>
+          <p:cNvPr id="2" name="Title 1">
+            <a:extLst>
+              <a:ext uri="{FF2B5EF4-FFF2-40B4-BE49-F238E27FC236}">
+                <a16:creationId xmlns:a16="http://schemas.microsoft.com/office/drawing/2014/main" id="{710B0FB4-8417-45AE-9239-6B50E03BFAB7}"/>
+              </a:ext>
+            </a:extLst>
+          </p:cNvPr>
+          <p:cNvSpPr>
+            <a:spLocks noGrp="1"/>
+          </p:cNvSpPr>
+          <p:nvPr>
+            <p:ph type="title"/>
+          </p:nvPr>
+        </p:nvSpPr>
+        <p:spPr/>
+        <p:txBody>
+          <a:bodyPr/>
+          <a:lstStyle/>
+          <a:p>
+            <a:r>
+              <a:rPr lang="en-US" dirty="0"/>
+              <a:t>Problem Definition</a:t>
+            </a:r>
+            <a:br>
+              <a:rPr lang="en-US" dirty="0"/>
+            </a:br>
+            <a:endParaRPr lang="en-US" dirty="0"/>
+          </a:p>
+        </p:txBody>
+      </p:sp>
+      <p:sp>
+        <p:nvSpPr>
+          <p:cNvPr id="3" name="Content Placeholder 2">
+            <a:extLst>
+              <a:ext uri="{FF2B5EF4-FFF2-40B4-BE49-F238E27FC236}">
+                <a16:creationId xmlns:a16="http://schemas.microsoft.com/office/drawing/2014/main" id="{D580ED7E-0614-403D-A3C5-6790F9781260}"/>
+              </a:ext>
+            </a:extLst>
+          </p:cNvPr>
+          <p:cNvSpPr>
+            <a:spLocks noGrp="1"/>
+          </p:cNvSpPr>
+          <p:nvPr>
+            <p:ph idx="1"/>
+          </p:nvPr>
+        </p:nvSpPr>
+        <p:spPr/>
+        <p:txBody>
+          <a:bodyPr/>
+          <a:lstStyle/>
+          <a:p>
+            <a:pPr lvl="1"/>
+            <a:r>
+              <a:rPr lang="en-US" dirty="0"/>
+              <a:t>For Local server:</a:t>
+            </a:r>
+          </a:p>
+          <a:p>
+            <a:endParaRPr lang="en-US" dirty="0"/>
+          </a:p>
+        </p:txBody>
+      </p:sp>
+      <p:graphicFrame>
+        <p:nvGraphicFramePr>
+          <p:cNvPr id="5" name="Table 4">
+            <a:extLst>
+              <a:ext uri="{FF2B5EF4-FFF2-40B4-BE49-F238E27FC236}">
+                <a16:creationId xmlns:a16="http://schemas.microsoft.com/office/drawing/2014/main" id="{C0B0055E-0B2D-4725-9092-1C846E3B4182}"/>
+              </a:ext>
+            </a:extLst>
+          </p:cNvPr>
+          <p:cNvGraphicFramePr>
+            <a:graphicFrameLocks noGrp="1"/>
+          </p:cNvGraphicFramePr>
+          <p:nvPr>
+            <p:extLst>
+              <p:ext uri="{D42A27DB-BD31-4B8C-83A1-F6EECF244321}">
+                <p14:modId xmlns:p14="http://schemas.microsoft.com/office/powerpoint/2010/main" val="3455119483"/>
+              </p:ext>
+            </p:extLst>
+          </p:nvPr>
+        </p:nvGraphicFramePr>
+        <p:xfrm>
+          <a:off x="677334" y="2697479"/>
+          <a:ext cx="8596668" cy="3574072"/>
+        </p:xfrm>
+        <a:graphic>
+          <a:graphicData uri="http://schemas.openxmlformats.org/drawingml/2006/table">
+            <a:tbl>
+              <a:tblPr firstRow="1" firstCol="1" bandRow="1"/>
+              <a:tblGrid>
+                <a:gridCol w="4314011">
+                  <a:extLst>
+                    <a:ext uri="{9D8B030D-6E8A-4147-A177-3AD203B41FA5}">
+                      <a16:colId xmlns:a16="http://schemas.microsoft.com/office/drawing/2014/main" val="761490753"/>
+                    </a:ext>
+                  </a:extLst>
+                </a:gridCol>
+                <a:gridCol w="4282657">
+                  <a:extLst>
+                    <a:ext uri="{9D8B030D-6E8A-4147-A177-3AD203B41FA5}">
+                      <a16:colId xmlns:a16="http://schemas.microsoft.com/office/drawing/2014/main" val="78656776"/>
+                    </a:ext>
+                  </a:extLst>
+                </a:gridCol>
+              </a:tblGrid>
+              <a:tr h="893518">
+                <a:tc>
+                  <a:txBody>
+                    <a:bodyPr/>
+                    <a:lstStyle/>
+                    <a:p>
+                      <a:pPr algn="ctr">
+                        <a:lnSpc>
+                          <a:spcPct val="115000"/>
+                        </a:lnSpc>
+                        <a:spcAft>
+                          <a:spcPts val="1000"/>
+                        </a:spcAft>
+                      </a:pPr>
+                      <a:r>
+                        <a:rPr lang="en-US" sz="1800" b="1" dirty="0">
+                          <a:solidFill>
+                            <a:srgbClr val="FFFFFF"/>
+                          </a:solidFill>
+                          <a:effectLst/>
+                          <a:latin typeface="Cambria" panose="02040503050406030204" pitchFamily="18" charset="0"/>
+                          <a:ea typeface="MS Mincho" panose="02020609040205080304" pitchFamily="49" charset="-128"/>
+                          <a:cs typeface="Times New Roman" panose="02020603050405020304" pitchFamily="18" charset="0"/>
+                        </a:rPr>
+                        <a:t>Component</a:t>
+                      </a:r>
+                      <a:endParaRPr lang="en-US" sz="1800" dirty="0">
+                        <a:effectLst/>
+                        <a:latin typeface="Calibri" panose="020F0502020204030204" pitchFamily="34" charset="0"/>
+                        <a:ea typeface="Times New Roman" panose="02020603050405020304" pitchFamily="18" charset="0"/>
+                        <a:cs typeface="Times New Roman" panose="02020603050405020304" pitchFamily="18" charset="0"/>
+                      </a:endParaRPr>
+                    </a:p>
+                  </a:txBody>
+                  <a:tcPr marL="68580" marR="68580" marT="0" marB="0" anchor="ctr">
+                    <a:lnL w="12700" cap="flat" cmpd="sng" algn="ctr">
+                      <a:solidFill>
+                        <a:srgbClr val="A6A6A6"/>
+                      </a:solidFill>
+                      <a:prstDash val="solid"/>
+                      <a:round/>
+                      <a:headEnd type="none" w="med" len="med"/>
+                      <a:tailEnd type="none" w="med" len="med"/>
+                    </a:lnL>
+                    <a:lnR w="12700" cap="flat" cmpd="sng" algn="ctr">
+                      <a:solidFill>
+                        <a:srgbClr val="A6A6A6"/>
+                      </a:solidFill>
+                      <a:prstDash val="solid"/>
+                      <a:round/>
+                      <a:headEnd type="none" w="med" len="med"/>
+                      <a:tailEnd type="none" w="med" len="med"/>
+                    </a:lnR>
+                    <a:lnT w="12700" cap="flat" cmpd="sng" algn="ctr">
+                      <a:solidFill>
+                        <a:srgbClr val="A6A6A6"/>
+                      </a:solidFill>
+                      <a:prstDash val="solid"/>
+                      <a:round/>
+                      <a:headEnd type="none" w="med" len="med"/>
+                      <a:tailEnd type="none" w="med" len="med"/>
+                    </a:lnT>
+                    <a:lnB w="12700" cap="flat" cmpd="sng" algn="ctr">
+                      <a:solidFill>
+                        <a:srgbClr val="4F81BD"/>
+                      </a:solidFill>
+                      <a:prstDash val="solid"/>
+                      <a:round/>
+                      <a:headEnd type="none" w="med" len="med"/>
+                      <a:tailEnd type="none" w="med" len="med"/>
+                    </a:lnB>
+                    <a:solidFill>
+                      <a:srgbClr val="A6A6A6"/>
+                    </a:solidFill>
+                  </a:tcPr>
+                </a:tc>
+                <a:tc>
+                  <a:txBody>
+                    <a:bodyPr/>
+                    <a:lstStyle/>
+                    <a:p>
+                      <a:pPr algn="ctr">
+                        <a:lnSpc>
+                          <a:spcPct val="115000"/>
+                        </a:lnSpc>
+                        <a:spcAft>
+                          <a:spcPts val="1000"/>
+                        </a:spcAft>
+                      </a:pPr>
+                      <a:r>
+                        <a:rPr lang="en-US" sz="1800" b="1">
+                          <a:solidFill>
+                            <a:srgbClr val="FFFFFF"/>
+                          </a:solidFill>
+                          <a:effectLst/>
+                          <a:latin typeface="Cambria" panose="02040503050406030204" pitchFamily="18" charset="0"/>
+                          <a:ea typeface="MS Mincho" panose="02020609040205080304" pitchFamily="49" charset="-128"/>
+                          <a:cs typeface="Times New Roman" panose="02020603050405020304" pitchFamily="18" charset="0"/>
+                        </a:rPr>
+                        <a:t>Hardware</a:t>
+                      </a:r>
+                      <a:endParaRPr lang="en-US" sz="1800">
+                        <a:effectLst/>
+                        <a:latin typeface="Calibri" panose="020F0502020204030204" pitchFamily="34" charset="0"/>
+                        <a:ea typeface="Times New Roman" panose="02020603050405020304" pitchFamily="18" charset="0"/>
+                        <a:cs typeface="Times New Roman" panose="02020603050405020304" pitchFamily="18" charset="0"/>
+                      </a:endParaRPr>
+                    </a:p>
+                  </a:txBody>
+                  <a:tcPr marL="68580" marR="68580" marT="0" marB="0" anchor="ctr">
+                    <a:lnL w="12700" cap="flat" cmpd="sng" algn="ctr">
+                      <a:solidFill>
+                        <a:srgbClr val="A6A6A6"/>
+                      </a:solidFill>
+                      <a:prstDash val="solid"/>
+                      <a:round/>
+                      <a:headEnd type="none" w="med" len="med"/>
+                      <a:tailEnd type="none" w="med" len="med"/>
+                    </a:lnL>
+                    <a:lnR w="12700" cap="flat" cmpd="sng" algn="ctr">
+                      <a:solidFill>
+                        <a:srgbClr val="A6A6A6"/>
+                      </a:solidFill>
+                      <a:prstDash val="solid"/>
+                      <a:round/>
+                      <a:headEnd type="none" w="med" len="med"/>
+                      <a:tailEnd type="none" w="med" len="med"/>
+                    </a:lnR>
+                    <a:lnT w="12700" cap="flat" cmpd="sng" algn="ctr">
+                      <a:solidFill>
+                        <a:srgbClr val="A6A6A6"/>
+                      </a:solidFill>
+                      <a:prstDash val="solid"/>
+                      <a:round/>
+                      <a:headEnd type="none" w="med" len="med"/>
+                      <a:tailEnd type="none" w="med" len="med"/>
+                    </a:lnT>
+                    <a:lnB w="12700" cap="flat" cmpd="sng" algn="ctr">
+                      <a:solidFill>
+                        <a:srgbClr val="A6A6A6"/>
+                      </a:solidFill>
+                      <a:prstDash val="solid"/>
+                      <a:round/>
+                      <a:headEnd type="none" w="med" len="med"/>
+                      <a:tailEnd type="none" w="med" len="med"/>
+                    </a:lnB>
+                    <a:solidFill>
+                      <a:srgbClr val="A6A6A6"/>
+                    </a:solidFill>
+                  </a:tcPr>
+                </a:tc>
+                <a:extLst>
+                  <a:ext uri="{0D108BD9-81ED-4DB2-BD59-A6C34878D82A}">
+                    <a16:rowId xmlns:a16="http://schemas.microsoft.com/office/drawing/2014/main" val="4116052768"/>
+                  </a:ext>
+                </a:extLst>
+              </a:tr>
+              <a:tr h="893518">
+                <a:tc>
+                  <a:txBody>
+                    <a:bodyPr/>
+                    <a:lstStyle/>
+                    <a:p>
+                      <a:pPr algn="l">
+                        <a:lnSpc>
+                          <a:spcPct val="115000"/>
+                        </a:lnSpc>
+                        <a:spcAft>
+                          <a:spcPts val="1000"/>
+                        </a:spcAft>
+                      </a:pPr>
+                      <a:r>
+                        <a:rPr lang="en-US" sz="1800" b="1" dirty="0">
+                          <a:effectLst/>
+                          <a:latin typeface="Cambria" panose="02040503050406030204" pitchFamily="18" charset="0"/>
+                          <a:ea typeface="MS Mincho" panose="02020609040205080304" pitchFamily="49" charset="-128"/>
+                          <a:cs typeface="Times New Roman" panose="02020603050405020304" pitchFamily="18" charset="0"/>
+                        </a:rPr>
+                        <a:t>Mainboard</a:t>
+                      </a:r>
+                      <a:endParaRPr lang="en-US" sz="1800" dirty="0">
+                        <a:effectLst/>
+                        <a:latin typeface="Calibri" panose="020F0502020204030204" pitchFamily="34" charset="0"/>
+                        <a:ea typeface="Times New Roman" panose="02020603050405020304" pitchFamily="18" charset="0"/>
+                        <a:cs typeface="Times New Roman" panose="02020603050405020304" pitchFamily="18" charset="0"/>
+                      </a:endParaRPr>
+                    </a:p>
+                  </a:txBody>
+                  <a:tcPr marL="68580" marR="68580" marT="0" marB="0" anchor="ctr">
+                    <a:lnL w="12700" cap="flat" cmpd="sng" algn="ctr">
+                      <a:solidFill>
+                        <a:srgbClr val="A6A6A6"/>
+                      </a:solidFill>
+                      <a:prstDash val="solid"/>
+                      <a:round/>
+                      <a:headEnd type="none" w="med" len="med"/>
+                      <a:tailEnd type="none" w="med" len="med"/>
+                    </a:lnL>
+                    <a:lnR w="12700" cap="flat" cmpd="sng" algn="ctr">
+                      <a:solidFill>
+                        <a:srgbClr val="A6A6A6"/>
+                      </a:solidFill>
+                      <a:prstDash val="solid"/>
+                      <a:round/>
+                      <a:headEnd type="none" w="med" len="med"/>
+                      <a:tailEnd type="none" w="med" len="med"/>
+                    </a:lnR>
+                    <a:lnT w="12700" cap="flat" cmpd="sng" algn="ctr">
+                      <a:solidFill>
+                        <a:srgbClr val="4F81BD"/>
+                      </a:solidFill>
+                      <a:prstDash val="solid"/>
+                      <a:round/>
+                      <a:headEnd type="none" w="med" len="med"/>
+                      <a:tailEnd type="none" w="med" len="med"/>
+                    </a:lnT>
+                    <a:lnB w="12700" cap="flat" cmpd="sng" algn="ctr">
+                      <a:solidFill>
+                        <a:srgbClr val="4F81BD"/>
+                      </a:solidFill>
+                      <a:prstDash val="solid"/>
+                      <a:round/>
+                      <a:headEnd type="none" w="med" len="med"/>
+                      <a:tailEnd type="none" w="med" len="med"/>
+                    </a:lnB>
+                    <a:solidFill>
+                      <a:srgbClr val="FFFFFF"/>
+                    </a:solidFill>
+                  </a:tcPr>
+                </a:tc>
+                <a:tc>
+                  <a:txBody>
+                    <a:bodyPr/>
+                    <a:lstStyle/>
+                    <a:p>
+                      <a:pPr algn="l">
+                        <a:lnSpc>
+                          <a:spcPct val="115000"/>
+                        </a:lnSpc>
+                        <a:spcAft>
+                          <a:spcPts val="1000"/>
+                        </a:spcAft>
+                      </a:pPr>
+                      <a:r>
+                        <a:rPr lang="en-US" sz="1800" dirty="0">
+                          <a:effectLst/>
+                          <a:latin typeface="Cambria" panose="02040503050406030204" pitchFamily="18" charset="0"/>
+                          <a:ea typeface="MS Mincho" panose="02020609040205080304" pitchFamily="49" charset="-128"/>
+                          <a:cs typeface="Times New Roman" panose="02020603050405020304" pitchFamily="18" charset="0"/>
+                        </a:rPr>
+                        <a:t>Raspberry Pi 3/3+</a:t>
+                      </a:r>
+                      <a:endParaRPr lang="en-US" sz="1800" dirty="0">
+                        <a:effectLst/>
+                        <a:latin typeface="Calibri" panose="020F0502020204030204" pitchFamily="34" charset="0"/>
+                        <a:ea typeface="Times New Roman" panose="02020603050405020304" pitchFamily="18" charset="0"/>
+                        <a:cs typeface="Times New Roman" panose="02020603050405020304" pitchFamily="18" charset="0"/>
+                      </a:endParaRPr>
+                    </a:p>
+                  </a:txBody>
+                  <a:tcPr marL="68580" marR="68580" marT="0" marB="0" anchor="ctr">
+                    <a:lnL w="12700" cap="flat" cmpd="sng" algn="ctr">
+                      <a:solidFill>
+                        <a:srgbClr val="A6A6A6"/>
+                      </a:solidFill>
+                      <a:prstDash val="solid"/>
+                      <a:round/>
+                      <a:headEnd type="none" w="med" len="med"/>
+                      <a:tailEnd type="none" w="med" len="med"/>
+                    </a:lnL>
+                    <a:lnR w="12700" cap="flat" cmpd="sng" algn="ctr">
+                      <a:solidFill>
+                        <a:srgbClr val="A6A6A6"/>
+                      </a:solidFill>
+                      <a:prstDash val="solid"/>
+                      <a:round/>
+                      <a:headEnd type="none" w="med" len="med"/>
+                      <a:tailEnd type="none" w="med" len="med"/>
+                    </a:lnR>
+                    <a:lnT w="12700" cap="flat" cmpd="sng" algn="ctr">
+                      <a:solidFill>
+                        <a:srgbClr val="A6A6A6"/>
+                      </a:solidFill>
+                      <a:prstDash val="solid"/>
+                      <a:round/>
+                      <a:headEnd type="none" w="med" len="med"/>
+                      <a:tailEnd type="none" w="med" len="med"/>
+                    </a:lnT>
+                    <a:lnB w="12700" cap="flat" cmpd="sng" algn="ctr">
+                      <a:solidFill>
+                        <a:srgbClr val="4F81BD"/>
+                      </a:solidFill>
+                      <a:prstDash val="solid"/>
+                      <a:round/>
+                      <a:headEnd type="none" w="med" len="med"/>
+                      <a:tailEnd type="none" w="med" len="med"/>
+                    </a:lnB>
+                  </a:tcPr>
+                </a:tc>
+                <a:extLst>
+                  <a:ext uri="{0D108BD9-81ED-4DB2-BD59-A6C34878D82A}">
+                    <a16:rowId xmlns:a16="http://schemas.microsoft.com/office/drawing/2014/main" val="4253874367"/>
+                  </a:ext>
+                </a:extLst>
+              </a:tr>
+              <a:tr h="893518">
+                <a:tc>
+                  <a:txBody>
+                    <a:bodyPr/>
+                    <a:lstStyle/>
+                    <a:p>
+                      <a:pPr algn="l">
+                        <a:lnSpc>
+                          <a:spcPct val="115000"/>
+                        </a:lnSpc>
+                        <a:spcAft>
+                          <a:spcPts val="1000"/>
+                        </a:spcAft>
+                      </a:pPr>
+                      <a:r>
+                        <a:rPr lang="en-US" sz="1800" b="1">
+                          <a:effectLst/>
+                          <a:latin typeface="Cambria" panose="02040503050406030204" pitchFamily="18" charset="0"/>
+                          <a:ea typeface="MS Mincho" panose="02020609040205080304" pitchFamily="49" charset="-128"/>
+                          <a:cs typeface="Times New Roman" panose="02020603050405020304" pitchFamily="18" charset="0"/>
+                        </a:rPr>
+                        <a:t>Communication</a:t>
+                      </a:r>
+                      <a:endParaRPr lang="en-US" sz="1800">
+                        <a:effectLst/>
+                        <a:latin typeface="Calibri" panose="020F0502020204030204" pitchFamily="34" charset="0"/>
+                        <a:ea typeface="Times New Roman" panose="02020603050405020304" pitchFamily="18" charset="0"/>
+                        <a:cs typeface="Times New Roman" panose="02020603050405020304" pitchFamily="18" charset="0"/>
+                      </a:endParaRPr>
+                    </a:p>
+                  </a:txBody>
+                  <a:tcPr marL="68580" marR="68580" marT="0" marB="0" anchor="ctr">
+                    <a:lnL w="12700" cap="flat" cmpd="sng" algn="ctr">
+                      <a:solidFill>
+                        <a:srgbClr val="A6A6A6"/>
+                      </a:solidFill>
+                      <a:prstDash val="solid"/>
+                      <a:round/>
+                      <a:headEnd type="none" w="med" len="med"/>
+                      <a:tailEnd type="none" w="med" len="med"/>
+                    </a:lnL>
+                    <a:lnR w="12700" cap="flat" cmpd="sng" algn="ctr">
+                      <a:solidFill>
+                        <a:srgbClr val="A6A6A6"/>
+                      </a:solidFill>
+                      <a:prstDash val="solid"/>
+                      <a:round/>
+                      <a:headEnd type="none" w="med" len="med"/>
+                      <a:tailEnd type="none" w="med" len="med"/>
+                    </a:lnR>
+                    <a:lnT w="12700" cap="flat" cmpd="sng" algn="ctr">
+                      <a:solidFill>
+                        <a:srgbClr val="4F81BD"/>
+                      </a:solidFill>
+                      <a:prstDash val="solid"/>
+                      <a:round/>
+                      <a:headEnd type="none" w="med" len="med"/>
+                      <a:tailEnd type="none" w="med" len="med"/>
+                    </a:lnT>
+                    <a:lnB w="12700" cap="flat" cmpd="sng" algn="ctr">
+                      <a:solidFill>
+                        <a:srgbClr val="A6A6A6"/>
+                      </a:solidFill>
+                      <a:prstDash val="solid"/>
+                      <a:round/>
+                      <a:headEnd type="none" w="med" len="med"/>
+                      <a:tailEnd type="none" w="med" len="med"/>
+                    </a:lnB>
+                    <a:solidFill>
+                      <a:srgbClr val="FFFFFF"/>
+                    </a:solidFill>
+                  </a:tcPr>
+                </a:tc>
+                <a:tc>
+                  <a:txBody>
+                    <a:bodyPr/>
+                    <a:lstStyle/>
+                    <a:p>
+                      <a:pPr algn="l">
+                        <a:lnSpc>
+                          <a:spcPct val="115000"/>
+                        </a:lnSpc>
+                        <a:spcAft>
+                          <a:spcPts val="1000"/>
+                        </a:spcAft>
+                      </a:pPr>
+                      <a:r>
+                        <a:rPr lang="en-US" sz="1800" dirty="0" err="1">
+                          <a:effectLst/>
+                          <a:latin typeface="Cambria" panose="02040503050406030204" pitchFamily="18" charset="0"/>
+                          <a:ea typeface="MS Mincho" panose="02020609040205080304" pitchFamily="49" charset="-128"/>
+                          <a:cs typeface="Times New Roman" panose="02020603050405020304" pitchFamily="18" charset="0"/>
+                        </a:rPr>
+                        <a:t>Wifi</a:t>
+                      </a:r>
+                      <a:endParaRPr lang="en-US" sz="1800" dirty="0">
+                        <a:effectLst/>
+                        <a:latin typeface="Calibri" panose="020F0502020204030204" pitchFamily="34" charset="0"/>
+                        <a:ea typeface="Times New Roman" panose="02020603050405020304" pitchFamily="18" charset="0"/>
+                        <a:cs typeface="Times New Roman" panose="02020603050405020304" pitchFamily="18" charset="0"/>
+                      </a:endParaRPr>
+                    </a:p>
+                  </a:txBody>
+                  <a:tcPr marL="68580" marR="68580" marT="0" marB="0" anchor="ctr">
+                    <a:lnL w="12700" cap="flat" cmpd="sng" algn="ctr">
+                      <a:solidFill>
+                        <a:srgbClr val="A6A6A6"/>
+                      </a:solidFill>
+                      <a:prstDash val="solid"/>
+                      <a:round/>
+                      <a:headEnd type="none" w="med" len="med"/>
+                      <a:tailEnd type="none" w="med" len="med"/>
+                    </a:lnL>
+                    <a:lnR w="12700" cap="flat" cmpd="sng" algn="ctr">
+                      <a:solidFill>
+                        <a:srgbClr val="A6A6A6"/>
+                      </a:solidFill>
+                      <a:prstDash val="solid"/>
+                      <a:round/>
+                      <a:headEnd type="none" w="med" len="med"/>
+                      <a:tailEnd type="none" w="med" len="med"/>
+                    </a:lnR>
+                    <a:lnT w="12700" cap="flat" cmpd="sng" algn="ctr">
+                      <a:solidFill>
+                        <a:srgbClr val="4F81BD"/>
+                      </a:solidFill>
+                      <a:prstDash val="solid"/>
+                      <a:round/>
+                      <a:headEnd type="none" w="med" len="med"/>
+                      <a:tailEnd type="none" w="med" len="med"/>
+                    </a:lnT>
+                    <a:lnB w="12700" cap="flat" cmpd="sng" algn="ctr">
+                      <a:solidFill>
+                        <a:srgbClr val="A6A6A6"/>
+                      </a:solidFill>
+                      <a:prstDash val="solid"/>
+                      <a:round/>
+                      <a:headEnd type="none" w="med" len="med"/>
+                      <a:tailEnd type="none" w="med" len="med"/>
+                    </a:lnB>
+                  </a:tcPr>
+                </a:tc>
+                <a:extLst>
+                  <a:ext uri="{0D108BD9-81ED-4DB2-BD59-A6C34878D82A}">
+                    <a16:rowId xmlns:a16="http://schemas.microsoft.com/office/drawing/2014/main" val="263022440"/>
+                  </a:ext>
+                </a:extLst>
+              </a:tr>
+              <a:tr h="893518">
+                <a:tc>
+                  <a:txBody>
+                    <a:bodyPr/>
+                    <a:lstStyle/>
+                    <a:p>
+                      <a:pPr algn="l">
+                        <a:lnSpc>
+                          <a:spcPct val="115000"/>
+                        </a:lnSpc>
+                        <a:spcAft>
+                          <a:spcPts val="1000"/>
+                        </a:spcAft>
+                      </a:pPr>
+                      <a:r>
+                        <a:rPr lang="en-US" sz="1800" b="1">
+                          <a:effectLst/>
+                          <a:latin typeface="Cambria" panose="02040503050406030204" pitchFamily="18" charset="0"/>
+                          <a:ea typeface="MS Mincho" panose="02020609040205080304" pitchFamily="49" charset="-128"/>
+                          <a:cs typeface="Times New Roman" panose="02020603050405020304" pitchFamily="18" charset="0"/>
+                        </a:rPr>
+                        <a:t>Power source </a:t>
+                      </a:r>
+                      <a:endParaRPr lang="en-US" sz="1800">
+                        <a:effectLst/>
+                        <a:latin typeface="Calibri" panose="020F0502020204030204" pitchFamily="34" charset="0"/>
+                        <a:ea typeface="Times New Roman" panose="02020603050405020304" pitchFamily="18" charset="0"/>
+                        <a:cs typeface="Times New Roman" panose="02020603050405020304" pitchFamily="18" charset="0"/>
+                      </a:endParaRPr>
+                    </a:p>
+                  </a:txBody>
+                  <a:tcPr marL="68580" marR="68580" marT="0" marB="0" anchor="ctr">
+                    <a:lnL w="12700" cap="flat" cmpd="sng" algn="ctr">
+                      <a:solidFill>
+                        <a:srgbClr val="A6A6A6"/>
+                      </a:solidFill>
+                      <a:prstDash val="solid"/>
+                      <a:round/>
+                      <a:headEnd type="none" w="med" len="med"/>
+                      <a:tailEnd type="none" w="med" len="med"/>
+                    </a:lnL>
+                    <a:lnR w="12700" cap="flat" cmpd="sng" algn="ctr">
+                      <a:solidFill>
+                        <a:srgbClr val="A6A6A6"/>
+                      </a:solidFill>
+                      <a:prstDash val="solid"/>
+                      <a:round/>
+                      <a:headEnd type="none" w="med" len="med"/>
+                      <a:tailEnd type="none" w="med" len="med"/>
+                    </a:lnR>
+                    <a:lnT w="12700" cap="flat" cmpd="sng" algn="ctr">
+                      <a:solidFill>
+                        <a:srgbClr val="A6A6A6"/>
+                      </a:solidFill>
+                      <a:prstDash val="solid"/>
+                      <a:round/>
+                      <a:headEnd type="none" w="med" len="med"/>
+                      <a:tailEnd type="none" w="med" len="med"/>
+                    </a:lnT>
+                    <a:lnB w="12700" cap="flat" cmpd="sng" algn="ctr">
+                      <a:solidFill>
+                        <a:srgbClr val="4F81BD"/>
+                      </a:solidFill>
+                      <a:prstDash val="solid"/>
+                      <a:round/>
+                      <a:headEnd type="none" w="med" len="med"/>
+                      <a:tailEnd type="none" w="med" len="med"/>
+                    </a:lnB>
+                    <a:solidFill>
+                      <a:srgbClr val="FFFFFF"/>
+                    </a:solidFill>
+                  </a:tcPr>
+                </a:tc>
+                <a:tc>
+                  <a:txBody>
+                    <a:bodyPr/>
+                    <a:lstStyle/>
+                    <a:p>
+                      <a:pPr algn="l">
+                        <a:lnSpc>
+                          <a:spcPct val="115000"/>
+                        </a:lnSpc>
+                        <a:spcAft>
+                          <a:spcPts val="1000"/>
+                        </a:spcAft>
+                      </a:pPr>
+                      <a:r>
+                        <a:rPr lang="en-US" sz="1800" dirty="0">
+                          <a:effectLst/>
+                          <a:latin typeface="Cambria" panose="02040503050406030204" pitchFamily="18" charset="0"/>
+                          <a:ea typeface="MS Mincho" panose="02020609040205080304" pitchFamily="49" charset="-128"/>
+                          <a:cs typeface="Times New Roman" panose="02020603050405020304" pitchFamily="18" charset="0"/>
+                        </a:rPr>
+                        <a:t>5V</a:t>
+                      </a:r>
+                      <a:endParaRPr lang="en-US" sz="1800" dirty="0">
+                        <a:effectLst/>
+                        <a:latin typeface="Calibri" panose="020F0502020204030204" pitchFamily="34" charset="0"/>
+                        <a:ea typeface="Times New Roman" panose="02020603050405020304" pitchFamily="18" charset="0"/>
+                        <a:cs typeface="Times New Roman" panose="02020603050405020304" pitchFamily="18" charset="0"/>
+                      </a:endParaRPr>
+                    </a:p>
+                  </a:txBody>
+                  <a:tcPr marL="68580" marR="68580" marT="0" marB="0" anchor="ctr">
+                    <a:lnL w="12700" cap="flat" cmpd="sng" algn="ctr">
+                      <a:solidFill>
+                        <a:srgbClr val="A6A6A6"/>
+                      </a:solidFill>
+                      <a:prstDash val="solid"/>
+                      <a:round/>
+                      <a:headEnd type="none" w="med" len="med"/>
+                      <a:tailEnd type="none" w="med" len="med"/>
+                    </a:lnL>
+                    <a:lnR w="12700" cap="flat" cmpd="sng" algn="ctr">
+                      <a:solidFill>
+                        <a:srgbClr val="A6A6A6"/>
+                      </a:solidFill>
+                      <a:prstDash val="solid"/>
+                      <a:round/>
+                      <a:headEnd type="none" w="med" len="med"/>
+                      <a:tailEnd type="none" w="med" len="med"/>
+                    </a:lnR>
+                    <a:lnT w="12700" cap="flat" cmpd="sng" algn="ctr">
+                      <a:solidFill>
+                        <a:srgbClr val="A6A6A6"/>
+                      </a:solidFill>
+                      <a:prstDash val="solid"/>
+                      <a:round/>
+                      <a:headEnd type="none" w="med" len="med"/>
+                      <a:tailEnd type="none" w="med" len="med"/>
+                    </a:lnT>
+                    <a:lnB w="12700" cap="flat" cmpd="sng" algn="ctr">
+                      <a:solidFill>
+                        <a:srgbClr val="4F81BD"/>
+                      </a:solidFill>
+                      <a:prstDash val="solid"/>
+                      <a:round/>
+                      <a:headEnd type="none" w="med" len="med"/>
+                      <a:tailEnd type="none" w="med" len="med"/>
+                    </a:lnB>
+                  </a:tcPr>
+                </a:tc>
+                <a:extLst>
+                  <a:ext uri="{0D108BD9-81ED-4DB2-BD59-A6C34878D82A}">
+                    <a16:rowId xmlns:a16="http://schemas.microsoft.com/office/drawing/2014/main" val="2989018193"/>
+                  </a:ext>
+                </a:extLst>
+              </a:tr>
+            </a:tbl>
+          </a:graphicData>
+        </a:graphic>
+      </p:graphicFrame>
+    </p:spTree>
+    <p:extLst>
+      <p:ext uri="{BB962C8B-B14F-4D97-AF65-F5344CB8AC3E}">
+        <p14:creationId xmlns:p14="http://schemas.microsoft.com/office/powerpoint/2010/main" val="2287608486"/>
       </p:ext>
     </p:extLst>
   </p:cSld>
